--- a/업무보고0115.pptx
+++ b/업무보고0115.pptx
@@ -9,6 +9,7 @@
     <p:sldId id="336" r:id="rId3"/>
     <p:sldId id="337" r:id="rId4"/>
     <p:sldId id="338" r:id="rId5"/>
+    <p:sldId id="339" r:id="rId6"/>
   </p:sldIdLst>
   <p:sldSz cx="9144000" cy="6858000" type="screen4x3"/>
   <p:notesSz cx="6858000" cy="9144000"/>
@@ -246,7 +247,7 @@
           <a:p>
             <a:fld id="{9F12D92A-1099-47F9-BA91-F3EF59B10499}" type="datetimeFigureOut">
               <a:rPr lang="ko-KR" altLang="en-US" smtClean="0"/>
-              <a:t>2021-01-11</a:t>
+              <a:t>2021-01-13</a:t>
             </a:fld>
             <a:endParaRPr lang="ko-KR" altLang="en-US"/>
           </a:p>
@@ -416,7 +417,7 @@
           <a:p>
             <a:fld id="{9F12D92A-1099-47F9-BA91-F3EF59B10499}" type="datetimeFigureOut">
               <a:rPr lang="ko-KR" altLang="en-US" smtClean="0"/>
-              <a:t>2021-01-11</a:t>
+              <a:t>2021-01-13</a:t>
             </a:fld>
             <a:endParaRPr lang="ko-KR" altLang="en-US"/>
           </a:p>
@@ -596,7 +597,7 @@
           <a:p>
             <a:fld id="{9F12D92A-1099-47F9-BA91-F3EF59B10499}" type="datetimeFigureOut">
               <a:rPr lang="ko-KR" altLang="en-US" smtClean="0"/>
-              <a:t>2021-01-11</a:t>
+              <a:t>2021-01-13</a:t>
             </a:fld>
             <a:endParaRPr lang="ko-KR" altLang="en-US"/>
           </a:p>
@@ -766,7 +767,7 @@
           <a:p>
             <a:fld id="{9F12D92A-1099-47F9-BA91-F3EF59B10499}" type="datetimeFigureOut">
               <a:rPr lang="ko-KR" altLang="en-US" smtClean="0"/>
-              <a:t>2021-01-11</a:t>
+              <a:t>2021-01-13</a:t>
             </a:fld>
             <a:endParaRPr lang="ko-KR" altLang="en-US"/>
           </a:p>
@@ -1010,7 +1011,7 @@
           <a:p>
             <a:fld id="{9F12D92A-1099-47F9-BA91-F3EF59B10499}" type="datetimeFigureOut">
               <a:rPr lang="ko-KR" altLang="en-US" smtClean="0"/>
-              <a:t>2021-01-11</a:t>
+              <a:t>2021-01-13</a:t>
             </a:fld>
             <a:endParaRPr lang="ko-KR" altLang="en-US"/>
           </a:p>
@@ -1242,7 +1243,7 @@
           <a:p>
             <a:fld id="{9F12D92A-1099-47F9-BA91-F3EF59B10499}" type="datetimeFigureOut">
               <a:rPr lang="ko-KR" altLang="en-US" smtClean="0"/>
-              <a:t>2021-01-11</a:t>
+              <a:t>2021-01-13</a:t>
             </a:fld>
             <a:endParaRPr lang="ko-KR" altLang="en-US"/>
           </a:p>
@@ -1609,7 +1610,7 @@
           <a:p>
             <a:fld id="{9F12D92A-1099-47F9-BA91-F3EF59B10499}" type="datetimeFigureOut">
               <a:rPr lang="ko-KR" altLang="en-US" smtClean="0"/>
-              <a:t>2021-01-11</a:t>
+              <a:t>2021-01-13</a:t>
             </a:fld>
             <a:endParaRPr lang="ko-KR" altLang="en-US"/>
           </a:p>
@@ -1727,7 +1728,7 @@
           <a:p>
             <a:fld id="{9F12D92A-1099-47F9-BA91-F3EF59B10499}" type="datetimeFigureOut">
               <a:rPr lang="ko-KR" altLang="en-US" smtClean="0"/>
-              <a:t>2021-01-11</a:t>
+              <a:t>2021-01-13</a:t>
             </a:fld>
             <a:endParaRPr lang="ko-KR" altLang="en-US"/>
           </a:p>
@@ -1822,7 +1823,7 @@
           <a:p>
             <a:fld id="{9F12D92A-1099-47F9-BA91-F3EF59B10499}" type="datetimeFigureOut">
               <a:rPr lang="ko-KR" altLang="en-US" smtClean="0"/>
-              <a:t>2021-01-11</a:t>
+              <a:t>2021-01-13</a:t>
             </a:fld>
             <a:endParaRPr lang="ko-KR" altLang="en-US"/>
           </a:p>
@@ -2099,7 +2100,7 @@
           <a:p>
             <a:fld id="{9F12D92A-1099-47F9-BA91-F3EF59B10499}" type="datetimeFigureOut">
               <a:rPr lang="ko-KR" altLang="en-US" smtClean="0"/>
-              <a:t>2021-01-11</a:t>
+              <a:t>2021-01-13</a:t>
             </a:fld>
             <a:endParaRPr lang="ko-KR" altLang="en-US"/>
           </a:p>
@@ -2356,7 +2357,7 @@
           <a:p>
             <a:fld id="{9F12D92A-1099-47F9-BA91-F3EF59B10499}" type="datetimeFigureOut">
               <a:rPr lang="ko-KR" altLang="en-US" smtClean="0"/>
-              <a:t>2021-01-11</a:t>
+              <a:t>2021-01-13</a:t>
             </a:fld>
             <a:endParaRPr lang="ko-KR" altLang="en-US"/>
           </a:p>
@@ -2569,7 +2570,7 @@
           <a:p>
             <a:fld id="{9F12D92A-1099-47F9-BA91-F3EF59B10499}" type="datetimeFigureOut">
               <a:rPr lang="ko-KR" altLang="en-US" smtClean="0"/>
-              <a:t>2021-01-11</a:t>
+              <a:t>2021-01-13</a:t>
             </a:fld>
             <a:endParaRPr lang="ko-KR" altLang="en-US"/>
           </a:p>
@@ -3537,10 +3538,133 @@
           <a:chExt cx="0" cy="0"/>
         </a:xfrm>
       </p:grpSpPr>
+      <p:pic>
+        <p:nvPicPr>
+          <p:cNvPr id="2" name="그림 1"/>
+          <p:cNvPicPr>
+            <a:picLocks noChangeAspect="1"/>
+          </p:cNvPicPr>
+          <p:nvPr/>
+        </p:nvPicPr>
+        <p:blipFill>
+          <a:blip r:embed="rId2"/>
+          <a:stretch>
+            <a:fillRect/>
+          </a:stretch>
+        </p:blipFill>
+        <p:spPr>
+          <a:xfrm>
+            <a:off x="1084333" y="995940"/>
+            <a:ext cx="2100839" cy="4583648"/>
+          </a:xfrm>
+          <a:prstGeom prst="rect">
+            <a:avLst/>
+          </a:prstGeom>
+        </p:spPr>
+      </p:pic>
+      <p:pic>
+        <p:nvPicPr>
+          <p:cNvPr id="3" name="그림 2"/>
+          <p:cNvPicPr>
+            <a:picLocks noChangeAspect="1"/>
+          </p:cNvPicPr>
+          <p:nvPr/>
+        </p:nvPicPr>
+        <p:blipFill>
+          <a:blip r:embed="rId3"/>
+          <a:stretch>
+            <a:fillRect/>
+          </a:stretch>
+        </p:blipFill>
+        <p:spPr>
+          <a:xfrm>
+            <a:off x="4132576" y="995940"/>
+            <a:ext cx="3042842" cy="4677104"/>
+          </a:xfrm>
+          <a:prstGeom prst="rect">
+            <a:avLst/>
+          </a:prstGeom>
+        </p:spPr>
+      </p:pic>
     </p:spTree>
     <p:extLst>
       <p:ext uri="{BB962C8B-B14F-4D97-AF65-F5344CB8AC3E}">
         <p14:creationId xmlns:p14="http://schemas.microsoft.com/office/powerpoint/2010/main" val="2904057333"/>
+      </p:ext>
+    </p:extLst>
+  </p:cSld>
+  <p:clrMapOvr>
+    <a:masterClrMapping/>
+  </p:clrMapOvr>
+</p:sld>
+</file>
+
+<file path=ppt/slides/slide5.xml><?xml version="1.0" encoding="utf-8"?>
+<p:sld xmlns:a="http://schemas.openxmlformats.org/drawingml/2006/main" xmlns:r="http://schemas.openxmlformats.org/officeDocument/2006/relationships" xmlns:p="http://schemas.openxmlformats.org/presentationml/2006/main">
+  <p:cSld>
+    <p:spTree>
+      <p:nvGrpSpPr>
+        <p:cNvPr id="1" name=""/>
+        <p:cNvGrpSpPr/>
+        <p:nvPr/>
+      </p:nvGrpSpPr>
+      <p:grpSpPr>
+        <a:xfrm>
+          <a:off x="0" y="0"/>
+          <a:ext cx="0" cy="0"/>
+          <a:chOff x="0" y="0"/>
+          <a:chExt cx="0" cy="0"/>
+        </a:xfrm>
+      </p:grpSpPr>
+      <p:sp>
+        <p:nvSpPr>
+          <p:cNvPr id="2" name="TextBox 1"/>
+          <p:cNvSpPr txBox="1"/>
+          <p:nvPr/>
+        </p:nvSpPr>
+        <p:spPr>
+          <a:xfrm>
+            <a:off x="361101" y="803741"/>
+            <a:ext cx="1217000" cy="461665"/>
+          </a:xfrm>
+          <a:prstGeom prst="rect">
+            <a:avLst/>
+          </a:prstGeom>
+          <a:noFill/>
+        </p:spPr>
+        <p:txBody>
+          <a:bodyPr wrap="none" rtlCol="0">
+            <a:spAutoFit/>
+          </a:bodyPr>
+          <a:lstStyle/>
+          <a:p>
+            <a:r>
+              <a:rPr lang="ko-KR" altLang="en-US" sz="1200" dirty="0" smtClean="0"/>
+              <a:t>카페 유입 </a:t>
+            </a:r>
+            <a:endParaRPr lang="en-US" altLang="ko-KR" sz="1200" dirty="0" smtClean="0"/>
+          </a:p>
+          <a:p>
+            <a:r>
+              <a:rPr lang="ko-KR" altLang="en-US" sz="1200" dirty="0" smtClean="0"/>
+              <a:t>별표 포함 </a:t>
+            </a:r>
+            <a:r>
+              <a:rPr lang="en-US" altLang="ko-KR" sz="1200" dirty="0" smtClean="0"/>
+              <a:t>13</a:t>
+            </a:r>
+            <a:r>
+              <a:rPr lang="ko-KR" altLang="en-US" sz="1200" dirty="0" smtClean="0"/>
+              <a:t>건 </a:t>
+            </a:r>
+            <a:endParaRPr lang="ko-KR" altLang="en-US" sz="1200" dirty="0"/>
+          </a:p>
+        </p:txBody>
+      </p:sp>
+    </p:spTree>
+    <p:extLst>
+      <p:ext uri="{BB962C8B-B14F-4D97-AF65-F5344CB8AC3E}">
+        <p14:creationId xmlns:p14="http://schemas.microsoft.com/office/powerpoint/2010/main" val="58491091"/>
       </p:ext>
     </p:extLst>
   </p:cSld>

--- a/업무보고0115.pptx
+++ b/업무보고0115.pptx
@@ -6,10 +6,16 @@
   </p:sldMasterIdLst>
   <p:sldIdLst>
     <p:sldId id="309" r:id="rId2"/>
-    <p:sldId id="336" r:id="rId3"/>
+    <p:sldId id="341" r:id="rId3"/>
     <p:sldId id="337" r:id="rId4"/>
-    <p:sldId id="338" r:id="rId5"/>
-    <p:sldId id="339" r:id="rId6"/>
+    <p:sldId id="343" r:id="rId5"/>
+    <p:sldId id="340" r:id="rId6"/>
+    <p:sldId id="344" r:id="rId7"/>
+    <p:sldId id="345" r:id="rId8"/>
+    <p:sldId id="346" r:id="rId9"/>
+    <p:sldId id="347" r:id="rId10"/>
+    <p:sldId id="336" r:id="rId11"/>
+    <p:sldId id="338" r:id="rId12"/>
   </p:sldIdLst>
   <p:sldSz cx="9144000" cy="6858000" type="screen4x3"/>
   <p:notesSz cx="6858000" cy="9144000"/>
@@ -247,7 +253,7 @@
           <a:p>
             <a:fld id="{9F12D92A-1099-47F9-BA91-F3EF59B10499}" type="datetimeFigureOut">
               <a:rPr lang="ko-KR" altLang="en-US" smtClean="0"/>
-              <a:t>2021-01-13</a:t>
+              <a:t>2021-01-15</a:t>
             </a:fld>
             <a:endParaRPr lang="ko-KR" altLang="en-US"/>
           </a:p>
@@ -417,7 +423,7 @@
           <a:p>
             <a:fld id="{9F12D92A-1099-47F9-BA91-F3EF59B10499}" type="datetimeFigureOut">
               <a:rPr lang="ko-KR" altLang="en-US" smtClean="0"/>
-              <a:t>2021-01-13</a:t>
+              <a:t>2021-01-15</a:t>
             </a:fld>
             <a:endParaRPr lang="ko-KR" altLang="en-US"/>
           </a:p>
@@ -597,7 +603,7 @@
           <a:p>
             <a:fld id="{9F12D92A-1099-47F9-BA91-F3EF59B10499}" type="datetimeFigureOut">
               <a:rPr lang="ko-KR" altLang="en-US" smtClean="0"/>
-              <a:t>2021-01-13</a:t>
+              <a:t>2021-01-15</a:t>
             </a:fld>
             <a:endParaRPr lang="ko-KR" altLang="en-US"/>
           </a:p>
@@ -767,7 +773,7 @@
           <a:p>
             <a:fld id="{9F12D92A-1099-47F9-BA91-F3EF59B10499}" type="datetimeFigureOut">
               <a:rPr lang="ko-KR" altLang="en-US" smtClean="0"/>
-              <a:t>2021-01-13</a:t>
+              <a:t>2021-01-15</a:t>
             </a:fld>
             <a:endParaRPr lang="ko-KR" altLang="en-US"/>
           </a:p>
@@ -1011,7 +1017,7 @@
           <a:p>
             <a:fld id="{9F12D92A-1099-47F9-BA91-F3EF59B10499}" type="datetimeFigureOut">
               <a:rPr lang="ko-KR" altLang="en-US" smtClean="0"/>
-              <a:t>2021-01-13</a:t>
+              <a:t>2021-01-15</a:t>
             </a:fld>
             <a:endParaRPr lang="ko-KR" altLang="en-US"/>
           </a:p>
@@ -1243,7 +1249,7 @@
           <a:p>
             <a:fld id="{9F12D92A-1099-47F9-BA91-F3EF59B10499}" type="datetimeFigureOut">
               <a:rPr lang="ko-KR" altLang="en-US" smtClean="0"/>
-              <a:t>2021-01-13</a:t>
+              <a:t>2021-01-15</a:t>
             </a:fld>
             <a:endParaRPr lang="ko-KR" altLang="en-US"/>
           </a:p>
@@ -1610,7 +1616,7 @@
           <a:p>
             <a:fld id="{9F12D92A-1099-47F9-BA91-F3EF59B10499}" type="datetimeFigureOut">
               <a:rPr lang="ko-KR" altLang="en-US" smtClean="0"/>
-              <a:t>2021-01-13</a:t>
+              <a:t>2021-01-15</a:t>
             </a:fld>
             <a:endParaRPr lang="ko-KR" altLang="en-US"/>
           </a:p>
@@ -1728,7 +1734,7 @@
           <a:p>
             <a:fld id="{9F12D92A-1099-47F9-BA91-F3EF59B10499}" type="datetimeFigureOut">
               <a:rPr lang="ko-KR" altLang="en-US" smtClean="0"/>
-              <a:t>2021-01-13</a:t>
+              <a:t>2021-01-15</a:t>
             </a:fld>
             <a:endParaRPr lang="ko-KR" altLang="en-US"/>
           </a:p>
@@ -1823,7 +1829,7 @@
           <a:p>
             <a:fld id="{9F12D92A-1099-47F9-BA91-F3EF59B10499}" type="datetimeFigureOut">
               <a:rPr lang="ko-KR" altLang="en-US" smtClean="0"/>
-              <a:t>2021-01-13</a:t>
+              <a:t>2021-01-15</a:t>
             </a:fld>
             <a:endParaRPr lang="ko-KR" altLang="en-US"/>
           </a:p>
@@ -2100,7 +2106,7 @@
           <a:p>
             <a:fld id="{9F12D92A-1099-47F9-BA91-F3EF59B10499}" type="datetimeFigureOut">
               <a:rPr lang="ko-KR" altLang="en-US" smtClean="0"/>
-              <a:t>2021-01-13</a:t>
+              <a:t>2021-01-15</a:t>
             </a:fld>
             <a:endParaRPr lang="ko-KR" altLang="en-US"/>
           </a:p>
@@ -2357,7 +2363,7 @@
           <a:p>
             <a:fld id="{9F12D92A-1099-47F9-BA91-F3EF59B10499}" type="datetimeFigureOut">
               <a:rPr lang="ko-KR" altLang="en-US" smtClean="0"/>
-              <a:t>2021-01-13</a:t>
+              <a:t>2021-01-15</a:t>
             </a:fld>
             <a:endParaRPr lang="ko-KR" altLang="en-US"/>
           </a:p>
@@ -2570,7 +2576,7 @@
           <a:p>
             <a:fld id="{9F12D92A-1099-47F9-BA91-F3EF59B10499}" type="datetimeFigureOut">
               <a:rPr lang="ko-KR" altLang="en-US" smtClean="0"/>
-              <a:t>2021-01-13</a:t>
+              <a:t>2021-01-15</a:t>
             </a:fld>
             <a:endParaRPr lang="ko-KR" altLang="en-US"/>
           </a:p>
@@ -3073,7 +3079,7 @@
                 <a:latin typeface="나눔바른고딕" panose="020B0603020101020101" pitchFamily="50" charset="-127"/>
                 <a:ea typeface="나눔바른고딕" panose="020B0603020101020101" pitchFamily="50" charset="-127"/>
               </a:rPr>
-              <a:t>2020-01-09</a:t>
+              <a:t>2020-01-15</a:t>
             </a:r>
             <a:endParaRPr lang="ko-KR" altLang="en-US" sz="600" dirty="0">
               <a:ln>
@@ -3109,7 +3115,7 @@
 </p:sld>
 </file>
 
-<file path=ppt/slides/slide2.xml><?xml version="1.0" encoding="utf-8"?>
+<file path=ppt/slides/slide10.xml><?xml version="1.0" encoding="utf-8"?>
 <p:sld xmlns:a="http://schemas.openxmlformats.org/drawingml/2006/main" xmlns:r="http://schemas.openxmlformats.org/officeDocument/2006/relationships" xmlns:p="http://schemas.openxmlformats.org/presentationml/2006/main">
   <p:cSld>
     <p:spTree>
@@ -3295,6 +3301,962 @@
     <p:extLst>
       <p:ext uri="{BB962C8B-B14F-4D97-AF65-F5344CB8AC3E}">
         <p14:creationId xmlns:p14="http://schemas.microsoft.com/office/powerpoint/2010/main" val="3294383519"/>
+      </p:ext>
+    </p:extLst>
+  </p:cSld>
+  <p:clrMapOvr>
+    <a:masterClrMapping/>
+  </p:clrMapOvr>
+</p:sld>
+</file>
+
+<file path=ppt/slides/slide11.xml><?xml version="1.0" encoding="utf-8"?>
+<p:sld xmlns:a="http://schemas.openxmlformats.org/drawingml/2006/main" xmlns:r="http://schemas.openxmlformats.org/officeDocument/2006/relationships" xmlns:p="http://schemas.openxmlformats.org/presentationml/2006/main">
+  <p:cSld>
+    <p:spTree>
+      <p:nvGrpSpPr>
+        <p:cNvPr id="1" name=""/>
+        <p:cNvGrpSpPr/>
+        <p:nvPr/>
+      </p:nvGrpSpPr>
+      <p:grpSpPr>
+        <a:xfrm>
+          <a:off x="0" y="0"/>
+          <a:ext cx="0" cy="0"/>
+          <a:chOff x="0" y="0"/>
+          <a:chExt cx="0" cy="0"/>
+        </a:xfrm>
+      </p:grpSpPr>
+      <p:pic>
+        <p:nvPicPr>
+          <p:cNvPr id="2" name="그림 1"/>
+          <p:cNvPicPr>
+            <a:picLocks noChangeAspect="1"/>
+          </p:cNvPicPr>
+          <p:nvPr/>
+        </p:nvPicPr>
+        <p:blipFill>
+          <a:blip r:embed="rId2"/>
+          <a:stretch>
+            <a:fillRect/>
+          </a:stretch>
+        </p:blipFill>
+        <p:spPr>
+          <a:xfrm>
+            <a:off x="1649597" y="1328449"/>
+            <a:ext cx="2100839" cy="4583648"/>
+          </a:xfrm>
+          <a:prstGeom prst="rect">
+            <a:avLst/>
+          </a:prstGeom>
+        </p:spPr>
+      </p:pic>
+      <p:pic>
+        <p:nvPicPr>
+          <p:cNvPr id="3" name="그림 2"/>
+          <p:cNvPicPr>
+            <a:picLocks noChangeAspect="1"/>
+          </p:cNvPicPr>
+          <p:nvPr/>
+        </p:nvPicPr>
+        <p:blipFill>
+          <a:blip r:embed="rId3"/>
+          <a:stretch>
+            <a:fillRect/>
+          </a:stretch>
+        </p:blipFill>
+        <p:spPr>
+          <a:xfrm>
+            <a:off x="4570543" y="1281721"/>
+            <a:ext cx="3042842" cy="4677104"/>
+          </a:xfrm>
+          <a:prstGeom prst="rect">
+            <a:avLst/>
+          </a:prstGeom>
+        </p:spPr>
+      </p:pic>
+      <p:sp>
+        <p:nvSpPr>
+          <p:cNvPr id="4" name="직사각형 3"/>
+          <p:cNvSpPr/>
+          <p:nvPr/>
+        </p:nvSpPr>
+        <p:spPr>
+          <a:xfrm>
+            <a:off x="136868" y="98606"/>
+            <a:ext cx="4572000" cy="253916"/>
+          </a:xfrm>
+          <a:prstGeom prst="rect">
+            <a:avLst/>
+          </a:prstGeom>
+        </p:spPr>
+        <p:txBody>
+          <a:bodyPr>
+            <a:spAutoFit/>
+          </a:bodyPr>
+          <a:lstStyle/>
+          <a:p>
+            <a:r>
+              <a:rPr lang="ko-KR" altLang="en-US" sz="1050" b="1" dirty="0" err="1" smtClean="0">
+                <a:ln>
+                  <a:solidFill>
+                    <a:schemeClr val="tx1">
+                      <a:alpha val="0"/>
+                    </a:schemeClr>
+                  </a:solidFill>
+                </a:ln>
+                <a:latin typeface="나눔바른고딕" panose="020B0603020101020101" pitchFamily="50" charset="-127"/>
+                <a:ea typeface="나눔바른고딕" panose="020B0603020101020101" pitchFamily="50" charset="-127"/>
+              </a:rPr>
+              <a:t>리퍼러</a:t>
+            </a:r>
+            <a:r>
+              <a:rPr lang="ko-KR" altLang="en-US" sz="1050" b="1" dirty="0" smtClean="0">
+                <a:ln>
+                  <a:solidFill>
+                    <a:schemeClr val="tx1">
+                      <a:alpha val="0"/>
+                    </a:schemeClr>
+                  </a:solidFill>
+                </a:ln>
+                <a:latin typeface="나눔바른고딕" panose="020B0603020101020101" pitchFamily="50" charset="-127"/>
+                <a:ea typeface="나눔바른고딕" panose="020B0603020101020101" pitchFamily="50" charset="-127"/>
+              </a:rPr>
+              <a:t> </a:t>
+            </a:r>
+            <a:r>
+              <a:rPr lang="ko-KR" altLang="en-US" sz="1050" b="1" dirty="0" err="1" smtClean="0">
+                <a:ln>
+                  <a:solidFill>
+                    <a:schemeClr val="tx1">
+                      <a:alpha val="0"/>
+                    </a:schemeClr>
+                  </a:solidFill>
+                </a:ln>
+                <a:latin typeface="나눔바른고딕" panose="020B0603020101020101" pitchFamily="50" charset="-127"/>
+                <a:ea typeface="나눔바른고딕" panose="020B0603020101020101" pitchFamily="50" charset="-127"/>
+              </a:rPr>
+              <a:t>인사이트</a:t>
+            </a:r>
+            <a:endParaRPr lang="ko-KR" altLang="en-US" sz="1050" b="1" dirty="0">
+              <a:ln>
+                <a:solidFill>
+                  <a:schemeClr val="tx1">
+                    <a:alpha val="0"/>
+                  </a:schemeClr>
+                </a:solidFill>
+              </a:ln>
+              <a:latin typeface="나눔바른고딕" panose="020B0603020101020101" pitchFamily="50" charset="-127"/>
+              <a:ea typeface="나눔바른고딕" panose="020B0603020101020101" pitchFamily="50" charset="-127"/>
+            </a:endParaRPr>
+          </a:p>
+        </p:txBody>
+      </p:sp>
+      <p:cxnSp>
+        <p:nvCxnSpPr>
+          <p:cNvPr id="5" name="직선 연결선 4"/>
+          <p:cNvCxnSpPr/>
+          <p:nvPr/>
+        </p:nvCxnSpPr>
+        <p:spPr>
+          <a:xfrm>
+            <a:off x="136868" y="401870"/>
+            <a:ext cx="8867351" cy="0"/>
+          </a:xfrm>
+          <a:prstGeom prst="line">
+            <a:avLst/>
+          </a:prstGeom>
+          <a:ln>
+            <a:solidFill>
+              <a:schemeClr val="tx1"/>
+            </a:solidFill>
+          </a:ln>
+        </p:spPr>
+        <p:style>
+          <a:lnRef idx="1">
+            <a:schemeClr val="accent1"/>
+          </a:lnRef>
+          <a:fillRef idx="0">
+            <a:schemeClr val="accent1"/>
+          </a:fillRef>
+          <a:effectRef idx="0">
+            <a:schemeClr val="accent1"/>
+          </a:effectRef>
+          <a:fontRef idx="minor">
+            <a:schemeClr val="tx1"/>
+          </a:fontRef>
+        </p:style>
+      </p:cxnSp>
+    </p:spTree>
+    <p:extLst>
+      <p:ext uri="{BB962C8B-B14F-4D97-AF65-F5344CB8AC3E}">
+        <p14:creationId xmlns:p14="http://schemas.microsoft.com/office/powerpoint/2010/main" val="2904057333"/>
+      </p:ext>
+    </p:extLst>
+  </p:cSld>
+  <p:clrMapOvr>
+    <a:masterClrMapping/>
+  </p:clrMapOvr>
+</p:sld>
+</file>
+
+<file path=ppt/slides/slide2.xml><?xml version="1.0" encoding="utf-8"?>
+<p:sld xmlns:a="http://schemas.openxmlformats.org/drawingml/2006/main" xmlns:r="http://schemas.openxmlformats.org/officeDocument/2006/relationships" xmlns:p="http://schemas.openxmlformats.org/presentationml/2006/main">
+  <p:cSld>
+    <p:spTree>
+      <p:nvGrpSpPr>
+        <p:cNvPr id="1" name=""/>
+        <p:cNvGrpSpPr/>
+        <p:nvPr/>
+      </p:nvGrpSpPr>
+      <p:grpSpPr>
+        <a:xfrm>
+          <a:off x="0" y="0"/>
+          <a:ext cx="0" cy="0"/>
+          <a:chOff x="0" y="0"/>
+          <a:chExt cx="0" cy="0"/>
+        </a:xfrm>
+      </p:grpSpPr>
+      <p:pic>
+        <p:nvPicPr>
+          <p:cNvPr id="15" name="그림 14"/>
+          <p:cNvPicPr>
+            <a:picLocks noChangeAspect="1"/>
+          </p:cNvPicPr>
+          <p:nvPr/>
+        </p:nvPicPr>
+        <p:blipFill>
+          <a:blip r:embed="rId2"/>
+          <a:stretch>
+            <a:fillRect/>
+          </a:stretch>
+        </p:blipFill>
+        <p:spPr>
+          <a:xfrm>
+            <a:off x="297757" y="2614140"/>
+            <a:ext cx="6552940" cy="2847931"/>
+          </a:xfrm>
+          <a:prstGeom prst="rect">
+            <a:avLst/>
+          </a:prstGeom>
+        </p:spPr>
+      </p:pic>
+      <p:sp>
+        <p:nvSpPr>
+          <p:cNvPr id="2" name="직사각형 1"/>
+          <p:cNvSpPr/>
+          <p:nvPr/>
+        </p:nvSpPr>
+        <p:spPr>
+          <a:xfrm>
+            <a:off x="136868" y="98606"/>
+            <a:ext cx="4572000" cy="253916"/>
+          </a:xfrm>
+          <a:prstGeom prst="rect">
+            <a:avLst/>
+          </a:prstGeom>
+        </p:spPr>
+        <p:txBody>
+          <a:bodyPr>
+            <a:spAutoFit/>
+          </a:bodyPr>
+          <a:lstStyle/>
+          <a:p>
+            <a:r>
+              <a:rPr lang="en-US" altLang="ko-KR" sz="1050" b="1" dirty="0" smtClean="0">
+                <a:ln>
+                  <a:solidFill>
+                    <a:schemeClr val="tx1">
+                      <a:alpha val="0"/>
+                    </a:schemeClr>
+                  </a:solidFill>
+                </a:ln>
+                <a:latin typeface="나눔바른고딕" panose="020B0603020101020101" pitchFamily="50" charset="-127"/>
+                <a:ea typeface="나눔바른고딕" panose="020B0603020101020101" pitchFamily="50" charset="-127"/>
+              </a:rPr>
+              <a:t>01.08-01.14 </a:t>
+            </a:r>
+            <a:r>
+              <a:rPr lang="ko-KR" altLang="en-US" sz="1050" b="1" dirty="0">
+                <a:ln>
+                  <a:solidFill>
+                    <a:schemeClr val="tx1">
+                      <a:alpha val="0"/>
+                    </a:schemeClr>
+                  </a:solidFill>
+                </a:ln>
+                <a:latin typeface="나눔바른고딕" panose="020B0603020101020101" pitchFamily="50" charset="-127"/>
+                <a:ea typeface="나눔바른고딕" panose="020B0603020101020101" pitchFamily="50" charset="-127"/>
+              </a:rPr>
+              <a:t>금주 </a:t>
+            </a:r>
+            <a:r>
+              <a:rPr lang="ko-KR" altLang="en-US" sz="1050" b="1" dirty="0" smtClean="0">
+                <a:ln>
+                  <a:solidFill>
+                    <a:schemeClr val="tx1">
+                      <a:alpha val="0"/>
+                    </a:schemeClr>
+                  </a:solidFill>
+                </a:ln>
+                <a:latin typeface="나눔바른고딕" panose="020B0603020101020101" pitchFamily="50" charset="-127"/>
+                <a:ea typeface="나눔바른고딕" panose="020B0603020101020101" pitchFamily="50" charset="-127"/>
+              </a:rPr>
+              <a:t>유입 사용자</a:t>
+            </a:r>
+            <a:endParaRPr lang="ko-KR" altLang="en-US" sz="1050" b="1" dirty="0">
+              <a:ln>
+                <a:solidFill>
+                  <a:schemeClr val="tx1">
+                    <a:alpha val="0"/>
+                  </a:schemeClr>
+                </a:solidFill>
+              </a:ln>
+              <a:latin typeface="나눔바른고딕" panose="020B0603020101020101" pitchFamily="50" charset="-127"/>
+              <a:ea typeface="나눔바른고딕" panose="020B0603020101020101" pitchFamily="50" charset="-127"/>
+            </a:endParaRPr>
+          </a:p>
+        </p:txBody>
+      </p:sp>
+      <p:cxnSp>
+        <p:nvCxnSpPr>
+          <p:cNvPr id="3" name="직선 연결선 2"/>
+          <p:cNvCxnSpPr/>
+          <p:nvPr/>
+        </p:nvCxnSpPr>
+        <p:spPr>
+          <a:xfrm>
+            <a:off x="136868" y="401870"/>
+            <a:ext cx="8867351" cy="0"/>
+          </a:xfrm>
+          <a:prstGeom prst="line">
+            <a:avLst/>
+          </a:prstGeom>
+          <a:ln>
+            <a:solidFill>
+              <a:schemeClr val="tx1"/>
+            </a:solidFill>
+          </a:ln>
+        </p:spPr>
+        <p:style>
+          <a:lnRef idx="1">
+            <a:schemeClr val="accent1"/>
+          </a:lnRef>
+          <a:fillRef idx="0">
+            <a:schemeClr val="accent1"/>
+          </a:fillRef>
+          <a:effectRef idx="0">
+            <a:schemeClr val="accent1"/>
+          </a:effectRef>
+          <a:fontRef idx="minor">
+            <a:schemeClr val="tx1"/>
+          </a:fontRef>
+        </p:style>
+      </p:cxnSp>
+      <p:sp>
+        <p:nvSpPr>
+          <p:cNvPr id="8" name="직사각형 7"/>
+          <p:cNvSpPr/>
+          <p:nvPr/>
+        </p:nvSpPr>
+        <p:spPr>
+          <a:xfrm>
+            <a:off x="3376352" y="2959537"/>
+            <a:ext cx="2384368" cy="2535787"/>
+          </a:xfrm>
+          <a:prstGeom prst="rect">
+            <a:avLst/>
+          </a:prstGeom>
+          <a:solidFill>
+            <a:schemeClr val="accent4">
+              <a:lumMod val="20000"/>
+              <a:lumOff val="80000"/>
+              <a:alpha val="20000"/>
+            </a:schemeClr>
+          </a:solidFill>
+          <a:ln w="25400">
+            <a:solidFill>
+              <a:srgbClr val="C00000"/>
+            </a:solidFill>
+          </a:ln>
+        </p:spPr>
+        <p:txBody>
+          <a:bodyPr wrap="square">
+            <a:spAutoFit/>
+          </a:bodyPr>
+          <a:lstStyle/>
+          <a:p>
+            <a:pPr algn="r"/>
+            <a:endParaRPr lang="en-US" altLang="ko-KR" sz="1200" dirty="0">
+              <a:ln>
+                <a:solidFill>
+                  <a:schemeClr val="tx1">
+                    <a:alpha val="0"/>
+                  </a:schemeClr>
+                </a:solidFill>
+              </a:ln>
+              <a:latin typeface="나눔바른고딕" panose="020B0603020101020101" pitchFamily="50" charset="-127"/>
+              <a:ea typeface="나눔바른고딕" panose="020B0603020101020101" pitchFamily="50" charset="-127"/>
+            </a:endParaRPr>
+          </a:p>
+        </p:txBody>
+      </p:sp>
+      <p:sp>
+        <p:nvSpPr>
+          <p:cNvPr id="9" name="직사각형 8"/>
+          <p:cNvSpPr/>
+          <p:nvPr/>
+        </p:nvSpPr>
+        <p:spPr>
+          <a:xfrm>
+            <a:off x="356363" y="3806136"/>
+            <a:ext cx="6494334" cy="191052"/>
+          </a:xfrm>
+          <a:prstGeom prst="rect">
+            <a:avLst/>
+          </a:prstGeom>
+          <a:solidFill>
+            <a:schemeClr val="accent4">
+              <a:lumMod val="20000"/>
+              <a:lumOff val="80000"/>
+              <a:alpha val="20000"/>
+            </a:schemeClr>
+          </a:solidFill>
+          <a:ln w="25400">
+            <a:solidFill>
+              <a:srgbClr val="0070C0"/>
+            </a:solidFill>
+          </a:ln>
+        </p:spPr>
+        <p:txBody>
+          <a:bodyPr wrap="square">
+            <a:spAutoFit/>
+          </a:bodyPr>
+          <a:lstStyle/>
+          <a:p>
+            <a:pPr algn="r"/>
+            <a:endParaRPr lang="en-US" altLang="ko-KR" sz="1200" dirty="0">
+              <a:ln>
+                <a:solidFill>
+                  <a:schemeClr val="tx1">
+                    <a:alpha val="0"/>
+                  </a:schemeClr>
+                </a:solidFill>
+              </a:ln>
+              <a:latin typeface="나눔바른고딕" panose="020B0603020101020101" pitchFamily="50" charset="-127"/>
+              <a:ea typeface="나눔바른고딕" panose="020B0603020101020101" pitchFamily="50" charset="-127"/>
+            </a:endParaRPr>
+          </a:p>
+        </p:txBody>
+      </p:sp>
+      <p:sp>
+        <p:nvSpPr>
+          <p:cNvPr id="11" name="직사각형 10"/>
+          <p:cNvSpPr/>
+          <p:nvPr/>
+        </p:nvSpPr>
+        <p:spPr>
+          <a:xfrm>
+            <a:off x="356363" y="4758162"/>
+            <a:ext cx="6494334" cy="191052"/>
+          </a:xfrm>
+          <a:prstGeom prst="rect">
+            <a:avLst/>
+          </a:prstGeom>
+          <a:solidFill>
+            <a:schemeClr val="accent4">
+              <a:lumMod val="20000"/>
+              <a:lumOff val="80000"/>
+              <a:alpha val="20000"/>
+            </a:schemeClr>
+          </a:solidFill>
+          <a:ln w="25400">
+            <a:solidFill>
+              <a:srgbClr val="0070C0"/>
+            </a:solidFill>
+          </a:ln>
+        </p:spPr>
+        <p:txBody>
+          <a:bodyPr wrap="square">
+            <a:spAutoFit/>
+          </a:bodyPr>
+          <a:lstStyle/>
+          <a:p>
+            <a:pPr algn="r"/>
+            <a:endParaRPr lang="en-US" altLang="ko-KR" sz="1200" dirty="0">
+              <a:ln>
+                <a:solidFill>
+                  <a:schemeClr val="tx1">
+                    <a:alpha val="0"/>
+                  </a:schemeClr>
+                </a:solidFill>
+              </a:ln>
+              <a:latin typeface="나눔바른고딕" panose="020B0603020101020101" pitchFamily="50" charset="-127"/>
+              <a:ea typeface="나눔바른고딕" panose="020B0603020101020101" pitchFamily="50" charset="-127"/>
+            </a:endParaRPr>
+          </a:p>
+        </p:txBody>
+      </p:sp>
+      <p:sp>
+        <p:nvSpPr>
+          <p:cNvPr id="12" name="직사각형 11"/>
+          <p:cNvSpPr/>
+          <p:nvPr/>
+        </p:nvSpPr>
+        <p:spPr>
+          <a:xfrm>
+            <a:off x="4787900" y="5930167"/>
+            <a:ext cx="4077145" cy="461665"/>
+          </a:xfrm>
+          <a:prstGeom prst="rect">
+            <a:avLst/>
+          </a:prstGeom>
+          <a:solidFill>
+            <a:schemeClr val="accent4">
+              <a:lumMod val="20000"/>
+              <a:lumOff val="80000"/>
+            </a:schemeClr>
+          </a:solidFill>
+          <a:ln w="25400">
+            <a:solidFill>
+              <a:srgbClr val="C00000"/>
+            </a:solidFill>
+          </a:ln>
+        </p:spPr>
+        <p:txBody>
+          <a:bodyPr wrap="square">
+            <a:spAutoFit/>
+          </a:bodyPr>
+          <a:lstStyle/>
+          <a:p>
+            <a:pPr algn="r"/>
+            <a:r>
+              <a:rPr lang="ko-KR" altLang="en-US" sz="1200" b="1" dirty="0" smtClean="0">
+                <a:ln>
+                  <a:solidFill>
+                    <a:schemeClr val="tx1">
+                      <a:alpha val="0"/>
+                    </a:schemeClr>
+                  </a:solidFill>
+                </a:ln>
+                <a:latin typeface="나눔바른고딕" panose="020B0603020101020101" pitchFamily="50" charset="-127"/>
+                <a:ea typeface="나눔바른고딕" panose="020B0603020101020101" pitchFamily="50" charset="-127"/>
+              </a:rPr>
+              <a:t>전 주 대비 신규 방문자 수 </a:t>
+            </a:r>
+            <a:r>
+              <a:rPr lang="en-US" altLang="ko-KR" sz="1200" b="1" dirty="0" smtClean="0">
+                <a:ln>
+                  <a:solidFill>
+                    <a:schemeClr val="tx1">
+                      <a:alpha val="0"/>
+                    </a:schemeClr>
+                  </a:solidFill>
+                </a:ln>
+                <a:latin typeface="나눔바른고딕" panose="020B0603020101020101" pitchFamily="50" charset="-127"/>
+                <a:ea typeface="나눔바른고딕" panose="020B0603020101020101" pitchFamily="50" charset="-127"/>
+              </a:rPr>
+              <a:t>-16.72%</a:t>
+            </a:r>
+            <a:endParaRPr lang="en-US" altLang="ko-KR" sz="1200" b="1" dirty="0">
+              <a:ln>
+                <a:solidFill>
+                  <a:schemeClr val="tx1">
+                    <a:alpha val="0"/>
+                  </a:schemeClr>
+                </a:solidFill>
+              </a:ln>
+              <a:latin typeface="나눔바른고딕" panose="020B0603020101020101" pitchFamily="50" charset="-127"/>
+              <a:ea typeface="나눔바른고딕" panose="020B0603020101020101" pitchFamily="50" charset="-127"/>
+            </a:endParaRPr>
+          </a:p>
+          <a:p>
+            <a:pPr algn="r"/>
+            <a:r>
+              <a:rPr lang="en-US" altLang="ko-KR" sz="1200" dirty="0" smtClean="0">
+                <a:ln>
+                  <a:solidFill>
+                    <a:schemeClr val="tx1">
+                      <a:alpha val="0"/>
+                    </a:schemeClr>
+                  </a:solidFill>
+                </a:ln>
+                <a:solidFill>
+                  <a:srgbClr val="FF0000"/>
+                </a:solidFill>
+                <a:latin typeface="나눔바른고딕" panose="020B0603020101020101" pitchFamily="50" charset="-127"/>
+                <a:ea typeface="나눔바른고딕" panose="020B0603020101020101" pitchFamily="50" charset="-127"/>
+              </a:rPr>
+              <a:t>GDN</a:t>
+            </a:r>
+            <a:r>
+              <a:rPr lang="ko-KR" altLang="en-US" sz="1200" dirty="0" smtClean="0">
+                <a:ln>
+                  <a:solidFill>
+                    <a:schemeClr val="tx1">
+                      <a:alpha val="0"/>
+                    </a:schemeClr>
+                  </a:solidFill>
+                </a:ln>
+                <a:solidFill>
+                  <a:srgbClr val="FF0000"/>
+                </a:solidFill>
+                <a:latin typeface="나눔바른고딕" panose="020B0603020101020101" pitchFamily="50" charset="-127"/>
+                <a:ea typeface="나눔바른고딕" panose="020B0603020101020101" pitchFamily="50" charset="-127"/>
+              </a:rPr>
+              <a:t>을 통한 </a:t>
+            </a:r>
+            <a:r>
+              <a:rPr lang="ko-KR" altLang="en-US" sz="1200" dirty="0" err="1" smtClean="0">
+                <a:ln>
+                  <a:solidFill>
+                    <a:schemeClr val="tx1">
+                      <a:alpha val="0"/>
+                    </a:schemeClr>
+                  </a:solidFill>
+                </a:ln>
+                <a:solidFill>
+                  <a:srgbClr val="FF0000"/>
+                </a:solidFill>
+                <a:latin typeface="나눔바른고딕" panose="020B0603020101020101" pitchFamily="50" charset="-127"/>
+                <a:ea typeface="나눔바른고딕" panose="020B0603020101020101" pitchFamily="50" charset="-127"/>
+              </a:rPr>
+              <a:t>유입채널</a:t>
+            </a:r>
+            <a:r>
+              <a:rPr lang="ko-KR" altLang="en-US" sz="1200" dirty="0" smtClean="0">
+                <a:ln>
+                  <a:solidFill>
+                    <a:schemeClr val="tx1">
+                      <a:alpha val="0"/>
+                    </a:schemeClr>
+                  </a:solidFill>
+                </a:ln>
+                <a:solidFill>
+                  <a:srgbClr val="FF0000"/>
+                </a:solidFill>
+                <a:latin typeface="나눔바른고딕" panose="020B0603020101020101" pitchFamily="50" charset="-127"/>
+                <a:ea typeface="나눔바른고딕" panose="020B0603020101020101" pitchFamily="50" charset="-127"/>
+              </a:rPr>
+              <a:t> 확장 예정</a:t>
+            </a:r>
+            <a:endParaRPr lang="en-US" altLang="ko-KR" sz="1200" dirty="0">
+              <a:ln>
+                <a:solidFill>
+                  <a:schemeClr val="tx1">
+                    <a:alpha val="0"/>
+                  </a:schemeClr>
+                </a:solidFill>
+              </a:ln>
+              <a:solidFill>
+                <a:srgbClr val="FF0000"/>
+              </a:solidFill>
+              <a:latin typeface="나눔바른고딕" panose="020B0603020101020101" pitchFamily="50" charset="-127"/>
+              <a:ea typeface="나눔바른고딕" panose="020B0603020101020101" pitchFamily="50" charset="-127"/>
+            </a:endParaRPr>
+          </a:p>
+        </p:txBody>
+      </p:sp>
+      <p:pic>
+        <p:nvPicPr>
+          <p:cNvPr id="13" name="그림 12"/>
+          <p:cNvPicPr>
+            <a:picLocks noChangeAspect="1"/>
+          </p:cNvPicPr>
+          <p:nvPr/>
+        </p:nvPicPr>
+        <p:blipFill>
+          <a:blip r:embed="rId3"/>
+          <a:stretch>
+            <a:fillRect/>
+          </a:stretch>
+        </p:blipFill>
+        <p:spPr>
+          <a:xfrm>
+            <a:off x="297757" y="548303"/>
+            <a:ext cx="8567288" cy="842936"/>
+          </a:xfrm>
+          <a:prstGeom prst="rect">
+            <a:avLst/>
+          </a:prstGeom>
+        </p:spPr>
+      </p:pic>
+      <p:pic>
+        <p:nvPicPr>
+          <p:cNvPr id="14" name="그림 13"/>
+          <p:cNvPicPr>
+            <a:picLocks noChangeAspect="1"/>
+          </p:cNvPicPr>
+          <p:nvPr/>
+        </p:nvPicPr>
+        <p:blipFill>
+          <a:blip r:embed="rId4"/>
+          <a:stretch>
+            <a:fillRect/>
+          </a:stretch>
+        </p:blipFill>
+        <p:spPr>
+          <a:xfrm>
+            <a:off x="326072" y="1392373"/>
+            <a:ext cx="8538973" cy="786925"/>
+          </a:xfrm>
+          <a:prstGeom prst="rect">
+            <a:avLst/>
+          </a:prstGeom>
+        </p:spPr>
+      </p:pic>
+      <p:sp>
+        <p:nvSpPr>
+          <p:cNvPr id="16" name="직사각형 15"/>
+          <p:cNvSpPr/>
+          <p:nvPr/>
+        </p:nvSpPr>
+        <p:spPr>
+          <a:xfrm>
+            <a:off x="326072" y="5930167"/>
+            <a:ext cx="2130082" cy="430887"/>
+          </a:xfrm>
+          <a:prstGeom prst="rect">
+            <a:avLst/>
+          </a:prstGeom>
+          <a:solidFill>
+            <a:schemeClr val="bg2"/>
+          </a:solidFill>
+          <a:ln>
+            <a:solidFill>
+              <a:srgbClr val="0070C0"/>
+            </a:solidFill>
+          </a:ln>
+        </p:spPr>
+        <p:txBody>
+          <a:bodyPr wrap="square">
+            <a:spAutoFit/>
+          </a:bodyPr>
+          <a:lstStyle/>
+          <a:p>
+            <a:pPr algn="ctr"/>
+            <a:r>
+              <a:rPr lang="ko-KR" altLang="en-US" sz="1100" b="1" dirty="0" err="1" smtClean="0">
+                <a:ln>
+                  <a:solidFill>
+                    <a:schemeClr val="tx1">
+                      <a:alpha val="0"/>
+                    </a:schemeClr>
+                  </a:solidFill>
+                </a:ln>
+                <a:latin typeface="나눔바른고딕" panose="020B0603020101020101" pitchFamily="50" charset="-127"/>
+                <a:ea typeface="나눔바른고딕" panose="020B0603020101020101" pitchFamily="50" charset="-127"/>
+              </a:rPr>
+              <a:t>체험권</a:t>
+            </a:r>
+            <a:r>
+              <a:rPr lang="ko-KR" altLang="en-US" sz="1100" b="1" dirty="0" smtClean="0">
+                <a:ln>
+                  <a:solidFill>
+                    <a:schemeClr val="tx1">
+                      <a:alpha val="0"/>
+                    </a:schemeClr>
+                  </a:solidFill>
+                </a:ln>
+                <a:latin typeface="나눔바른고딕" panose="020B0603020101020101" pitchFamily="50" charset="-127"/>
+                <a:ea typeface="나눔바른고딕" panose="020B0603020101020101" pitchFamily="50" charset="-127"/>
+              </a:rPr>
+              <a:t> 신청 인원 </a:t>
+            </a:r>
+            <a:endParaRPr lang="en-US" altLang="ko-KR" sz="1100" b="1" dirty="0" smtClean="0">
+              <a:ln>
+                <a:solidFill>
+                  <a:schemeClr val="tx1">
+                    <a:alpha val="0"/>
+                  </a:schemeClr>
+                </a:solidFill>
+              </a:ln>
+              <a:latin typeface="나눔바른고딕" panose="020B0603020101020101" pitchFamily="50" charset="-127"/>
+              <a:ea typeface="나눔바른고딕" panose="020B0603020101020101" pitchFamily="50" charset="-127"/>
+            </a:endParaRPr>
+          </a:p>
+          <a:p>
+            <a:pPr algn="ctr"/>
+            <a:r>
+              <a:rPr lang="ko-KR" altLang="en-US" sz="1100" dirty="0" smtClean="0">
+                <a:ln>
+                  <a:solidFill>
+                    <a:schemeClr val="tx1">
+                      <a:alpha val="0"/>
+                    </a:schemeClr>
+                  </a:solidFill>
+                </a:ln>
+                <a:solidFill>
+                  <a:srgbClr val="FF0000"/>
+                </a:solidFill>
+                <a:latin typeface="나눔바른고딕" panose="020B0603020101020101" pitchFamily="50" charset="-127"/>
+                <a:ea typeface="나눔바른고딕" panose="020B0603020101020101" pitchFamily="50" charset="-127"/>
+              </a:rPr>
+              <a:t>동 기간 </a:t>
+            </a:r>
+            <a:r>
+              <a:rPr lang="en-US" altLang="ko-KR" sz="1100" dirty="0" smtClean="0">
+                <a:ln>
+                  <a:solidFill>
+                    <a:schemeClr val="tx1">
+                      <a:alpha val="0"/>
+                    </a:schemeClr>
+                  </a:solidFill>
+                </a:ln>
+                <a:solidFill>
+                  <a:srgbClr val="FF0000"/>
+                </a:solidFill>
+                <a:latin typeface="나눔바른고딕" panose="020B0603020101020101" pitchFamily="50" charset="-127"/>
+                <a:ea typeface="나눔바른고딕" panose="020B0603020101020101" pitchFamily="50" charset="-127"/>
+              </a:rPr>
+              <a:t>45</a:t>
+            </a:r>
+            <a:r>
+              <a:rPr lang="en-US" altLang="ko-KR" sz="1100" dirty="0" smtClean="0">
+                <a:ln>
+                  <a:solidFill>
+                    <a:schemeClr val="tx1">
+                      <a:alpha val="0"/>
+                    </a:schemeClr>
+                  </a:solidFill>
+                </a:ln>
+                <a:solidFill>
+                  <a:srgbClr val="FF0000"/>
+                </a:solidFill>
+                <a:latin typeface="나눔바른고딕" panose="020B0603020101020101" pitchFamily="50" charset="-127"/>
+                <a:ea typeface="나눔바른고딕" panose="020B0603020101020101" pitchFamily="50" charset="-127"/>
+              </a:rPr>
+              <a:t> </a:t>
+            </a:r>
+            <a:r>
+              <a:rPr lang="en-US" altLang="ko-KR" sz="1100" dirty="0" smtClean="0">
+                <a:ln>
+                  <a:solidFill>
+                    <a:schemeClr val="tx1">
+                      <a:alpha val="0"/>
+                    </a:schemeClr>
+                  </a:solidFill>
+                </a:ln>
+                <a:solidFill>
+                  <a:srgbClr val="FF0000"/>
+                </a:solidFill>
+                <a:latin typeface="나눔바른고딕" panose="020B0603020101020101" pitchFamily="50" charset="-127"/>
+                <a:ea typeface="나눔바른고딕" panose="020B0603020101020101" pitchFamily="50" charset="-127"/>
+                <a:sym typeface="Wingdings" panose="05000000000000000000" pitchFamily="2" charset="2"/>
+              </a:rPr>
+              <a:t> </a:t>
+            </a:r>
+            <a:r>
+              <a:rPr lang="en-US" altLang="ko-KR" sz="1100" dirty="0" smtClean="0">
+                <a:ln>
+                  <a:solidFill>
+                    <a:schemeClr val="tx1">
+                      <a:alpha val="0"/>
+                    </a:schemeClr>
+                  </a:solidFill>
+                </a:ln>
+                <a:solidFill>
+                  <a:srgbClr val="FF0000"/>
+                </a:solidFill>
+                <a:latin typeface="나눔바른고딕" panose="020B0603020101020101" pitchFamily="50" charset="-127"/>
+                <a:ea typeface="나눔바른고딕" panose="020B0603020101020101" pitchFamily="50" charset="-127"/>
+                <a:sym typeface="Wingdings" panose="05000000000000000000" pitchFamily="2" charset="2"/>
+              </a:rPr>
+              <a:t>42</a:t>
+            </a:r>
+            <a:r>
+              <a:rPr lang="ko-KR" altLang="en-US" sz="1100" dirty="0" smtClean="0">
+                <a:ln>
+                  <a:solidFill>
+                    <a:schemeClr val="tx1">
+                      <a:alpha val="0"/>
+                    </a:schemeClr>
+                  </a:solidFill>
+                </a:ln>
+                <a:solidFill>
+                  <a:srgbClr val="FF0000"/>
+                </a:solidFill>
+                <a:latin typeface="나눔바른고딕" panose="020B0603020101020101" pitchFamily="50" charset="-127"/>
+                <a:ea typeface="나눔바른고딕" panose="020B0603020101020101" pitchFamily="50" charset="-127"/>
+                <a:sym typeface="Wingdings" panose="05000000000000000000" pitchFamily="2" charset="2"/>
+              </a:rPr>
+              <a:t>명으로 </a:t>
+            </a:r>
+            <a:r>
+              <a:rPr lang="en-US" altLang="ko-KR" sz="1100" dirty="0">
+                <a:ln>
+                  <a:solidFill>
+                    <a:schemeClr val="tx1">
+                      <a:alpha val="0"/>
+                    </a:schemeClr>
+                  </a:solidFill>
+                </a:ln>
+                <a:solidFill>
+                  <a:srgbClr val="FF0000"/>
+                </a:solidFill>
+                <a:latin typeface="나눔바른고딕" panose="020B0603020101020101" pitchFamily="50" charset="-127"/>
+                <a:ea typeface="나눔바른고딕" panose="020B0603020101020101" pitchFamily="50" charset="-127"/>
+                <a:sym typeface="Wingdings" panose="05000000000000000000" pitchFamily="2" charset="2"/>
+              </a:rPr>
+              <a:t>7</a:t>
+            </a:r>
+            <a:r>
+              <a:rPr lang="en-US" altLang="ko-KR" sz="1100" dirty="0" smtClean="0">
+                <a:ln>
+                  <a:solidFill>
+                    <a:schemeClr val="tx1">
+                      <a:alpha val="0"/>
+                    </a:schemeClr>
+                  </a:solidFill>
+                </a:ln>
+                <a:solidFill>
+                  <a:srgbClr val="FF0000"/>
+                </a:solidFill>
+                <a:latin typeface="나눔바른고딕" panose="020B0603020101020101" pitchFamily="50" charset="-127"/>
+                <a:ea typeface="나눔바른고딕" panose="020B0603020101020101" pitchFamily="50" charset="-127"/>
+                <a:sym typeface="Wingdings" panose="05000000000000000000" pitchFamily="2" charset="2"/>
+              </a:rPr>
+              <a:t>% </a:t>
+            </a:r>
+            <a:r>
+              <a:rPr lang="ko-KR" altLang="en-US" sz="1100" dirty="0" smtClean="0">
+                <a:ln>
+                  <a:solidFill>
+                    <a:schemeClr val="tx1">
+                      <a:alpha val="0"/>
+                    </a:schemeClr>
+                  </a:solidFill>
+                </a:ln>
+                <a:solidFill>
+                  <a:srgbClr val="FF0000"/>
+                </a:solidFill>
+                <a:latin typeface="나눔바른고딕" panose="020B0603020101020101" pitchFamily="50" charset="-127"/>
+                <a:ea typeface="나눔바른고딕" panose="020B0603020101020101" pitchFamily="50" charset="-127"/>
+                <a:sym typeface="Wingdings" panose="05000000000000000000" pitchFamily="2" charset="2"/>
+              </a:rPr>
+              <a:t>감소</a:t>
+            </a:r>
+            <a:endParaRPr lang="en-US" altLang="ko-KR" sz="1100" dirty="0">
+              <a:ln>
+                <a:solidFill>
+                  <a:schemeClr val="tx1">
+                    <a:alpha val="0"/>
+                  </a:schemeClr>
+                </a:solidFill>
+              </a:ln>
+              <a:solidFill>
+                <a:srgbClr val="FF0000"/>
+              </a:solidFill>
+              <a:latin typeface="나눔바른고딕" panose="020B0603020101020101" pitchFamily="50" charset="-127"/>
+              <a:ea typeface="나눔바른고딕" panose="020B0603020101020101" pitchFamily="50" charset="-127"/>
+            </a:endParaRPr>
+          </a:p>
+        </p:txBody>
+      </p:sp>
+    </p:spTree>
+    <p:extLst>
+      <p:ext uri="{BB962C8B-B14F-4D97-AF65-F5344CB8AC3E}">
+        <p14:creationId xmlns:p14="http://schemas.microsoft.com/office/powerpoint/2010/main" val="1599545144"/>
       </p:ext>
     </p:extLst>
   </p:cSld>
@@ -3337,7 +4299,7 @@
         </p:blipFill>
         <p:spPr>
           <a:xfrm>
-            <a:off x="820060" y="3295307"/>
+            <a:off x="2613542" y="930972"/>
             <a:ext cx="787799" cy="2981668"/>
           </a:xfrm>
           <a:prstGeom prst="rect">
@@ -3361,7 +4323,7 @@
         </p:blipFill>
         <p:spPr>
           <a:xfrm>
-            <a:off x="458570" y="1770557"/>
+            <a:off x="912090" y="1896273"/>
             <a:ext cx="1510778" cy="1266461"/>
           </a:xfrm>
           <a:prstGeom prst="rect">
@@ -3392,8 +4354,8 @@
         </p:blipFill>
         <p:spPr bwMode="auto">
           <a:xfrm>
-            <a:off x="2852182" y="840138"/>
-            <a:ext cx="4940603" cy="3127297"/>
+            <a:off x="4321087" y="1173278"/>
+            <a:ext cx="4203218" cy="2660548"/>
           </a:xfrm>
           <a:prstGeom prst="rect">
             <a:avLst/>
@@ -3508,6 +4470,628 @@
           </a:fontRef>
         </p:style>
       </p:cxnSp>
+      <p:sp>
+        <p:nvSpPr>
+          <p:cNvPr id="7" name="직사각형 6"/>
+          <p:cNvSpPr/>
+          <p:nvPr/>
+        </p:nvSpPr>
+        <p:spPr>
+          <a:xfrm>
+            <a:off x="1294476" y="4142914"/>
+            <a:ext cx="1880986" cy="261610"/>
+          </a:xfrm>
+          <a:prstGeom prst="rect">
+            <a:avLst/>
+          </a:prstGeom>
+          <a:solidFill>
+            <a:schemeClr val="tx1">
+              <a:lumMod val="75000"/>
+              <a:lumOff val="25000"/>
+            </a:schemeClr>
+          </a:solidFill>
+          <a:ln>
+            <a:noFill/>
+          </a:ln>
+        </p:spPr>
+        <p:txBody>
+          <a:bodyPr wrap="square">
+            <a:spAutoFit/>
+          </a:bodyPr>
+          <a:lstStyle/>
+          <a:p>
+            <a:pPr algn="ctr"/>
+            <a:r>
+              <a:rPr lang="ko-KR" altLang="en-US" sz="1100" b="1" dirty="0" smtClean="0">
+                <a:ln>
+                  <a:solidFill>
+                    <a:schemeClr val="tx1">
+                      <a:alpha val="0"/>
+                    </a:schemeClr>
+                  </a:solidFill>
+                </a:ln>
+                <a:solidFill>
+                  <a:schemeClr val="bg1"/>
+                </a:solidFill>
+                <a:latin typeface="나눔바른고딕" panose="020B0603020101020101" pitchFamily="50" charset="-127"/>
+                <a:ea typeface="나눔바른고딕" panose="020B0603020101020101" pitchFamily="50" charset="-127"/>
+              </a:rPr>
+              <a:t>소재 제작 방식 </a:t>
+            </a:r>
+            <a:r>
+              <a:rPr lang="en-US" altLang="ko-KR" sz="1100" b="1" dirty="0" smtClean="0">
+                <a:ln>
+                  <a:solidFill>
+                    <a:schemeClr val="tx1">
+                      <a:alpha val="0"/>
+                    </a:schemeClr>
+                  </a:solidFill>
+                </a:ln>
+                <a:solidFill>
+                  <a:schemeClr val="bg1"/>
+                </a:solidFill>
+                <a:latin typeface="나눔바른고딕" panose="020B0603020101020101" pitchFamily="50" charset="-127"/>
+                <a:ea typeface="나눔바른고딕" panose="020B0603020101020101" pitchFamily="50" charset="-127"/>
+              </a:rPr>
+              <a:t>1</a:t>
+            </a:r>
+            <a:endParaRPr lang="en-US" altLang="ko-KR" sz="1100" b="1" dirty="0">
+              <a:ln>
+                <a:solidFill>
+                  <a:schemeClr val="tx1">
+                    <a:alpha val="0"/>
+                  </a:schemeClr>
+                </a:solidFill>
+              </a:ln>
+              <a:solidFill>
+                <a:schemeClr val="bg1"/>
+              </a:solidFill>
+              <a:latin typeface="나눔바른고딕" panose="020B0603020101020101" pitchFamily="50" charset="-127"/>
+              <a:ea typeface="나눔바른고딕" panose="020B0603020101020101" pitchFamily="50" charset="-127"/>
+            </a:endParaRPr>
+          </a:p>
+        </p:txBody>
+      </p:sp>
+      <p:sp>
+        <p:nvSpPr>
+          <p:cNvPr id="8" name="직사각형 7"/>
+          <p:cNvSpPr/>
+          <p:nvPr/>
+        </p:nvSpPr>
+        <p:spPr>
+          <a:xfrm>
+            <a:off x="5226396" y="4142914"/>
+            <a:ext cx="1880986" cy="261610"/>
+          </a:xfrm>
+          <a:prstGeom prst="rect">
+            <a:avLst/>
+          </a:prstGeom>
+          <a:solidFill>
+            <a:schemeClr val="tx1">
+              <a:lumMod val="75000"/>
+              <a:lumOff val="25000"/>
+            </a:schemeClr>
+          </a:solidFill>
+          <a:ln>
+            <a:noFill/>
+          </a:ln>
+        </p:spPr>
+        <p:txBody>
+          <a:bodyPr wrap="square">
+            <a:spAutoFit/>
+          </a:bodyPr>
+          <a:lstStyle/>
+          <a:p>
+            <a:pPr algn="ctr"/>
+            <a:r>
+              <a:rPr lang="ko-KR" altLang="en-US" sz="1100" b="1" dirty="0" smtClean="0">
+                <a:ln>
+                  <a:solidFill>
+                    <a:schemeClr val="tx1">
+                      <a:alpha val="0"/>
+                    </a:schemeClr>
+                  </a:solidFill>
+                </a:ln>
+                <a:solidFill>
+                  <a:schemeClr val="bg1"/>
+                </a:solidFill>
+                <a:latin typeface="나눔바른고딕" panose="020B0603020101020101" pitchFamily="50" charset="-127"/>
+                <a:ea typeface="나눔바른고딕" panose="020B0603020101020101" pitchFamily="50" charset="-127"/>
+              </a:rPr>
+              <a:t>소재 제작 방식 </a:t>
+            </a:r>
+            <a:r>
+              <a:rPr lang="en-US" altLang="ko-KR" sz="1100" b="1" dirty="0" smtClean="0">
+                <a:ln>
+                  <a:solidFill>
+                    <a:schemeClr val="tx1">
+                      <a:alpha val="0"/>
+                    </a:schemeClr>
+                  </a:solidFill>
+                </a:ln>
+                <a:solidFill>
+                  <a:schemeClr val="bg1"/>
+                </a:solidFill>
+                <a:latin typeface="나눔바른고딕" panose="020B0603020101020101" pitchFamily="50" charset="-127"/>
+                <a:ea typeface="나눔바른고딕" panose="020B0603020101020101" pitchFamily="50" charset="-127"/>
+              </a:rPr>
+              <a:t>2</a:t>
+            </a:r>
+            <a:endParaRPr lang="en-US" altLang="ko-KR" sz="1100" b="1" dirty="0">
+              <a:ln>
+                <a:solidFill>
+                  <a:schemeClr val="tx1">
+                    <a:alpha val="0"/>
+                  </a:schemeClr>
+                </a:solidFill>
+              </a:ln>
+              <a:solidFill>
+                <a:schemeClr val="bg1"/>
+              </a:solidFill>
+              <a:latin typeface="나눔바른고딕" panose="020B0603020101020101" pitchFamily="50" charset="-127"/>
+              <a:ea typeface="나눔바른고딕" panose="020B0603020101020101" pitchFamily="50" charset="-127"/>
+            </a:endParaRPr>
+          </a:p>
+        </p:txBody>
+      </p:sp>
+      <p:sp>
+        <p:nvSpPr>
+          <p:cNvPr id="9" name="직사각형 8"/>
+          <p:cNvSpPr/>
+          <p:nvPr/>
+        </p:nvSpPr>
+        <p:spPr>
+          <a:xfrm>
+            <a:off x="1294476" y="4503429"/>
+            <a:ext cx="1880986" cy="430887"/>
+          </a:xfrm>
+          <a:prstGeom prst="rect">
+            <a:avLst/>
+          </a:prstGeom>
+          <a:solidFill>
+            <a:schemeClr val="bg2"/>
+          </a:solidFill>
+          <a:ln>
+            <a:solidFill>
+              <a:srgbClr val="0070C0"/>
+            </a:solidFill>
+          </a:ln>
+        </p:spPr>
+        <p:txBody>
+          <a:bodyPr wrap="square">
+            <a:spAutoFit/>
+          </a:bodyPr>
+          <a:lstStyle/>
+          <a:p>
+            <a:pPr algn="ctr"/>
+            <a:r>
+              <a:rPr lang="ko-KR" altLang="en-US" sz="1100" dirty="0" smtClean="0">
+                <a:ln>
+                  <a:solidFill>
+                    <a:schemeClr val="tx1">
+                      <a:alpha val="0"/>
+                    </a:schemeClr>
+                  </a:solidFill>
+                </a:ln>
+                <a:latin typeface="나눔바른고딕" panose="020B0603020101020101" pitchFamily="50" charset="-127"/>
+                <a:ea typeface="나눔바른고딕" panose="020B0603020101020101" pitchFamily="50" charset="-127"/>
+              </a:rPr>
+              <a:t>장점 </a:t>
+            </a:r>
+            <a:r>
+              <a:rPr lang="en-US" altLang="ko-KR" sz="1100" dirty="0" smtClean="0">
+                <a:ln>
+                  <a:solidFill>
+                    <a:schemeClr val="tx1">
+                      <a:alpha val="0"/>
+                    </a:schemeClr>
+                  </a:solidFill>
+                </a:ln>
+                <a:latin typeface="나눔바른고딕" panose="020B0603020101020101" pitchFamily="50" charset="-127"/>
+                <a:ea typeface="나눔바른고딕" panose="020B0603020101020101" pitchFamily="50" charset="-127"/>
+              </a:rPr>
+              <a:t>: </a:t>
+            </a:r>
+            <a:r>
+              <a:rPr lang="ko-KR" altLang="en-US" sz="1100" dirty="0" smtClean="0">
+                <a:ln>
+                  <a:solidFill>
+                    <a:schemeClr val="tx1">
+                      <a:alpha val="0"/>
+                    </a:schemeClr>
+                  </a:solidFill>
+                </a:ln>
+                <a:latin typeface="나눔바른고딕" panose="020B0603020101020101" pitchFamily="50" charset="-127"/>
+                <a:ea typeface="나눔바른고딕" panose="020B0603020101020101" pitchFamily="50" charset="-127"/>
+              </a:rPr>
+              <a:t>깔끔하고 안정적</a:t>
+            </a:r>
+            <a:endParaRPr lang="en-US" altLang="ko-KR" sz="1100" dirty="0" smtClean="0">
+              <a:ln>
+                <a:solidFill>
+                  <a:schemeClr val="tx1">
+                    <a:alpha val="0"/>
+                  </a:schemeClr>
+                </a:solidFill>
+              </a:ln>
+              <a:latin typeface="나눔바른고딕" panose="020B0603020101020101" pitchFamily="50" charset="-127"/>
+              <a:ea typeface="나눔바른고딕" panose="020B0603020101020101" pitchFamily="50" charset="-127"/>
+            </a:endParaRPr>
+          </a:p>
+          <a:p>
+            <a:pPr algn="ctr"/>
+            <a:r>
+              <a:rPr lang="ko-KR" altLang="en-US" sz="1100" dirty="0" smtClean="0">
+                <a:ln>
+                  <a:solidFill>
+                    <a:schemeClr val="tx1">
+                      <a:alpha val="0"/>
+                    </a:schemeClr>
+                  </a:solidFill>
+                </a:ln>
+                <a:latin typeface="나눔바른고딕" panose="020B0603020101020101" pitchFamily="50" charset="-127"/>
+                <a:ea typeface="나눔바른고딕" panose="020B0603020101020101" pitchFamily="50" charset="-127"/>
+              </a:rPr>
+              <a:t>단점 </a:t>
+            </a:r>
+            <a:r>
+              <a:rPr lang="en-US" altLang="ko-KR" sz="1100" dirty="0" smtClean="0">
+                <a:ln>
+                  <a:solidFill>
+                    <a:schemeClr val="tx1">
+                      <a:alpha val="0"/>
+                    </a:schemeClr>
+                  </a:solidFill>
+                </a:ln>
+                <a:latin typeface="나눔바른고딕" panose="020B0603020101020101" pitchFamily="50" charset="-127"/>
+                <a:ea typeface="나눔바른고딕" panose="020B0603020101020101" pitchFamily="50" charset="-127"/>
+              </a:rPr>
+              <a:t>: </a:t>
+            </a:r>
+            <a:r>
+              <a:rPr lang="ko-KR" altLang="en-US" sz="1100" dirty="0" smtClean="0">
+                <a:ln>
+                  <a:solidFill>
+                    <a:schemeClr val="tx1">
+                      <a:alpha val="0"/>
+                    </a:schemeClr>
+                  </a:solidFill>
+                </a:ln>
+                <a:latin typeface="나눔바른고딕" panose="020B0603020101020101" pitchFamily="50" charset="-127"/>
+                <a:ea typeface="나눔바른고딕" panose="020B0603020101020101" pitchFamily="50" charset="-127"/>
+              </a:rPr>
+              <a:t>시간과 노력</a:t>
+            </a:r>
+            <a:r>
+              <a:rPr lang="en-US" altLang="ko-KR" sz="1100" dirty="0" smtClean="0">
+                <a:ln>
+                  <a:solidFill>
+                    <a:schemeClr val="tx1">
+                      <a:alpha val="0"/>
+                    </a:schemeClr>
+                  </a:solidFill>
+                </a:ln>
+                <a:latin typeface="나눔바른고딕" panose="020B0603020101020101" pitchFamily="50" charset="-127"/>
+                <a:ea typeface="나눔바른고딕" panose="020B0603020101020101" pitchFamily="50" charset="-127"/>
+              </a:rPr>
+              <a:t>…</a:t>
+            </a:r>
+            <a:endParaRPr lang="en-US" altLang="ko-KR" sz="1100" dirty="0">
+              <a:ln>
+                <a:solidFill>
+                  <a:schemeClr val="tx1">
+                    <a:alpha val="0"/>
+                  </a:schemeClr>
+                </a:solidFill>
+              </a:ln>
+              <a:latin typeface="나눔바른고딕" panose="020B0603020101020101" pitchFamily="50" charset="-127"/>
+              <a:ea typeface="나눔바른고딕" panose="020B0603020101020101" pitchFamily="50" charset="-127"/>
+            </a:endParaRPr>
+          </a:p>
+        </p:txBody>
+      </p:sp>
+      <p:sp>
+        <p:nvSpPr>
+          <p:cNvPr id="10" name="직사각형 9"/>
+          <p:cNvSpPr/>
+          <p:nvPr/>
+        </p:nvSpPr>
+        <p:spPr>
+          <a:xfrm>
+            <a:off x="5226396" y="4503430"/>
+            <a:ext cx="1880986" cy="430887"/>
+          </a:xfrm>
+          <a:prstGeom prst="rect">
+            <a:avLst/>
+          </a:prstGeom>
+          <a:solidFill>
+            <a:schemeClr val="bg2"/>
+          </a:solidFill>
+          <a:ln>
+            <a:solidFill>
+              <a:srgbClr val="0070C0"/>
+            </a:solidFill>
+          </a:ln>
+        </p:spPr>
+        <p:txBody>
+          <a:bodyPr wrap="square">
+            <a:spAutoFit/>
+          </a:bodyPr>
+          <a:lstStyle/>
+          <a:p>
+            <a:pPr algn="ctr"/>
+            <a:r>
+              <a:rPr lang="ko-KR" altLang="en-US" sz="1100" dirty="0" smtClean="0">
+                <a:ln>
+                  <a:solidFill>
+                    <a:schemeClr val="tx1">
+                      <a:alpha val="0"/>
+                    </a:schemeClr>
+                  </a:solidFill>
+                </a:ln>
+                <a:latin typeface="나눔바른고딕" panose="020B0603020101020101" pitchFamily="50" charset="-127"/>
+                <a:ea typeface="나눔바른고딕" panose="020B0603020101020101" pitchFamily="50" charset="-127"/>
+              </a:rPr>
+              <a:t>장점 </a:t>
+            </a:r>
+            <a:r>
+              <a:rPr lang="en-US" altLang="ko-KR" sz="1100" dirty="0" smtClean="0">
+                <a:ln>
+                  <a:solidFill>
+                    <a:schemeClr val="tx1">
+                      <a:alpha val="0"/>
+                    </a:schemeClr>
+                  </a:solidFill>
+                </a:ln>
+                <a:latin typeface="나눔바른고딕" panose="020B0603020101020101" pitchFamily="50" charset="-127"/>
+                <a:ea typeface="나눔바른고딕" panose="020B0603020101020101" pitchFamily="50" charset="-127"/>
+              </a:rPr>
+              <a:t>: </a:t>
+            </a:r>
+            <a:r>
+              <a:rPr lang="ko-KR" altLang="en-US" sz="1100" dirty="0" smtClean="0">
+                <a:ln>
+                  <a:solidFill>
+                    <a:schemeClr val="tx1">
+                      <a:alpha val="0"/>
+                    </a:schemeClr>
+                  </a:solidFill>
+                </a:ln>
+                <a:latin typeface="나눔바른고딕" panose="020B0603020101020101" pitchFamily="50" charset="-127"/>
+                <a:ea typeface="나눔바른고딕" panose="020B0603020101020101" pitchFamily="50" charset="-127"/>
+              </a:rPr>
+              <a:t>수정 용이</a:t>
+            </a:r>
+            <a:endParaRPr lang="en-US" altLang="ko-KR" sz="1100" dirty="0" smtClean="0">
+              <a:ln>
+                <a:solidFill>
+                  <a:schemeClr val="tx1">
+                    <a:alpha val="0"/>
+                  </a:schemeClr>
+                </a:solidFill>
+              </a:ln>
+              <a:latin typeface="나눔바른고딕" panose="020B0603020101020101" pitchFamily="50" charset="-127"/>
+              <a:ea typeface="나눔바른고딕" panose="020B0603020101020101" pitchFamily="50" charset="-127"/>
+            </a:endParaRPr>
+          </a:p>
+          <a:p>
+            <a:pPr algn="ctr"/>
+            <a:r>
+              <a:rPr lang="ko-KR" altLang="en-US" sz="1100" dirty="0" smtClean="0">
+                <a:ln>
+                  <a:solidFill>
+                    <a:schemeClr val="tx1">
+                      <a:alpha val="0"/>
+                    </a:schemeClr>
+                  </a:solidFill>
+                </a:ln>
+                <a:latin typeface="나눔바른고딕" panose="020B0603020101020101" pitchFamily="50" charset="-127"/>
+                <a:ea typeface="나눔바른고딕" panose="020B0603020101020101" pitchFamily="50" charset="-127"/>
+              </a:rPr>
+              <a:t>단점 </a:t>
+            </a:r>
+            <a:r>
+              <a:rPr lang="en-US" altLang="ko-KR" sz="1100" dirty="0" smtClean="0">
+                <a:ln>
+                  <a:solidFill>
+                    <a:schemeClr val="tx1">
+                      <a:alpha val="0"/>
+                    </a:schemeClr>
+                  </a:solidFill>
+                </a:ln>
+                <a:latin typeface="나눔바른고딕" panose="020B0603020101020101" pitchFamily="50" charset="-127"/>
+                <a:ea typeface="나눔바른고딕" panose="020B0603020101020101" pitchFamily="50" charset="-127"/>
+              </a:rPr>
+              <a:t>: </a:t>
+            </a:r>
+            <a:r>
+              <a:rPr lang="ko-KR" altLang="en-US" sz="1100" dirty="0" smtClean="0">
+                <a:ln>
+                  <a:solidFill>
+                    <a:schemeClr val="tx1">
+                      <a:alpha val="0"/>
+                    </a:schemeClr>
+                  </a:solidFill>
+                </a:ln>
+                <a:latin typeface="나눔바른고딕" panose="020B0603020101020101" pitchFamily="50" charset="-127"/>
+                <a:ea typeface="나눔바른고딕" panose="020B0603020101020101" pitchFamily="50" charset="-127"/>
+              </a:rPr>
+              <a:t>구글 기본 글꼴</a:t>
+            </a:r>
+            <a:endParaRPr lang="en-US" altLang="ko-KR" sz="1100" dirty="0">
+              <a:ln>
+                <a:solidFill>
+                  <a:schemeClr val="tx1">
+                    <a:alpha val="0"/>
+                  </a:schemeClr>
+                </a:solidFill>
+              </a:ln>
+              <a:latin typeface="나눔바른고딕" panose="020B0603020101020101" pitchFamily="50" charset="-127"/>
+              <a:ea typeface="나눔바른고딕" panose="020B0603020101020101" pitchFamily="50" charset="-127"/>
+            </a:endParaRPr>
+          </a:p>
+        </p:txBody>
+      </p:sp>
+      <p:sp>
+        <p:nvSpPr>
+          <p:cNvPr id="12" name="직사각형 11"/>
+          <p:cNvSpPr/>
+          <p:nvPr/>
+        </p:nvSpPr>
+        <p:spPr>
+          <a:xfrm>
+            <a:off x="4787900" y="5930167"/>
+            <a:ext cx="4077145" cy="276999"/>
+          </a:xfrm>
+          <a:prstGeom prst="rect">
+            <a:avLst/>
+          </a:prstGeom>
+          <a:solidFill>
+            <a:schemeClr val="accent4">
+              <a:lumMod val="20000"/>
+              <a:lumOff val="80000"/>
+            </a:schemeClr>
+          </a:solidFill>
+          <a:ln w="25400">
+            <a:solidFill>
+              <a:srgbClr val="C00000"/>
+            </a:solidFill>
+          </a:ln>
+        </p:spPr>
+        <p:txBody>
+          <a:bodyPr wrap="square">
+            <a:spAutoFit/>
+          </a:bodyPr>
+          <a:lstStyle/>
+          <a:p>
+            <a:pPr algn="r"/>
+            <a:r>
+              <a:rPr lang="ko-KR" altLang="en-US" sz="1200" b="1" dirty="0" smtClean="0">
+                <a:ln>
+                  <a:solidFill>
+                    <a:schemeClr val="tx1">
+                      <a:alpha val="0"/>
+                    </a:schemeClr>
+                  </a:solidFill>
+                </a:ln>
+                <a:latin typeface="나눔바른고딕" panose="020B0603020101020101" pitchFamily="50" charset="-127"/>
+                <a:ea typeface="나눔바른고딕" panose="020B0603020101020101" pitchFamily="50" charset="-127"/>
+              </a:rPr>
+              <a:t>집행 시 외주 필요</a:t>
+            </a:r>
+            <a:endParaRPr lang="en-US" altLang="ko-KR" sz="1200" dirty="0">
+              <a:ln>
+                <a:solidFill>
+                  <a:schemeClr val="tx1">
+                    <a:alpha val="0"/>
+                  </a:schemeClr>
+                </a:solidFill>
+              </a:ln>
+              <a:solidFill>
+                <a:srgbClr val="FF0000"/>
+              </a:solidFill>
+              <a:latin typeface="나눔바른고딕" panose="020B0603020101020101" pitchFamily="50" charset="-127"/>
+              <a:ea typeface="나눔바른고딕" panose="020B0603020101020101" pitchFamily="50" charset="-127"/>
+            </a:endParaRPr>
+          </a:p>
+        </p:txBody>
+      </p:sp>
+      <p:sp>
+        <p:nvSpPr>
+          <p:cNvPr id="4" name="직사각형 3"/>
+          <p:cNvSpPr/>
+          <p:nvPr/>
+        </p:nvSpPr>
+        <p:spPr>
+          <a:xfrm>
+            <a:off x="615141" y="681644"/>
+            <a:ext cx="3258589" cy="4463934"/>
+          </a:xfrm>
+          <a:prstGeom prst="rect">
+            <a:avLst/>
+          </a:prstGeom>
+          <a:noFill/>
+          <a:ln w="38100">
+            <a:solidFill>
+              <a:schemeClr val="bg1">
+                <a:lumMod val="85000"/>
+              </a:schemeClr>
+            </a:solidFill>
+          </a:ln>
+        </p:spPr>
+        <p:style>
+          <a:lnRef idx="2">
+            <a:schemeClr val="accent1">
+              <a:shade val="50000"/>
+            </a:schemeClr>
+          </a:lnRef>
+          <a:fillRef idx="1">
+            <a:schemeClr val="accent1"/>
+          </a:fillRef>
+          <a:effectRef idx="0">
+            <a:schemeClr val="accent1"/>
+          </a:effectRef>
+          <a:fontRef idx="minor">
+            <a:schemeClr val="lt1"/>
+          </a:fontRef>
+        </p:style>
+        <p:txBody>
+          <a:bodyPr rtlCol="0" anchor="ctr"/>
+          <a:lstStyle/>
+          <a:p>
+            <a:pPr algn="ctr"/>
+            <a:endParaRPr lang="ko-KR" altLang="en-US"/>
+          </a:p>
+        </p:txBody>
+      </p:sp>
+      <p:sp>
+        <p:nvSpPr>
+          <p:cNvPr id="14" name="직사각형 13"/>
+          <p:cNvSpPr/>
+          <p:nvPr/>
+        </p:nvSpPr>
+        <p:spPr>
+          <a:xfrm>
+            <a:off x="4170679" y="681644"/>
+            <a:ext cx="4499496" cy="4463934"/>
+          </a:xfrm>
+          <a:prstGeom prst="rect">
+            <a:avLst/>
+          </a:prstGeom>
+          <a:noFill/>
+          <a:ln w="38100">
+            <a:solidFill>
+              <a:schemeClr val="bg1">
+                <a:lumMod val="85000"/>
+              </a:schemeClr>
+            </a:solidFill>
+          </a:ln>
+        </p:spPr>
+        <p:style>
+          <a:lnRef idx="2">
+            <a:schemeClr val="accent1">
+              <a:shade val="50000"/>
+            </a:schemeClr>
+          </a:lnRef>
+          <a:fillRef idx="1">
+            <a:schemeClr val="accent1"/>
+          </a:fillRef>
+          <a:effectRef idx="0">
+            <a:schemeClr val="accent1"/>
+          </a:effectRef>
+          <a:fontRef idx="minor">
+            <a:schemeClr val="lt1"/>
+          </a:fontRef>
+        </p:style>
+        <p:txBody>
+          <a:bodyPr rtlCol="0" anchor="ctr"/>
+          <a:lstStyle/>
+          <a:p>
+            <a:pPr algn="ctr"/>
+            <a:endParaRPr lang="ko-KR" altLang="en-US"/>
+          </a:p>
+        </p:txBody>
+      </p:sp>
     </p:spTree>
     <p:extLst>
       <p:ext uri="{BB962C8B-B14F-4D97-AF65-F5344CB8AC3E}">
@@ -3538,58 +5122,770 @@
           <a:chExt cx="0" cy="0"/>
         </a:xfrm>
       </p:grpSpPr>
-      <p:pic>
-        <p:nvPicPr>
-          <p:cNvPr id="2" name="그림 1"/>
-          <p:cNvPicPr>
-            <a:picLocks noChangeAspect="1"/>
-          </p:cNvPicPr>
+      <p:grpSp>
+        <p:nvGrpSpPr>
+          <p:cNvPr id="10" name="그룹 9"/>
+          <p:cNvGrpSpPr/>
           <p:nvPr/>
-        </p:nvPicPr>
-        <p:blipFill>
-          <a:blip r:embed="rId2"/>
-          <a:stretch>
-            <a:fillRect/>
-          </a:stretch>
-        </p:blipFill>
+        </p:nvGrpSpPr>
+        <p:grpSpPr>
+          <a:xfrm>
+            <a:off x="424381" y="1014153"/>
+            <a:ext cx="5429543" cy="2933613"/>
+            <a:chOff x="424381" y="1014153"/>
+            <a:chExt cx="5429543" cy="2933613"/>
+          </a:xfrm>
+        </p:grpSpPr>
+        <p:pic>
+          <p:nvPicPr>
+            <p:cNvPr id="6" name="그림 5"/>
+            <p:cNvPicPr>
+              <a:picLocks noChangeAspect="1"/>
+            </p:cNvPicPr>
+            <p:nvPr/>
+          </p:nvPicPr>
+          <p:blipFill>
+            <a:blip r:embed="rId2"/>
+            <a:stretch>
+              <a:fillRect/>
+            </a:stretch>
+          </p:blipFill>
+          <p:spPr>
+            <a:xfrm>
+              <a:off x="424381" y="1014153"/>
+              <a:ext cx="5230033" cy="2933613"/>
+            </a:xfrm>
+            <a:prstGeom prst="rect">
+              <a:avLst/>
+            </a:prstGeom>
+          </p:spPr>
+        </p:pic>
+        <p:pic>
+          <p:nvPicPr>
+            <p:cNvPr id="9" name="그림 8"/>
+            <p:cNvPicPr>
+              <a:picLocks noChangeAspect="1"/>
+            </p:cNvPicPr>
+            <p:nvPr/>
+          </p:nvPicPr>
+          <p:blipFill>
+            <a:blip r:embed="rId3"/>
+            <a:stretch>
+              <a:fillRect/>
+            </a:stretch>
+          </p:blipFill>
+          <p:spPr>
+            <a:xfrm>
+              <a:off x="4890742" y="1014153"/>
+              <a:ext cx="963182" cy="2933613"/>
+            </a:xfrm>
+            <a:prstGeom prst="rect">
+              <a:avLst/>
+            </a:prstGeom>
+          </p:spPr>
+        </p:pic>
+      </p:grpSp>
+      <p:sp>
+        <p:nvSpPr>
+          <p:cNvPr id="2" name="직사각형 1"/>
+          <p:cNvSpPr/>
+          <p:nvPr/>
+        </p:nvSpPr>
         <p:spPr>
           <a:xfrm>
-            <a:off x="1084333" y="995940"/>
-            <a:ext cx="2100839" cy="4583648"/>
+            <a:off x="136868" y="98606"/>
+            <a:ext cx="4572000" cy="253916"/>
           </a:xfrm>
           <a:prstGeom prst="rect">
             <a:avLst/>
           </a:prstGeom>
         </p:spPr>
-      </p:pic>
-      <p:pic>
-        <p:nvPicPr>
-          <p:cNvPr id="3" name="그림 2"/>
-          <p:cNvPicPr>
-            <a:picLocks noChangeAspect="1"/>
-          </p:cNvPicPr>
+        <p:txBody>
+          <a:bodyPr>
+            <a:spAutoFit/>
+          </a:bodyPr>
+          <a:lstStyle/>
+          <a:p>
+            <a:r>
+              <a:rPr lang="en-US" altLang="ko-KR" sz="1050" b="1" dirty="0" smtClean="0">
+                <a:ln>
+                  <a:solidFill>
+                    <a:schemeClr val="tx1">
+                      <a:alpha val="0"/>
+                    </a:schemeClr>
+                  </a:solidFill>
+                </a:ln>
+                <a:latin typeface="나눔바른고딕" panose="020B0603020101020101" pitchFamily="50" charset="-127"/>
+                <a:ea typeface="나눔바른고딕" panose="020B0603020101020101" pitchFamily="50" charset="-127"/>
+              </a:rPr>
+              <a:t>01.09-01.14 </a:t>
+            </a:r>
+            <a:r>
+              <a:rPr lang="ko-KR" altLang="en-US" sz="1050" b="1" dirty="0">
+                <a:ln>
+                  <a:solidFill>
+                    <a:schemeClr val="tx1">
+                      <a:alpha val="0"/>
+                    </a:schemeClr>
+                  </a:solidFill>
+                </a:ln>
+                <a:latin typeface="나눔바른고딕" panose="020B0603020101020101" pitchFamily="50" charset="-127"/>
+                <a:ea typeface="나눔바른고딕" panose="020B0603020101020101" pitchFamily="50" charset="-127"/>
+              </a:rPr>
+              <a:t>금주 </a:t>
+            </a:r>
+            <a:r>
+              <a:rPr lang="ko-KR" altLang="en-US" sz="1050" b="1" dirty="0" smtClean="0">
+                <a:ln>
+                  <a:solidFill>
+                    <a:schemeClr val="tx1">
+                      <a:alpha val="0"/>
+                    </a:schemeClr>
+                  </a:solidFill>
+                </a:ln>
+                <a:latin typeface="나눔바른고딕" panose="020B0603020101020101" pitchFamily="50" charset="-127"/>
+                <a:ea typeface="나눔바른고딕" panose="020B0603020101020101" pitchFamily="50" charset="-127"/>
+              </a:rPr>
+              <a:t>키워드광고 내역</a:t>
+            </a:r>
+            <a:endParaRPr lang="ko-KR" altLang="en-US" sz="1050" b="1" dirty="0">
+              <a:ln>
+                <a:solidFill>
+                  <a:schemeClr val="tx1">
+                    <a:alpha val="0"/>
+                  </a:schemeClr>
+                </a:solidFill>
+              </a:ln>
+              <a:latin typeface="나눔바른고딕" panose="020B0603020101020101" pitchFamily="50" charset="-127"/>
+              <a:ea typeface="나눔바른고딕" panose="020B0603020101020101" pitchFamily="50" charset="-127"/>
+            </a:endParaRPr>
+          </a:p>
+        </p:txBody>
+      </p:sp>
+      <p:cxnSp>
+        <p:nvCxnSpPr>
+          <p:cNvPr id="3" name="직선 연결선 2"/>
+          <p:cNvCxnSpPr/>
           <p:nvPr/>
-        </p:nvPicPr>
-        <p:blipFill>
-          <a:blip r:embed="rId3"/>
-          <a:stretch>
-            <a:fillRect/>
-          </a:stretch>
-        </p:blipFill>
+        </p:nvCxnSpPr>
         <p:spPr>
           <a:xfrm>
-            <a:off x="4132576" y="995940"/>
-            <a:ext cx="3042842" cy="4677104"/>
+            <a:off x="136868" y="401870"/>
+            <a:ext cx="8867351" cy="0"/>
+          </a:xfrm>
+          <a:prstGeom prst="line">
+            <a:avLst/>
+          </a:prstGeom>
+          <a:ln>
+            <a:solidFill>
+              <a:schemeClr val="tx1"/>
+            </a:solidFill>
+          </a:ln>
+        </p:spPr>
+        <p:style>
+          <a:lnRef idx="1">
+            <a:schemeClr val="accent1"/>
+          </a:lnRef>
+          <a:fillRef idx="0">
+            <a:schemeClr val="accent1"/>
+          </a:fillRef>
+          <a:effectRef idx="0">
+            <a:schemeClr val="accent1"/>
+          </a:effectRef>
+          <a:fontRef idx="minor">
+            <a:schemeClr val="tx1"/>
+          </a:fontRef>
+        </p:style>
+      </p:cxnSp>
+      <p:sp>
+        <p:nvSpPr>
+          <p:cNvPr id="4" name="직사각형 3"/>
+          <p:cNvSpPr/>
+          <p:nvPr/>
+        </p:nvSpPr>
+        <p:spPr>
+          <a:xfrm>
+            <a:off x="5977595" y="451219"/>
+            <a:ext cx="3026624" cy="261610"/>
           </a:xfrm>
           <a:prstGeom prst="rect">
             <a:avLst/>
           </a:prstGeom>
+          <a:solidFill>
+            <a:schemeClr val="bg2"/>
+          </a:solidFill>
+          <a:ln>
+            <a:solidFill>
+              <a:srgbClr val="0070C0"/>
+            </a:solidFill>
+          </a:ln>
         </p:spPr>
-      </p:pic>
+        <p:txBody>
+          <a:bodyPr wrap="square">
+            <a:spAutoFit/>
+          </a:bodyPr>
+          <a:lstStyle/>
+          <a:p>
+            <a:pPr algn="ctr"/>
+            <a:r>
+              <a:rPr lang="ko-KR" altLang="en-US" sz="1100" dirty="0" err="1" smtClean="0">
+                <a:ln>
+                  <a:solidFill>
+                    <a:schemeClr val="tx1">
+                      <a:alpha val="0"/>
+                    </a:schemeClr>
+                  </a:solidFill>
+                </a:ln>
+                <a:latin typeface="나눔바른고딕" panose="020B0603020101020101" pitchFamily="50" charset="-127"/>
+                <a:ea typeface="나눔바른고딕" panose="020B0603020101020101" pitchFamily="50" charset="-127"/>
+              </a:rPr>
+              <a:t>지출비용</a:t>
+            </a:r>
+            <a:r>
+              <a:rPr lang="ko-KR" altLang="en-US" sz="1100" dirty="0" smtClean="0">
+                <a:ln>
+                  <a:solidFill>
+                    <a:schemeClr val="tx1">
+                      <a:alpha val="0"/>
+                    </a:schemeClr>
+                  </a:solidFill>
+                </a:ln>
+                <a:latin typeface="나눔바른고딕" panose="020B0603020101020101" pitchFamily="50" charset="-127"/>
+                <a:ea typeface="나눔바른고딕" panose="020B0603020101020101" pitchFamily="50" charset="-127"/>
+              </a:rPr>
+              <a:t> </a:t>
+            </a:r>
+            <a:r>
+              <a:rPr lang="en-US" altLang="ko-KR" sz="1100" dirty="0" smtClean="0">
+                <a:ln>
+                  <a:solidFill>
+                    <a:schemeClr val="tx1">
+                      <a:alpha val="0"/>
+                    </a:schemeClr>
+                  </a:solidFill>
+                </a:ln>
+                <a:latin typeface="나눔바른고딕" panose="020B0603020101020101" pitchFamily="50" charset="-127"/>
+                <a:ea typeface="나눔바른고딕" panose="020B0603020101020101" pitchFamily="50" charset="-127"/>
+              </a:rPr>
+              <a:t>: </a:t>
+            </a:r>
+            <a:r>
+              <a:rPr lang="en-US" altLang="ko-KR" sz="1100" dirty="0" smtClean="0">
+                <a:ln>
+                  <a:solidFill>
+                    <a:schemeClr val="tx1">
+                      <a:alpha val="0"/>
+                    </a:schemeClr>
+                  </a:solidFill>
+                </a:ln>
+                <a:latin typeface="나눔바른고딕" panose="020B0603020101020101" pitchFamily="50" charset="-127"/>
+                <a:ea typeface="나눔바른고딕" panose="020B0603020101020101" pitchFamily="50" charset="-127"/>
+              </a:rPr>
+              <a:t>40,194</a:t>
+            </a:r>
+            <a:r>
+              <a:rPr lang="ko-KR" altLang="en-US" sz="1100" dirty="0" smtClean="0">
+                <a:ln>
+                  <a:solidFill>
+                    <a:schemeClr val="tx1">
+                      <a:alpha val="0"/>
+                    </a:schemeClr>
+                  </a:solidFill>
+                </a:ln>
+                <a:latin typeface="나눔바른고딕" panose="020B0603020101020101" pitchFamily="50" charset="-127"/>
+                <a:ea typeface="나눔바른고딕" panose="020B0603020101020101" pitchFamily="50" charset="-127"/>
+              </a:rPr>
+              <a:t>원 </a:t>
+            </a:r>
+            <a:r>
+              <a:rPr lang="en-US" altLang="ko-KR" sz="1100" dirty="0" smtClean="0">
+                <a:ln>
+                  <a:solidFill>
+                    <a:schemeClr val="tx1">
+                      <a:alpha val="0"/>
+                    </a:schemeClr>
+                  </a:solidFill>
+                </a:ln>
+                <a:latin typeface="나눔바른고딕" panose="020B0603020101020101" pitchFamily="50" charset="-127"/>
+                <a:ea typeface="나눔바른고딕" panose="020B0603020101020101" pitchFamily="50" charset="-127"/>
+              </a:rPr>
+              <a:t>(VAT</a:t>
+            </a:r>
+            <a:r>
+              <a:rPr lang="ko-KR" altLang="en-US" sz="1100" dirty="0" smtClean="0">
+                <a:ln>
+                  <a:solidFill>
+                    <a:schemeClr val="tx1">
+                      <a:alpha val="0"/>
+                    </a:schemeClr>
+                  </a:solidFill>
+                </a:ln>
+                <a:latin typeface="나눔바른고딕" panose="020B0603020101020101" pitchFamily="50" charset="-127"/>
+                <a:ea typeface="나눔바른고딕" panose="020B0603020101020101" pitchFamily="50" charset="-127"/>
+              </a:rPr>
+              <a:t>포함</a:t>
+            </a:r>
+            <a:r>
+              <a:rPr lang="en-US" altLang="ko-KR" sz="1100" dirty="0" smtClean="0">
+                <a:ln>
+                  <a:solidFill>
+                    <a:schemeClr val="tx1">
+                      <a:alpha val="0"/>
+                    </a:schemeClr>
+                  </a:solidFill>
+                </a:ln>
+                <a:latin typeface="나눔바른고딕" panose="020B0603020101020101" pitchFamily="50" charset="-127"/>
+                <a:ea typeface="나눔바른고딕" panose="020B0603020101020101" pitchFamily="50" charset="-127"/>
+              </a:rPr>
+              <a:t>)</a:t>
+            </a:r>
+            <a:endParaRPr lang="en-US" altLang="ko-KR" sz="1100" dirty="0">
+              <a:ln>
+                <a:solidFill>
+                  <a:schemeClr val="tx1">
+                    <a:alpha val="0"/>
+                  </a:schemeClr>
+                </a:solidFill>
+              </a:ln>
+              <a:latin typeface="나눔바른고딕" panose="020B0603020101020101" pitchFamily="50" charset="-127"/>
+              <a:ea typeface="나눔바른고딕" panose="020B0603020101020101" pitchFamily="50" charset="-127"/>
+            </a:endParaRPr>
+          </a:p>
+        </p:txBody>
+      </p:sp>
+      <p:sp>
+        <p:nvSpPr>
+          <p:cNvPr id="5" name="직사각형 4"/>
+          <p:cNvSpPr/>
+          <p:nvPr/>
+        </p:nvSpPr>
+        <p:spPr>
+          <a:xfrm>
+            <a:off x="424380" y="5930167"/>
+            <a:ext cx="2130082" cy="430887"/>
+          </a:xfrm>
+          <a:prstGeom prst="rect">
+            <a:avLst/>
+          </a:prstGeom>
+          <a:solidFill>
+            <a:schemeClr val="bg2"/>
+          </a:solidFill>
+          <a:ln>
+            <a:solidFill>
+              <a:srgbClr val="0070C0"/>
+            </a:solidFill>
+          </a:ln>
+        </p:spPr>
+        <p:txBody>
+          <a:bodyPr wrap="square">
+            <a:spAutoFit/>
+          </a:bodyPr>
+          <a:lstStyle/>
+          <a:p>
+            <a:pPr algn="ctr"/>
+            <a:r>
+              <a:rPr lang="en-US" altLang="ko-KR" sz="1100" b="1" dirty="0" smtClean="0">
+                <a:ln>
+                  <a:solidFill>
+                    <a:schemeClr val="tx1">
+                      <a:alpha val="0"/>
+                    </a:schemeClr>
+                  </a:solidFill>
+                </a:ln>
+                <a:latin typeface="나눔바른고딕" panose="020B0603020101020101" pitchFamily="50" charset="-127"/>
+                <a:ea typeface="나눔바른고딕" panose="020B0603020101020101" pitchFamily="50" charset="-127"/>
+              </a:rPr>
+              <a:t>1. </a:t>
+            </a:r>
+            <a:r>
+              <a:rPr lang="ko-KR" altLang="en-US" sz="1100" b="1" dirty="0" err="1" smtClean="0">
+                <a:ln>
+                  <a:solidFill>
+                    <a:schemeClr val="tx1">
+                      <a:alpha val="0"/>
+                    </a:schemeClr>
+                  </a:solidFill>
+                </a:ln>
+                <a:latin typeface="나눔바른고딕" panose="020B0603020101020101" pitchFamily="50" charset="-127"/>
+                <a:ea typeface="나눔바른고딕" panose="020B0603020101020101" pitchFamily="50" charset="-127"/>
+              </a:rPr>
+              <a:t>노출수</a:t>
+            </a:r>
+            <a:r>
+              <a:rPr lang="ko-KR" altLang="en-US" sz="1100" b="1" dirty="0" smtClean="0">
+                <a:ln>
+                  <a:solidFill>
+                    <a:schemeClr val="tx1">
+                      <a:alpha val="0"/>
+                    </a:schemeClr>
+                  </a:solidFill>
+                </a:ln>
+                <a:latin typeface="나눔바른고딕" panose="020B0603020101020101" pitchFamily="50" charset="-127"/>
+                <a:ea typeface="나눔바른고딕" panose="020B0603020101020101" pitchFamily="50" charset="-127"/>
+              </a:rPr>
+              <a:t> 감소로 인한 현상 </a:t>
+            </a:r>
+            <a:endParaRPr lang="en-US" altLang="ko-KR" sz="1100" b="1" dirty="0" smtClean="0">
+              <a:ln>
+                <a:solidFill>
+                  <a:schemeClr val="tx1">
+                    <a:alpha val="0"/>
+                  </a:schemeClr>
+                </a:solidFill>
+              </a:ln>
+              <a:latin typeface="나눔바른고딕" panose="020B0603020101020101" pitchFamily="50" charset="-127"/>
+              <a:ea typeface="나눔바른고딕" panose="020B0603020101020101" pitchFamily="50" charset="-127"/>
+            </a:endParaRPr>
+          </a:p>
+          <a:p>
+            <a:pPr algn="ctr"/>
+            <a:r>
+              <a:rPr lang="en-US" altLang="ko-KR" sz="1100" b="1" dirty="0" smtClean="0">
+                <a:ln>
+                  <a:solidFill>
+                    <a:schemeClr val="tx1">
+                      <a:alpha val="0"/>
+                    </a:schemeClr>
+                  </a:solidFill>
+                </a:ln>
+                <a:latin typeface="나눔바른고딕" panose="020B0603020101020101" pitchFamily="50" charset="-127"/>
+                <a:ea typeface="나눔바른고딕" panose="020B0603020101020101" pitchFamily="50" charset="-127"/>
+                <a:sym typeface="Wingdings" panose="05000000000000000000" pitchFamily="2" charset="2"/>
+              </a:rPr>
+              <a:t>2</a:t>
+            </a:r>
+            <a:r>
+              <a:rPr lang="en-US" altLang="ko-KR" sz="1100" b="1" dirty="0">
+                <a:ln>
+                  <a:solidFill>
+                    <a:schemeClr val="tx1">
+                      <a:alpha val="0"/>
+                    </a:schemeClr>
+                  </a:solidFill>
+                </a:ln>
+                <a:latin typeface="나눔바른고딕" panose="020B0603020101020101" pitchFamily="50" charset="-127"/>
+                <a:ea typeface="나눔바른고딕" panose="020B0603020101020101" pitchFamily="50" charset="-127"/>
+                <a:sym typeface="Wingdings" panose="05000000000000000000" pitchFamily="2" charset="2"/>
+              </a:rPr>
+              <a:t>. </a:t>
+            </a:r>
+            <a:r>
+              <a:rPr lang="ko-KR" altLang="en-US" sz="1100" b="1" dirty="0" err="1">
+                <a:ln>
+                  <a:solidFill>
+                    <a:schemeClr val="tx1">
+                      <a:alpha val="0"/>
+                    </a:schemeClr>
+                  </a:solidFill>
+                </a:ln>
+                <a:latin typeface="나눔바른고딕" panose="020B0603020101020101" pitchFamily="50" charset="-127"/>
+                <a:ea typeface="나눔바른고딕" panose="020B0603020101020101" pitchFamily="50" charset="-127"/>
+                <a:sym typeface="Wingdings" panose="05000000000000000000" pitchFamily="2" charset="2"/>
+              </a:rPr>
+              <a:t>쿼리수</a:t>
+            </a:r>
+            <a:r>
+              <a:rPr lang="ko-KR" altLang="en-US" sz="1100" b="1" dirty="0">
+                <a:ln>
+                  <a:solidFill>
+                    <a:schemeClr val="tx1">
+                      <a:alpha val="0"/>
+                    </a:schemeClr>
+                  </a:solidFill>
+                </a:ln>
+                <a:latin typeface="나눔바른고딕" panose="020B0603020101020101" pitchFamily="50" charset="-127"/>
+                <a:ea typeface="나눔바른고딕" panose="020B0603020101020101" pitchFamily="50" charset="-127"/>
+                <a:sym typeface="Wingdings" panose="05000000000000000000" pitchFamily="2" charset="2"/>
+              </a:rPr>
+              <a:t> 자체 감소</a:t>
+            </a:r>
+            <a:endParaRPr lang="en-US" altLang="ko-KR" sz="1100" b="1" dirty="0">
+              <a:ln>
+                <a:solidFill>
+                  <a:schemeClr val="tx1">
+                    <a:alpha val="0"/>
+                  </a:schemeClr>
+                </a:solidFill>
+              </a:ln>
+              <a:latin typeface="나눔바른고딕" panose="020B0603020101020101" pitchFamily="50" charset="-127"/>
+              <a:ea typeface="나눔바른고딕" panose="020B0603020101020101" pitchFamily="50" charset="-127"/>
+              <a:sym typeface="Wingdings" panose="05000000000000000000" pitchFamily="2" charset="2"/>
+            </a:endParaRPr>
+          </a:p>
+        </p:txBody>
+      </p:sp>
+      <p:sp>
+        <p:nvSpPr>
+          <p:cNvPr id="7" name="직사각형 6"/>
+          <p:cNvSpPr/>
+          <p:nvPr/>
+        </p:nvSpPr>
+        <p:spPr>
+          <a:xfrm>
+            <a:off x="424380" y="1912134"/>
+            <a:ext cx="5429544" cy="357241"/>
+          </a:xfrm>
+          <a:prstGeom prst="rect">
+            <a:avLst/>
+          </a:prstGeom>
+          <a:solidFill>
+            <a:schemeClr val="accent4">
+              <a:lumMod val="20000"/>
+              <a:lumOff val="80000"/>
+              <a:alpha val="20000"/>
+            </a:schemeClr>
+          </a:solidFill>
+          <a:ln w="25400">
+            <a:solidFill>
+              <a:srgbClr val="C00000"/>
+            </a:solidFill>
+          </a:ln>
+        </p:spPr>
+        <p:txBody>
+          <a:bodyPr wrap="square">
+            <a:spAutoFit/>
+          </a:bodyPr>
+          <a:lstStyle/>
+          <a:p>
+            <a:pPr algn="r"/>
+            <a:endParaRPr lang="en-US" altLang="ko-KR" sz="1200" dirty="0">
+              <a:ln>
+                <a:solidFill>
+                  <a:schemeClr val="tx1">
+                    <a:alpha val="0"/>
+                  </a:schemeClr>
+                </a:solidFill>
+              </a:ln>
+              <a:latin typeface="나눔바른고딕" panose="020B0603020101020101" pitchFamily="50" charset="-127"/>
+              <a:ea typeface="나눔바른고딕" panose="020B0603020101020101" pitchFamily="50" charset="-127"/>
+            </a:endParaRPr>
+          </a:p>
+        </p:txBody>
+      </p:sp>
+      <p:sp>
+        <p:nvSpPr>
+          <p:cNvPr id="8" name="직사각형 7"/>
+          <p:cNvSpPr/>
+          <p:nvPr/>
+        </p:nvSpPr>
+        <p:spPr>
+          <a:xfrm>
+            <a:off x="4787900" y="5930167"/>
+            <a:ext cx="4077145" cy="461665"/>
+          </a:xfrm>
+          <a:prstGeom prst="rect">
+            <a:avLst/>
+          </a:prstGeom>
+          <a:solidFill>
+            <a:schemeClr val="accent4">
+              <a:lumMod val="20000"/>
+              <a:lumOff val="80000"/>
+            </a:schemeClr>
+          </a:solidFill>
+          <a:ln w="25400">
+            <a:solidFill>
+              <a:srgbClr val="C00000"/>
+            </a:solidFill>
+          </a:ln>
+        </p:spPr>
+        <p:txBody>
+          <a:bodyPr wrap="square">
+            <a:spAutoFit/>
+          </a:bodyPr>
+          <a:lstStyle/>
+          <a:p>
+            <a:pPr algn="r"/>
+            <a:r>
+              <a:rPr lang="en-US" altLang="ko-KR" sz="1200" dirty="0" smtClean="0">
+                <a:ln>
+                  <a:solidFill>
+                    <a:schemeClr val="tx1">
+                      <a:alpha val="0"/>
+                    </a:schemeClr>
+                  </a:solidFill>
+                </a:ln>
+                <a:solidFill>
+                  <a:srgbClr val="FF0000"/>
+                </a:solidFill>
+                <a:latin typeface="나눔바른고딕" panose="020B0603020101020101" pitchFamily="50" charset="-127"/>
+                <a:ea typeface="나눔바른고딕" panose="020B0603020101020101" pitchFamily="50" charset="-127"/>
+              </a:rPr>
+              <a:t>KMO, </a:t>
+            </a:r>
+            <a:r>
+              <a:rPr lang="ko-KR" altLang="en-US" sz="1200" dirty="0" smtClean="0">
+                <a:ln>
+                  <a:solidFill>
+                    <a:schemeClr val="tx1">
+                      <a:alpha val="0"/>
+                    </a:schemeClr>
+                  </a:solidFill>
+                </a:ln>
+                <a:solidFill>
+                  <a:srgbClr val="FF0000"/>
+                </a:solidFill>
+                <a:latin typeface="나눔바른고딕" panose="020B0603020101020101" pitchFamily="50" charset="-127"/>
+                <a:ea typeface="나눔바른고딕" panose="020B0603020101020101" pitchFamily="50" charset="-127"/>
+              </a:rPr>
+              <a:t>영재학교 키워드 모바일 노출 순위 조정</a:t>
+            </a:r>
+            <a:endParaRPr lang="en-US" altLang="ko-KR" sz="1200" dirty="0" smtClean="0">
+              <a:ln>
+                <a:solidFill>
+                  <a:schemeClr val="tx1">
+                    <a:alpha val="0"/>
+                  </a:schemeClr>
+                </a:solidFill>
+              </a:ln>
+              <a:solidFill>
+                <a:srgbClr val="FF0000"/>
+              </a:solidFill>
+              <a:latin typeface="나눔바른고딕" panose="020B0603020101020101" pitchFamily="50" charset="-127"/>
+              <a:ea typeface="나눔바른고딕" panose="020B0603020101020101" pitchFamily="50" charset="-127"/>
+            </a:endParaRPr>
+          </a:p>
+          <a:p>
+            <a:pPr algn="r"/>
+            <a:r>
+              <a:rPr lang="ko-KR" altLang="en-US" sz="1200" dirty="0" err="1" smtClean="0">
+                <a:ln>
+                  <a:solidFill>
+                    <a:schemeClr val="tx1">
+                      <a:alpha val="0"/>
+                    </a:schemeClr>
+                  </a:solidFill>
+                </a:ln>
+                <a:solidFill>
+                  <a:srgbClr val="FF0000"/>
+                </a:solidFill>
+                <a:latin typeface="나눔바른고딕" panose="020B0603020101020101" pitchFamily="50" charset="-127"/>
+                <a:ea typeface="나눔바른고딕" panose="020B0603020101020101" pitchFamily="50" charset="-127"/>
+              </a:rPr>
+              <a:t>데스크탑</a:t>
+            </a:r>
+            <a:r>
+              <a:rPr lang="en-US" altLang="ko-KR" sz="1200" dirty="0" smtClean="0">
+                <a:ln>
+                  <a:solidFill>
+                    <a:schemeClr val="tx1">
+                      <a:alpha val="0"/>
+                    </a:schemeClr>
+                  </a:solidFill>
+                </a:ln>
+                <a:solidFill>
+                  <a:srgbClr val="FF0000"/>
+                </a:solidFill>
+                <a:latin typeface="나눔바른고딕" panose="020B0603020101020101" pitchFamily="50" charset="-127"/>
+                <a:ea typeface="나눔바른고딕" panose="020B0603020101020101" pitchFamily="50" charset="-127"/>
+              </a:rPr>
+              <a:t>, </a:t>
+            </a:r>
+            <a:r>
+              <a:rPr lang="ko-KR" altLang="en-US" sz="1200" dirty="0" smtClean="0">
+                <a:ln>
+                  <a:solidFill>
+                    <a:schemeClr val="tx1">
+                      <a:alpha val="0"/>
+                    </a:schemeClr>
+                  </a:solidFill>
+                </a:ln>
+                <a:solidFill>
+                  <a:srgbClr val="FF0000"/>
+                </a:solidFill>
+                <a:latin typeface="나눔바른고딕" panose="020B0603020101020101" pitchFamily="50" charset="-127"/>
+                <a:ea typeface="나눔바른고딕" panose="020B0603020101020101" pitchFamily="50" charset="-127"/>
+              </a:rPr>
+              <a:t>모바일 캠페인 분리 진행 중</a:t>
+            </a:r>
+            <a:r>
+              <a:rPr lang="en-US" altLang="ko-KR" sz="1200" dirty="0" smtClean="0">
+                <a:ln>
+                  <a:solidFill>
+                    <a:schemeClr val="tx1">
+                      <a:alpha val="0"/>
+                    </a:schemeClr>
+                  </a:solidFill>
+                </a:ln>
+                <a:solidFill>
+                  <a:srgbClr val="FF0000"/>
+                </a:solidFill>
+                <a:latin typeface="나눔바른고딕" panose="020B0603020101020101" pitchFamily="50" charset="-127"/>
+                <a:ea typeface="나눔바른고딕" panose="020B0603020101020101" pitchFamily="50" charset="-127"/>
+              </a:rPr>
+              <a:t>(</a:t>
+            </a:r>
+            <a:r>
+              <a:rPr lang="ko-KR" altLang="en-US" sz="1200" dirty="0" smtClean="0">
+                <a:ln>
+                  <a:solidFill>
+                    <a:schemeClr val="tx1">
+                      <a:alpha val="0"/>
+                    </a:schemeClr>
+                  </a:solidFill>
+                </a:ln>
+                <a:solidFill>
+                  <a:srgbClr val="FF0000"/>
+                </a:solidFill>
+                <a:latin typeface="나눔바른고딕" panose="020B0603020101020101" pitchFamily="50" charset="-127"/>
+                <a:ea typeface="나눔바른고딕" panose="020B0603020101020101" pitchFamily="50" charset="-127"/>
+              </a:rPr>
+              <a:t>광고비용 변동 예상</a:t>
+            </a:r>
+            <a:r>
+              <a:rPr lang="en-US" altLang="ko-KR" sz="1200" dirty="0" smtClean="0">
+                <a:ln>
+                  <a:solidFill>
+                    <a:schemeClr val="tx1">
+                      <a:alpha val="0"/>
+                    </a:schemeClr>
+                  </a:solidFill>
+                </a:ln>
+                <a:solidFill>
+                  <a:srgbClr val="FF0000"/>
+                </a:solidFill>
+                <a:latin typeface="나눔바른고딕" panose="020B0603020101020101" pitchFamily="50" charset="-127"/>
+                <a:ea typeface="나눔바른고딕" panose="020B0603020101020101" pitchFamily="50" charset="-127"/>
+              </a:rPr>
+              <a:t>)</a:t>
+            </a:r>
+            <a:r>
+              <a:rPr lang="ko-KR" altLang="en-US" sz="1200" dirty="0" smtClean="0">
+                <a:ln>
+                  <a:solidFill>
+                    <a:schemeClr val="tx1">
+                      <a:alpha val="0"/>
+                    </a:schemeClr>
+                  </a:solidFill>
+                </a:ln>
+                <a:solidFill>
+                  <a:srgbClr val="FF0000"/>
+                </a:solidFill>
+                <a:latin typeface="나눔바른고딕" panose="020B0603020101020101" pitchFamily="50" charset="-127"/>
+                <a:ea typeface="나눔바른고딕" panose="020B0603020101020101" pitchFamily="50" charset="-127"/>
+              </a:rPr>
+              <a:t> </a:t>
+            </a:r>
+            <a:endParaRPr lang="en-US" altLang="ko-KR" sz="1200" dirty="0">
+              <a:ln>
+                <a:solidFill>
+                  <a:schemeClr val="tx1">
+                    <a:alpha val="0"/>
+                  </a:schemeClr>
+                </a:solidFill>
+              </a:ln>
+              <a:solidFill>
+                <a:srgbClr val="FF0000"/>
+              </a:solidFill>
+              <a:latin typeface="나눔바른고딕" panose="020B0603020101020101" pitchFamily="50" charset="-127"/>
+              <a:ea typeface="나눔바른고딕" panose="020B0603020101020101" pitchFamily="50" charset="-127"/>
+            </a:endParaRPr>
+          </a:p>
+        </p:txBody>
+      </p:sp>
     </p:spTree>
     <p:extLst>
       <p:ext uri="{BB962C8B-B14F-4D97-AF65-F5344CB8AC3E}">
-        <p14:creationId xmlns:p14="http://schemas.microsoft.com/office/powerpoint/2010/main" val="2904057333"/>
+        <p14:creationId xmlns:p14="http://schemas.microsoft.com/office/powerpoint/2010/main" val="3479564396"/>
       </p:ext>
     </p:extLst>
   </p:cSld>
@@ -3624,8 +5920,8 @@
         </p:nvSpPr>
         <p:spPr>
           <a:xfrm>
-            <a:off x="361101" y="803741"/>
-            <a:ext cx="1217000" cy="461665"/>
+            <a:off x="888463" y="3099985"/>
+            <a:ext cx="1433406" cy="261610"/>
           </a:xfrm>
           <a:prstGeom prst="rect">
             <a:avLst/>
@@ -3639,32 +5935,2827 @@
           <a:lstStyle/>
           <a:p>
             <a:r>
-              <a:rPr lang="ko-KR" altLang="en-US" sz="1200" dirty="0" smtClean="0"/>
-              <a:t>카페 유입 </a:t>
-            </a:r>
-            <a:endParaRPr lang="en-US" altLang="ko-KR" sz="1200" dirty="0" smtClean="0"/>
-          </a:p>
-          <a:p>
-            <a:r>
-              <a:rPr lang="ko-KR" altLang="en-US" sz="1200" dirty="0" smtClean="0"/>
-              <a:t>별표 포함 </a:t>
-            </a:r>
-            <a:r>
-              <a:rPr lang="en-US" altLang="ko-KR" sz="1200" dirty="0" smtClean="0"/>
-              <a:t>13</a:t>
-            </a:r>
-            <a:r>
-              <a:rPr lang="ko-KR" altLang="en-US" sz="1200" dirty="0" smtClean="0"/>
-              <a:t>건 </a:t>
-            </a:r>
-            <a:endParaRPr lang="ko-KR" altLang="en-US" sz="1200" dirty="0"/>
+              <a:rPr lang="ko-KR" altLang="en-US" sz="1100" dirty="0" smtClean="0">
+                <a:ln>
+                  <a:solidFill>
+                    <a:schemeClr val="tx1">
+                      <a:alpha val="0"/>
+                    </a:schemeClr>
+                  </a:solidFill>
+                </a:ln>
+                <a:latin typeface="나눔바른고딕" panose="020B0603020101020101" pitchFamily="50" charset="-127"/>
+                <a:ea typeface="나눔바른고딕" panose="020B0603020101020101" pitchFamily="50" charset="-127"/>
+              </a:rPr>
+              <a:t>유입 </a:t>
+            </a:r>
+            <a:r>
+              <a:rPr lang="en-US" altLang="ko-KR" sz="1100" dirty="0" smtClean="0">
+                <a:ln>
+                  <a:solidFill>
+                    <a:schemeClr val="tx1">
+                      <a:alpha val="0"/>
+                    </a:schemeClr>
+                  </a:solidFill>
+                </a:ln>
+                <a:latin typeface="나눔바른고딕" panose="020B0603020101020101" pitchFamily="50" charset="-127"/>
+                <a:ea typeface="나눔바른고딕" panose="020B0603020101020101" pitchFamily="50" charset="-127"/>
+              </a:rPr>
+              <a:t>48</a:t>
+            </a:r>
+            <a:r>
+              <a:rPr lang="ko-KR" altLang="en-US" sz="1100" dirty="0">
+                <a:ln>
+                  <a:solidFill>
+                    <a:schemeClr val="tx1">
+                      <a:alpha val="0"/>
+                    </a:schemeClr>
+                  </a:solidFill>
+                </a:ln>
+                <a:latin typeface="나눔바른고딕" panose="020B0603020101020101" pitchFamily="50" charset="-127"/>
+                <a:ea typeface="나눔바른고딕" panose="020B0603020101020101" pitchFamily="50" charset="-127"/>
+              </a:rPr>
+              <a:t>명 중 </a:t>
+            </a:r>
+            <a:r>
+              <a:rPr lang="en-US" altLang="ko-KR" sz="1100" dirty="0">
+                <a:ln>
+                  <a:solidFill>
+                    <a:schemeClr val="tx1">
+                      <a:alpha val="0"/>
+                    </a:schemeClr>
+                  </a:solidFill>
+                </a:ln>
+                <a:latin typeface="나눔바른고딕" panose="020B0603020101020101" pitchFamily="50" charset="-127"/>
+                <a:ea typeface="나눔바른고딕" panose="020B0603020101020101" pitchFamily="50" charset="-127"/>
+              </a:rPr>
+              <a:t>3</a:t>
+            </a:r>
+            <a:r>
+              <a:rPr lang="ko-KR" altLang="en-US" sz="1100" dirty="0">
+                <a:ln>
+                  <a:solidFill>
+                    <a:schemeClr val="tx1">
+                      <a:alpha val="0"/>
+                    </a:schemeClr>
+                  </a:solidFill>
+                </a:ln>
+                <a:latin typeface="나눔바른고딕" panose="020B0603020101020101" pitchFamily="50" charset="-127"/>
+                <a:ea typeface="나눔바른고딕" panose="020B0603020101020101" pitchFamily="50" charset="-127"/>
+              </a:rPr>
+              <a:t>명 전환</a:t>
+            </a:r>
+            <a:endParaRPr lang="ko-KR" altLang="en-US" sz="1100" dirty="0">
+              <a:ln>
+                <a:solidFill>
+                  <a:schemeClr val="tx1">
+                    <a:alpha val="0"/>
+                  </a:schemeClr>
+                </a:solidFill>
+              </a:ln>
+              <a:latin typeface="나눔바른고딕" panose="020B0603020101020101" pitchFamily="50" charset="-127"/>
+              <a:ea typeface="나눔바른고딕" panose="020B0603020101020101" pitchFamily="50" charset="-127"/>
+            </a:endParaRPr>
+          </a:p>
+        </p:txBody>
+      </p:sp>
+      <p:sp>
+        <p:nvSpPr>
+          <p:cNvPr id="3" name="TextBox 2"/>
+          <p:cNvSpPr txBox="1"/>
+          <p:nvPr/>
+        </p:nvSpPr>
+        <p:spPr>
+          <a:xfrm>
+            <a:off x="3419783" y="3370254"/>
+            <a:ext cx="1124026" cy="261610"/>
+          </a:xfrm>
+          <a:prstGeom prst="rect">
+            <a:avLst/>
+          </a:prstGeom>
+          <a:noFill/>
+        </p:spPr>
+        <p:txBody>
+          <a:bodyPr wrap="none" rtlCol="0">
+            <a:spAutoFit/>
+          </a:bodyPr>
+          <a:lstStyle/>
+          <a:p>
+            <a:r>
+              <a:rPr lang="ko-KR" altLang="en-US" sz="1100" dirty="0" err="1" smtClean="0">
+                <a:ln>
+                  <a:solidFill>
+                    <a:schemeClr val="tx1">
+                      <a:alpha val="0"/>
+                    </a:schemeClr>
+                  </a:solidFill>
+                </a:ln>
+                <a:latin typeface="나눔바른고딕" panose="020B0603020101020101" pitchFamily="50" charset="-127"/>
+                <a:ea typeface="나눔바른고딕" panose="020B0603020101020101" pitchFamily="50" charset="-127"/>
+              </a:rPr>
+              <a:t>김현교</a:t>
+            </a:r>
+            <a:r>
+              <a:rPr lang="ko-KR" altLang="en-US" sz="1100" dirty="0" smtClean="0">
+                <a:ln>
+                  <a:solidFill>
+                    <a:schemeClr val="tx1">
+                      <a:alpha val="0"/>
+                    </a:schemeClr>
+                  </a:solidFill>
+                </a:ln>
+                <a:latin typeface="나눔바른고딕" panose="020B0603020101020101" pitchFamily="50" charset="-127"/>
+                <a:ea typeface="나눔바른고딕" panose="020B0603020101020101" pitchFamily="50" charset="-127"/>
+              </a:rPr>
+              <a:t> </a:t>
+            </a:r>
+            <a:r>
+              <a:rPr lang="en-US" altLang="ko-KR" sz="1100" dirty="0">
+                <a:ln>
+                  <a:solidFill>
+                    <a:schemeClr val="tx1">
+                      <a:alpha val="0"/>
+                    </a:schemeClr>
+                  </a:solidFill>
+                </a:ln>
+                <a:latin typeface="나눔바른고딕" panose="020B0603020101020101" pitchFamily="50" charset="-127"/>
+                <a:ea typeface="나눔바른고딕" panose="020B0603020101020101" pitchFamily="50" charset="-127"/>
+              </a:rPr>
+              <a:t>900,000</a:t>
+            </a:r>
+            <a:endParaRPr lang="ko-KR" altLang="en-US" sz="1100" dirty="0">
+              <a:ln>
+                <a:solidFill>
+                  <a:schemeClr val="tx1">
+                    <a:alpha val="0"/>
+                  </a:schemeClr>
+                </a:solidFill>
+              </a:ln>
+              <a:latin typeface="나눔바른고딕" panose="020B0603020101020101" pitchFamily="50" charset="-127"/>
+              <a:ea typeface="나눔바른고딕" panose="020B0603020101020101" pitchFamily="50" charset="-127"/>
+            </a:endParaRPr>
+          </a:p>
+        </p:txBody>
+      </p:sp>
+      <p:grpSp>
+        <p:nvGrpSpPr>
+          <p:cNvPr id="9" name="그룹 8"/>
+          <p:cNvGrpSpPr/>
+          <p:nvPr/>
+        </p:nvGrpSpPr>
+        <p:grpSpPr>
+          <a:xfrm>
+            <a:off x="643284" y="1181100"/>
+            <a:ext cx="6688889" cy="1270461"/>
+            <a:chOff x="1233487" y="3009900"/>
+            <a:chExt cx="6688889" cy="1270461"/>
+          </a:xfrm>
+        </p:grpSpPr>
+        <p:grpSp>
+          <p:nvGrpSpPr>
+            <p:cNvPr id="7" name="그룹 6"/>
+            <p:cNvGrpSpPr/>
+            <p:nvPr/>
+          </p:nvGrpSpPr>
+          <p:grpSpPr>
+            <a:xfrm>
+              <a:off x="1233487" y="3009900"/>
+              <a:ext cx="6688889" cy="1270461"/>
+              <a:chOff x="1233487" y="3009900"/>
+              <a:chExt cx="6688889" cy="1270461"/>
+            </a:xfrm>
+          </p:grpSpPr>
+          <p:pic>
+            <p:nvPicPr>
+              <p:cNvPr id="5" name="그림 4"/>
+              <p:cNvPicPr>
+                <a:picLocks noChangeAspect="1"/>
+              </p:cNvPicPr>
+              <p:nvPr/>
+            </p:nvPicPr>
+            <p:blipFill>
+              <a:blip r:embed="rId2"/>
+              <a:stretch>
+                <a:fillRect/>
+              </a:stretch>
+            </p:blipFill>
+            <p:spPr>
+              <a:xfrm>
+                <a:off x="1233487" y="3009900"/>
+                <a:ext cx="6677025" cy="838200"/>
+              </a:xfrm>
+              <a:prstGeom prst="rect">
+                <a:avLst/>
+              </a:prstGeom>
+            </p:spPr>
+          </p:pic>
+          <p:pic>
+            <p:nvPicPr>
+              <p:cNvPr id="6" name="그림 5"/>
+              <p:cNvPicPr>
+                <a:picLocks noChangeAspect="1"/>
+              </p:cNvPicPr>
+              <p:nvPr/>
+            </p:nvPicPr>
+            <p:blipFill>
+              <a:blip r:embed="rId3"/>
+              <a:stretch>
+                <a:fillRect/>
+              </a:stretch>
+            </p:blipFill>
+            <p:spPr>
+              <a:xfrm>
+                <a:off x="1254876" y="3823161"/>
+                <a:ext cx="6667500" cy="457200"/>
+              </a:xfrm>
+              <a:prstGeom prst="rect">
+                <a:avLst/>
+              </a:prstGeom>
+            </p:spPr>
+          </p:pic>
+        </p:grpSp>
+        <p:sp>
+          <p:nvSpPr>
+            <p:cNvPr id="8" name="직사각형 7"/>
+            <p:cNvSpPr/>
+            <p:nvPr/>
+          </p:nvSpPr>
+          <p:spPr>
+            <a:xfrm>
+              <a:off x="1233487" y="3009900"/>
+              <a:ext cx="6677025" cy="1270461"/>
+            </a:xfrm>
+            <a:prstGeom prst="rect">
+              <a:avLst/>
+            </a:prstGeom>
+            <a:noFill/>
+            <a:ln w="44450">
+              <a:solidFill>
+                <a:schemeClr val="tx1">
+                  <a:lumMod val="50000"/>
+                  <a:lumOff val="50000"/>
+                </a:schemeClr>
+              </a:solidFill>
+            </a:ln>
+          </p:spPr>
+          <p:style>
+            <a:lnRef idx="2">
+              <a:schemeClr val="accent1">
+                <a:shade val="50000"/>
+              </a:schemeClr>
+            </a:lnRef>
+            <a:fillRef idx="1">
+              <a:schemeClr val="accent1"/>
+            </a:fillRef>
+            <a:effectRef idx="0">
+              <a:schemeClr val="accent1"/>
+            </a:effectRef>
+            <a:fontRef idx="minor">
+              <a:schemeClr val="lt1"/>
+            </a:fontRef>
+          </p:style>
+          <p:txBody>
+            <a:bodyPr rtlCol="0" anchor="ctr"/>
+            <a:lstStyle/>
+            <a:p>
+              <a:pPr algn="ctr"/>
+              <a:endParaRPr lang="ko-KR" altLang="en-US"/>
+            </a:p>
+          </p:txBody>
+        </p:sp>
+      </p:grpSp>
+      <p:sp>
+        <p:nvSpPr>
+          <p:cNvPr id="10" name="직사각형 9"/>
+          <p:cNvSpPr/>
+          <p:nvPr/>
+        </p:nvSpPr>
+        <p:spPr>
+          <a:xfrm>
+            <a:off x="136868" y="98606"/>
+            <a:ext cx="4572000" cy="253916"/>
+          </a:xfrm>
+          <a:prstGeom prst="rect">
+            <a:avLst/>
+          </a:prstGeom>
+        </p:spPr>
+        <p:txBody>
+          <a:bodyPr>
+            <a:spAutoFit/>
+          </a:bodyPr>
+          <a:lstStyle/>
+          <a:p>
+            <a:r>
+              <a:rPr lang="en-US" altLang="ko-KR" sz="1050" b="1" dirty="0">
+                <a:ln>
+                  <a:solidFill>
+                    <a:schemeClr val="tx1">
+                      <a:alpha val="0"/>
+                    </a:schemeClr>
+                  </a:solidFill>
+                </a:ln>
+                <a:latin typeface="나눔바른고딕" panose="020B0603020101020101" pitchFamily="50" charset="-127"/>
+                <a:ea typeface="나눔바른고딕" panose="020B0603020101020101" pitchFamily="50" charset="-127"/>
+              </a:rPr>
+              <a:t>01.09-01.14 </a:t>
+            </a:r>
+            <a:r>
+              <a:rPr lang="ko-KR" altLang="en-US" sz="1050" b="1" dirty="0">
+                <a:ln>
+                  <a:solidFill>
+                    <a:schemeClr val="tx1">
+                      <a:alpha val="0"/>
+                    </a:schemeClr>
+                  </a:solidFill>
+                </a:ln>
+                <a:latin typeface="나눔바른고딕" panose="020B0603020101020101" pitchFamily="50" charset="-127"/>
+                <a:ea typeface="나눔바른고딕" panose="020B0603020101020101" pitchFamily="50" charset="-127"/>
+              </a:rPr>
+              <a:t>금주 키워드광고 </a:t>
+            </a:r>
+            <a:r>
+              <a:rPr lang="ko-KR" altLang="en-US" sz="1050" b="1" dirty="0" smtClean="0">
+                <a:ln>
+                  <a:solidFill>
+                    <a:schemeClr val="tx1">
+                      <a:alpha val="0"/>
+                    </a:schemeClr>
+                  </a:solidFill>
+                </a:ln>
+                <a:latin typeface="나눔바른고딕" panose="020B0603020101020101" pitchFamily="50" charset="-127"/>
+                <a:ea typeface="나눔바른고딕" panose="020B0603020101020101" pitchFamily="50" charset="-127"/>
+              </a:rPr>
+              <a:t>경로 가입 회원</a:t>
+            </a:r>
+            <a:endParaRPr lang="ko-KR" altLang="en-US" sz="1050" b="1" dirty="0">
+              <a:ln>
+                <a:solidFill>
+                  <a:schemeClr val="tx1">
+                    <a:alpha val="0"/>
+                  </a:schemeClr>
+                </a:solidFill>
+              </a:ln>
+              <a:latin typeface="나눔바른고딕" panose="020B0603020101020101" pitchFamily="50" charset="-127"/>
+              <a:ea typeface="나눔바른고딕" panose="020B0603020101020101" pitchFamily="50" charset="-127"/>
+            </a:endParaRPr>
+          </a:p>
+        </p:txBody>
+      </p:sp>
+      <p:cxnSp>
+        <p:nvCxnSpPr>
+          <p:cNvPr id="11" name="직선 연결선 10"/>
+          <p:cNvCxnSpPr/>
+          <p:nvPr/>
+        </p:nvCxnSpPr>
+        <p:spPr>
+          <a:xfrm>
+            <a:off x="136868" y="401870"/>
+            <a:ext cx="8867351" cy="0"/>
+          </a:xfrm>
+          <a:prstGeom prst="line">
+            <a:avLst/>
+          </a:prstGeom>
+          <a:ln>
+            <a:solidFill>
+              <a:schemeClr val="tx1"/>
+            </a:solidFill>
+          </a:ln>
+        </p:spPr>
+        <p:style>
+          <a:lnRef idx="1">
+            <a:schemeClr val="accent1"/>
+          </a:lnRef>
+          <a:fillRef idx="0">
+            <a:schemeClr val="accent1"/>
+          </a:fillRef>
+          <a:effectRef idx="0">
+            <a:schemeClr val="accent1"/>
+          </a:effectRef>
+          <a:fontRef idx="minor">
+            <a:schemeClr val="tx1"/>
+          </a:fontRef>
+        </p:style>
+      </p:cxnSp>
+      <p:sp>
+        <p:nvSpPr>
+          <p:cNvPr id="12" name="직사각형 11"/>
+          <p:cNvSpPr/>
+          <p:nvPr/>
+        </p:nvSpPr>
+        <p:spPr>
+          <a:xfrm>
+            <a:off x="4787900" y="5930167"/>
+            <a:ext cx="4077145" cy="461665"/>
+          </a:xfrm>
+          <a:prstGeom prst="rect">
+            <a:avLst/>
+          </a:prstGeom>
+          <a:solidFill>
+            <a:schemeClr val="accent4">
+              <a:lumMod val="20000"/>
+              <a:lumOff val="80000"/>
+            </a:schemeClr>
+          </a:solidFill>
+          <a:ln w="25400">
+            <a:solidFill>
+              <a:srgbClr val="C00000"/>
+            </a:solidFill>
+          </a:ln>
+        </p:spPr>
+        <p:txBody>
+          <a:bodyPr wrap="square">
+            <a:spAutoFit/>
+          </a:bodyPr>
+          <a:lstStyle/>
+          <a:p>
+            <a:pPr algn="r"/>
+            <a:r>
+              <a:rPr lang="ko-KR" altLang="en-US" sz="1200" b="1" dirty="0" smtClean="0">
+                <a:ln>
+                  <a:solidFill>
+                    <a:schemeClr val="tx1">
+                      <a:alpha val="0"/>
+                    </a:schemeClr>
+                  </a:solidFill>
+                </a:ln>
+                <a:latin typeface="나눔바른고딕" panose="020B0603020101020101" pitchFamily="50" charset="-127"/>
+                <a:ea typeface="나눔바른고딕" panose="020B0603020101020101" pitchFamily="50" charset="-127"/>
+              </a:rPr>
+              <a:t>지출 금액 </a:t>
+            </a:r>
+            <a:r>
+              <a:rPr lang="en-US" altLang="ko-KR" sz="1200" b="1" dirty="0" smtClean="0">
+                <a:ln>
+                  <a:solidFill>
+                    <a:schemeClr val="tx1">
+                      <a:alpha val="0"/>
+                    </a:schemeClr>
+                  </a:solidFill>
+                </a:ln>
+                <a:latin typeface="나눔바른고딕" panose="020B0603020101020101" pitchFamily="50" charset="-127"/>
+                <a:ea typeface="나눔바른고딕" panose="020B0603020101020101" pitchFamily="50" charset="-127"/>
+              </a:rPr>
+              <a:t>: - </a:t>
+            </a:r>
+            <a:r>
+              <a:rPr lang="en-US" altLang="ko-KR" sz="1200" dirty="0" smtClean="0">
+                <a:ln>
+                  <a:solidFill>
+                    <a:schemeClr val="tx1">
+                      <a:alpha val="0"/>
+                    </a:schemeClr>
+                  </a:solidFill>
+                </a:ln>
+                <a:latin typeface="나눔바른고딕" panose="020B0603020101020101" pitchFamily="50" charset="-127"/>
+                <a:ea typeface="나눔바른고딕" panose="020B0603020101020101" pitchFamily="50" charset="-127"/>
+              </a:rPr>
+              <a:t>40,194</a:t>
+            </a:r>
+            <a:r>
+              <a:rPr lang="ko-KR" altLang="en-US" sz="1200" dirty="0">
+                <a:ln>
+                  <a:solidFill>
+                    <a:schemeClr val="tx1">
+                      <a:alpha val="0"/>
+                    </a:schemeClr>
+                  </a:solidFill>
+                </a:ln>
+                <a:latin typeface="나눔바른고딕" panose="020B0603020101020101" pitchFamily="50" charset="-127"/>
+                <a:ea typeface="나눔바른고딕" panose="020B0603020101020101" pitchFamily="50" charset="-127"/>
+              </a:rPr>
+              <a:t>원 </a:t>
+            </a:r>
+            <a:endParaRPr lang="en-US" altLang="ko-KR" sz="1200" dirty="0" smtClean="0">
+              <a:ln>
+                <a:solidFill>
+                  <a:schemeClr val="tx1">
+                    <a:alpha val="0"/>
+                  </a:schemeClr>
+                </a:solidFill>
+              </a:ln>
+              <a:latin typeface="나눔바른고딕" panose="020B0603020101020101" pitchFamily="50" charset="-127"/>
+              <a:ea typeface="나눔바른고딕" panose="020B0603020101020101" pitchFamily="50" charset="-127"/>
+            </a:endParaRPr>
+          </a:p>
+          <a:p>
+            <a:pPr algn="r"/>
+            <a:r>
+              <a:rPr lang="ko-KR" altLang="en-US" sz="1200" b="1" dirty="0" smtClean="0">
+                <a:ln>
+                  <a:solidFill>
+                    <a:schemeClr val="tx1">
+                      <a:alpha val="0"/>
+                    </a:schemeClr>
+                  </a:solidFill>
+                </a:ln>
+                <a:latin typeface="나눔바른고딕" panose="020B0603020101020101" pitchFamily="50" charset="-127"/>
+                <a:ea typeface="나눔바른고딕" panose="020B0603020101020101" pitchFamily="50" charset="-127"/>
+              </a:rPr>
+              <a:t>전환 금액 </a:t>
+            </a:r>
+            <a:r>
+              <a:rPr lang="en-US" altLang="ko-KR" sz="1200" b="1" dirty="0">
+                <a:ln>
+                  <a:solidFill>
+                    <a:schemeClr val="tx1">
+                      <a:alpha val="0"/>
+                    </a:schemeClr>
+                  </a:solidFill>
+                </a:ln>
+                <a:latin typeface="나눔바른고딕" panose="020B0603020101020101" pitchFamily="50" charset="-127"/>
+                <a:ea typeface="나눔바른고딕" panose="020B0603020101020101" pitchFamily="50" charset="-127"/>
+              </a:rPr>
+              <a:t>: </a:t>
+            </a:r>
+            <a:r>
+              <a:rPr lang="en-US" altLang="ko-KR" sz="1200" b="1" dirty="0" smtClean="0">
+                <a:ln>
+                  <a:solidFill>
+                    <a:schemeClr val="tx1">
+                      <a:alpha val="0"/>
+                    </a:schemeClr>
+                  </a:solidFill>
+                </a:ln>
+                <a:latin typeface="나눔바른고딕" panose="020B0603020101020101" pitchFamily="50" charset="-127"/>
+                <a:ea typeface="나눔바른고딕" panose="020B0603020101020101" pitchFamily="50" charset="-127"/>
+              </a:rPr>
+              <a:t>+ </a:t>
+            </a:r>
+            <a:r>
+              <a:rPr lang="en-US" altLang="ko-KR" sz="1200" dirty="0" smtClean="0">
+                <a:ln>
+                  <a:solidFill>
+                    <a:schemeClr val="tx1">
+                      <a:alpha val="0"/>
+                    </a:schemeClr>
+                  </a:solidFill>
+                </a:ln>
+                <a:latin typeface="나눔바른고딕" panose="020B0603020101020101" pitchFamily="50" charset="-127"/>
+                <a:ea typeface="나눔바른고딕" panose="020B0603020101020101" pitchFamily="50" charset="-127"/>
+              </a:rPr>
+              <a:t>900,000</a:t>
+            </a:r>
+            <a:r>
+              <a:rPr lang="ko-KR" altLang="en-US" sz="1200" dirty="0" smtClean="0">
+                <a:ln>
+                  <a:solidFill>
+                    <a:schemeClr val="tx1">
+                      <a:alpha val="0"/>
+                    </a:schemeClr>
+                  </a:solidFill>
+                </a:ln>
+                <a:latin typeface="나눔바른고딕" panose="020B0603020101020101" pitchFamily="50" charset="-127"/>
+                <a:ea typeface="나눔바른고딕" panose="020B0603020101020101" pitchFamily="50" charset="-127"/>
+              </a:rPr>
+              <a:t>원 </a:t>
+            </a:r>
+            <a:r>
+              <a:rPr lang="ko-KR" altLang="en-US" sz="1200" dirty="0" smtClean="0">
+                <a:ln>
+                  <a:solidFill>
+                    <a:schemeClr val="tx1">
+                      <a:alpha val="0"/>
+                    </a:schemeClr>
+                  </a:solidFill>
+                </a:ln>
+                <a:solidFill>
+                  <a:srgbClr val="FF0000"/>
+                </a:solidFill>
+                <a:latin typeface="나눔바른고딕" panose="020B0603020101020101" pitchFamily="50" charset="-127"/>
+                <a:ea typeface="나눔바른고딕" panose="020B0603020101020101" pitchFamily="50" charset="-127"/>
+              </a:rPr>
+              <a:t> </a:t>
+            </a:r>
+            <a:endParaRPr lang="en-US" altLang="ko-KR" sz="1200" dirty="0">
+              <a:ln>
+                <a:solidFill>
+                  <a:schemeClr val="tx1">
+                    <a:alpha val="0"/>
+                  </a:schemeClr>
+                </a:solidFill>
+              </a:ln>
+              <a:solidFill>
+                <a:srgbClr val="FF0000"/>
+              </a:solidFill>
+              <a:latin typeface="나눔바른고딕" panose="020B0603020101020101" pitchFamily="50" charset="-127"/>
+              <a:ea typeface="나눔바른고딕" panose="020B0603020101020101" pitchFamily="50" charset="-127"/>
+            </a:endParaRPr>
+          </a:p>
+        </p:txBody>
+      </p:sp>
+      <p:sp>
+        <p:nvSpPr>
+          <p:cNvPr id="13" name="직사각형 12"/>
+          <p:cNvSpPr/>
+          <p:nvPr/>
+        </p:nvSpPr>
+        <p:spPr>
+          <a:xfrm>
+            <a:off x="664673" y="2798529"/>
+            <a:ext cx="1880986" cy="261610"/>
+          </a:xfrm>
+          <a:prstGeom prst="rect">
+            <a:avLst/>
+          </a:prstGeom>
+          <a:solidFill>
+            <a:schemeClr val="bg2"/>
+          </a:solidFill>
+          <a:ln>
+            <a:solidFill>
+              <a:srgbClr val="0070C0"/>
+            </a:solidFill>
+          </a:ln>
+        </p:spPr>
+        <p:txBody>
+          <a:bodyPr wrap="square">
+            <a:spAutoFit/>
+          </a:bodyPr>
+          <a:lstStyle/>
+          <a:p>
+            <a:pPr algn="ctr"/>
+            <a:r>
+              <a:rPr lang="ko-KR" altLang="en-US" sz="1100" dirty="0" smtClean="0">
+                <a:ln>
+                  <a:solidFill>
+                    <a:schemeClr val="tx1">
+                      <a:alpha val="0"/>
+                    </a:schemeClr>
+                  </a:solidFill>
+                </a:ln>
+                <a:latin typeface="나눔바른고딕" panose="020B0603020101020101" pitchFamily="50" charset="-127"/>
+                <a:ea typeface="나눔바른고딕" panose="020B0603020101020101" pitchFamily="50" charset="-127"/>
+              </a:rPr>
+              <a:t>가입 전환</a:t>
+            </a:r>
+            <a:endParaRPr lang="en-US" altLang="ko-KR" sz="1100" dirty="0">
+              <a:ln>
+                <a:solidFill>
+                  <a:schemeClr val="tx1">
+                    <a:alpha val="0"/>
+                  </a:schemeClr>
+                </a:solidFill>
+              </a:ln>
+              <a:latin typeface="나눔바른고딕" panose="020B0603020101020101" pitchFamily="50" charset="-127"/>
+              <a:ea typeface="나눔바른고딕" panose="020B0603020101020101" pitchFamily="50" charset="-127"/>
+            </a:endParaRPr>
+          </a:p>
+        </p:txBody>
+      </p:sp>
+      <p:sp>
+        <p:nvSpPr>
+          <p:cNvPr id="14" name="TextBox 13"/>
+          <p:cNvSpPr txBox="1"/>
+          <p:nvPr/>
+        </p:nvSpPr>
+        <p:spPr>
+          <a:xfrm>
+            <a:off x="3305970" y="3099985"/>
+            <a:ext cx="1351652" cy="261610"/>
+          </a:xfrm>
+          <a:prstGeom prst="rect">
+            <a:avLst/>
+          </a:prstGeom>
+          <a:noFill/>
+        </p:spPr>
+        <p:txBody>
+          <a:bodyPr wrap="none" rtlCol="0">
+            <a:spAutoFit/>
+          </a:bodyPr>
+          <a:lstStyle/>
+          <a:p>
+            <a:r>
+              <a:rPr lang="ko-KR" altLang="en-US" sz="1100" dirty="0" smtClean="0">
+                <a:ln>
+                  <a:solidFill>
+                    <a:schemeClr val="tx1">
+                      <a:alpha val="0"/>
+                    </a:schemeClr>
+                  </a:solidFill>
+                </a:ln>
+                <a:latin typeface="나눔바른고딕" panose="020B0603020101020101" pitchFamily="50" charset="-127"/>
+                <a:ea typeface="나눔바른고딕" panose="020B0603020101020101" pitchFamily="50" charset="-127"/>
+              </a:rPr>
+              <a:t>가입 </a:t>
+            </a:r>
+            <a:r>
+              <a:rPr lang="en-US" altLang="ko-KR" sz="1100" dirty="0" smtClean="0">
+                <a:ln>
+                  <a:solidFill>
+                    <a:schemeClr val="tx1">
+                      <a:alpha val="0"/>
+                    </a:schemeClr>
+                  </a:solidFill>
+                </a:ln>
+                <a:latin typeface="나눔바른고딕" panose="020B0603020101020101" pitchFamily="50" charset="-127"/>
+                <a:ea typeface="나눔바른고딕" panose="020B0603020101020101" pitchFamily="50" charset="-127"/>
+              </a:rPr>
+              <a:t>3</a:t>
+            </a:r>
+            <a:r>
+              <a:rPr lang="ko-KR" altLang="en-US" sz="1100" dirty="0" smtClean="0">
+                <a:ln>
+                  <a:solidFill>
+                    <a:schemeClr val="tx1">
+                      <a:alpha val="0"/>
+                    </a:schemeClr>
+                  </a:solidFill>
+                </a:ln>
+                <a:latin typeface="나눔바른고딕" panose="020B0603020101020101" pitchFamily="50" charset="-127"/>
+                <a:ea typeface="나눔바른고딕" panose="020B0603020101020101" pitchFamily="50" charset="-127"/>
+              </a:rPr>
+              <a:t>명 중 </a:t>
+            </a:r>
+            <a:r>
+              <a:rPr lang="en-US" altLang="ko-KR" sz="1100" dirty="0" smtClean="0">
+                <a:ln>
+                  <a:solidFill>
+                    <a:schemeClr val="tx1">
+                      <a:alpha val="0"/>
+                    </a:schemeClr>
+                  </a:solidFill>
+                </a:ln>
+                <a:latin typeface="나눔바른고딕" panose="020B0603020101020101" pitchFamily="50" charset="-127"/>
+                <a:ea typeface="나눔바른고딕" panose="020B0603020101020101" pitchFamily="50" charset="-127"/>
+              </a:rPr>
+              <a:t>1</a:t>
+            </a:r>
+            <a:r>
+              <a:rPr lang="ko-KR" altLang="en-US" sz="1100" dirty="0" smtClean="0">
+                <a:ln>
+                  <a:solidFill>
+                    <a:schemeClr val="tx1">
+                      <a:alpha val="0"/>
+                    </a:schemeClr>
+                  </a:solidFill>
+                </a:ln>
+                <a:latin typeface="나눔바른고딕" panose="020B0603020101020101" pitchFamily="50" charset="-127"/>
+                <a:ea typeface="나눔바른고딕" panose="020B0603020101020101" pitchFamily="50" charset="-127"/>
+              </a:rPr>
+              <a:t>명 전환</a:t>
+            </a:r>
+            <a:endParaRPr lang="ko-KR" altLang="en-US" sz="1100" dirty="0">
+              <a:ln>
+                <a:solidFill>
+                  <a:schemeClr val="tx1">
+                    <a:alpha val="0"/>
+                  </a:schemeClr>
+                </a:solidFill>
+              </a:ln>
+              <a:latin typeface="나눔바른고딕" panose="020B0603020101020101" pitchFamily="50" charset="-127"/>
+              <a:ea typeface="나눔바른고딕" panose="020B0603020101020101" pitchFamily="50" charset="-127"/>
+            </a:endParaRPr>
+          </a:p>
+        </p:txBody>
+      </p:sp>
+      <p:sp>
+        <p:nvSpPr>
+          <p:cNvPr id="15" name="직사각형 14"/>
+          <p:cNvSpPr/>
+          <p:nvPr/>
+        </p:nvSpPr>
+        <p:spPr>
+          <a:xfrm>
+            <a:off x="3058738" y="2798529"/>
+            <a:ext cx="1880986" cy="261610"/>
+          </a:xfrm>
+          <a:prstGeom prst="rect">
+            <a:avLst/>
+          </a:prstGeom>
+          <a:solidFill>
+            <a:schemeClr val="bg2"/>
+          </a:solidFill>
+          <a:ln>
+            <a:solidFill>
+              <a:srgbClr val="0070C0"/>
+            </a:solidFill>
+          </a:ln>
+        </p:spPr>
+        <p:txBody>
+          <a:bodyPr wrap="square">
+            <a:spAutoFit/>
+          </a:bodyPr>
+          <a:lstStyle/>
+          <a:p>
+            <a:pPr algn="ctr"/>
+            <a:r>
+              <a:rPr lang="ko-KR" altLang="en-US" sz="1100" dirty="0" smtClean="0">
+                <a:ln>
+                  <a:solidFill>
+                    <a:schemeClr val="tx1">
+                      <a:alpha val="0"/>
+                    </a:schemeClr>
+                  </a:solidFill>
+                </a:ln>
+                <a:latin typeface="나눔바른고딕" panose="020B0603020101020101" pitchFamily="50" charset="-127"/>
+                <a:ea typeface="나눔바른고딕" panose="020B0603020101020101" pitchFamily="50" charset="-127"/>
+              </a:rPr>
+              <a:t>결제 전환</a:t>
+            </a:r>
+            <a:endParaRPr lang="en-US" altLang="ko-KR" sz="1100" dirty="0">
+              <a:ln>
+                <a:solidFill>
+                  <a:schemeClr val="tx1">
+                    <a:alpha val="0"/>
+                  </a:schemeClr>
+                </a:solidFill>
+              </a:ln>
+              <a:latin typeface="나눔바른고딕" panose="020B0603020101020101" pitchFamily="50" charset="-127"/>
+              <a:ea typeface="나눔바른고딕" panose="020B0603020101020101" pitchFamily="50" charset="-127"/>
+            </a:endParaRPr>
           </a:p>
         </p:txBody>
       </p:sp>
     </p:spTree>
     <p:extLst>
       <p:ext uri="{BB962C8B-B14F-4D97-AF65-F5344CB8AC3E}">
-        <p14:creationId xmlns:p14="http://schemas.microsoft.com/office/powerpoint/2010/main" val="58491091"/>
+        <p14:creationId xmlns:p14="http://schemas.microsoft.com/office/powerpoint/2010/main" val="2139545914"/>
+      </p:ext>
+    </p:extLst>
+  </p:cSld>
+  <p:clrMapOvr>
+    <a:masterClrMapping/>
+  </p:clrMapOvr>
+</p:sld>
+</file>
+
+<file path=ppt/slides/slide6.xml><?xml version="1.0" encoding="utf-8"?>
+<p:sld xmlns:a="http://schemas.openxmlformats.org/drawingml/2006/main" xmlns:r="http://schemas.openxmlformats.org/officeDocument/2006/relationships" xmlns:p="http://schemas.openxmlformats.org/presentationml/2006/main">
+  <p:cSld>
+    <p:spTree>
+      <p:nvGrpSpPr>
+        <p:cNvPr id="1" name=""/>
+        <p:cNvGrpSpPr/>
+        <p:nvPr/>
+      </p:nvGrpSpPr>
+      <p:grpSpPr>
+        <a:xfrm>
+          <a:off x="0" y="0"/>
+          <a:ext cx="0" cy="0"/>
+          <a:chOff x="0" y="0"/>
+          <a:chExt cx="0" cy="0"/>
+        </a:xfrm>
+      </p:grpSpPr>
+      <p:sp>
+        <p:nvSpPr>
+          <p:cNvPr id="2" name="직사각형 1"/>
+          <p:cNvSpPr/>
+          <p:nvPr/>
+        </p:nvSpPr>
+        <p:spPr>
+          <a:xfrm>
+            <a:off x="136868" y="98606"/>
+            <a:ext cx="4572000" cy="253916"/>
+          </a:xfrm>
+          <a:prstGeom prst="rect">
+            <a:avLst/>
+          </a:prstGeom>
+        </p:spPr>
+        <p:txBody>
+          <a:bodyPr>
+            <a:spAutoFit/>
+          </a:bodyPr>
+          <a:lstStyle/>
+          <a:p>
+            <a:r>
+              <a:rPr lang="en-US" altLang="ko-KR" sz="1050" b="1" dirty="0" smtClean="0">
+                <a:ln>
+                  <a:solidFill>
+                    <a:schemeClr val="tx1">
+                      <a:alpha val="0"/>
+                    </a:schemeClr>
+                  </a:solidFill>
+                </a:ln>
+                <a:latin typeface="나눔바른고딕" panose="020B0603020101020101" pitchFamily="50" charset="-127"/>
+                <a:ea typeface="나눔바른고딕" panose="020B0603020101020101" pitchFamily="50" charset="-127"/>
+              </a:rPr>
+              <a:t>01.08-01.14 </a:t>
+            </a:r>
+            <a:r>
+              <a:rPr lang="ko-KR" altLang="en-US" sz="1050" b="1" dirty="0" smtClean="0">
+                <a:ln>
+                  <a:solidFill>
+                    <a:schemeClr val="tx1">
+                      <a:alpha val="0"/>
+                    </a:schemeClr>
+                  </a:solidFill>
+                </a:ln>
+                <a:latin typeface="나눔바른고딕" panose="020B0603020101020101" pitchFamily="50" charset="-127"/>
+                <a:ea typeface="나눔바른고딕" panose="020B0603020101020101" pitchFamily="50" charset="-127"/>
+              </a:rPr>
+              <a:t>이벤트 </a:t>
+            </a:r>
+            <a:r>
+              <a:rPr lang="ko-KR" altLang="en-US" sz="1050" b="1" dirty="0" smtClean="0">
+                <a:ln>
+                  <a:solidFill>
+                    <a:schemeClr val="tx1">
+                      <a:alpha val="0"/>
+                    </a:schemeClr>
+                  </a:solidFill>
+                </a:ln>
+                <a:latin typeface="나눔바른고딕" panose="020B0603020101020101" pitchFamily="50" charset="-127"/>
+                <a:ea typeface="나눔바른고딕" panose="020B0603020101020101" pitchFamily="50" charset="-127"/>
+              </a:rPr>
+              <a:t>배너 유입</a:t>
+            </a:r>
+            <a:endParaRPr lang="ko-KR" altLang="en-US" sz="1050" b="1" dirty="0">
+              <a:ln>
+                <a:solidFill>
+                  <a:schemeClr val="tx1">
+                    <a:alpha val="0"/>
+                  </a:schemeClr>
+                </a:solidFill>
+              </a:ln>
+              <a:latin typeface="나눔바른고딕" panose="020B0603020101020101" pitchFamily="50" charset="-127"/>
+              <a:ea typeface="나눔바른고딕" panose="020B0603020101020101" pitchFamily="50" charset="-127"/>
+            </a:endParaRPr>
+          </a:p>
+        </p:txBody>
+      </p:sp>
+      <p:cxnSp>
+        <p:nvCxnSpPr>
+          <p:cNvPr id="3" name="직선 연결선 2"/>
+          <p:cNvCxnSpPr/>
+          <p:nvPr/>
+        </p:nvCxnSpPr>
+        <p:spPr>
+          <a:xfrm>
+            <a:off x="136868" y="401870"/>
+            <a:ext cx="8867351" cy="0"/>
+          </a:xfrm>
+          <a:prstGeom prst="line">
+            <a:avLst/>
+          </a:prstGeom>
+          <a:ln>
+            <a:solidFill>
+              <a:schemeClr val="tx1"/>
+            </a:solidFill>
+          </a:ln>
+        </p:spPr>
+        <p:style>
+          <a:lnRef idx="1">
+            <a:schemeClr val="accent1"/>
+          </a:lnRef>
+          <a:fillRef idx="0">
+            <a:schemeClr val="accent1"/>
+          </a:fillRef>
+          <a:effectRef idx="0">
+            <a:schemeClr val="accent1"/>
+          </a:effectRef>
+          <a:fontRef idx="minor">
+            <a:schemeClr val="tx1"/>
+          </a:fontRef>
+        </p:style>
+      </p:cxnSp>
+      <p:sp>
+        <p:nvSpPr>
+          <p:cNvPr id="4" name="직사각형 3"/>
+          <p:cNvSpPr/>
+          <p:nvPr/>
+        </p:nvSpPr>
+        <p:spPr>
+          <a:xfrm>
+            <a:off x="7705898" y="515190"/>
+            <a:ext cx="1215308" cy="261610"/>
+          </a:xfrm>
+          <a:prstGeom prst="rect">
+            <a:avLst/>
+          </a:prstGeom>
+          <a:solidFill>
+            <a:schemeClr val="bg2"/>
+          </a:solidFill>
+          <a:ln>
+            <a:solidFill>
+              <a:srgbClr val="0070C0"/>
+            </a:solidFill>
+          </a:ln>
+        </p:spPr>
+        <p:txBody>
+          <a:bodyPr wrap="square">
+            <a:spAutoFit/>
+          </a:bodyPr>
+          <a:lstStyle/>
+          <a:p>
+            <a:pPr algn="ctr"/>
+            <a:r>
+              <a:rPr lang="en-US" altLang="ko-KR" sz="1100" dirty="0" smtClean="0">
+                <a:ln>
+                  <a:solidFill>
+                    <a:schemeClr val="tx1">
+                      <a:alpha val="0"/>
+                    </a:schemeClr>
+                  </a:solidFill>
+                </a:ln>
+                <a:latin typeface="나눔바른고딕" panose="020B0603020101020101" pitchFamily="50" charset="-127"/>
+                <a:ea typeface="나눔바른고딕" panose="020B0603020101020101" pitchFamily="50" charset="-127"/>
+              </a:rPr>
+              <a:t>01.08-01.14</a:t>
+            </a:r>
+            <a:endParaRPr lang="en-US" altLang="ko-KR" sz="1100" dirty="0">
+              <a:ln>
+                <a:solidFill>
+                  <a:schemeClr val="tx1">
+                    <a:alpha val="0"/>
+                  </a:schemeClr>
+                </a:solidFill>
+              </a:ln>
+              <a:latin typeface="나눔바른고딕" panose="020B0603020101020101" pitchFamily="50" charset="-127"/>
+              <a:ea typeface="나눔바른고딕" panose="020B0603020101020101" pitchFamily="50" charset="-127"/>
+            </a:endParaRPr>
+          </a:p>
+        </p:txBody>
+      </p:sp>
+      <p:pic>
+        <p:nvPicPr>
+          <p:cNvPr id="5" name="그림 4"/>
+          <p:cNvPicPr>
+            <a:picLocks noChangeAspect="1"/>
+          </p:cNvPicPr>
+          <p:nvPr/>
+        </p:nvPicPr>
+        <p:blipFill>
+          <a:blip r:embed="rId2"/>
+          <a:stretch>
+            <a:fillRect/>
+          </a:stretch>
+        </p:blipFill>
+        <p:spPr>
+          <a:xfrm>
+            <a:off x="146395" y="890119"/>
+            <a:ext cx="8857824" cy="3459675"/>
+          </a:xfrm>
+          <a:prstGeom prst="rect">
+            <a:avLst/>
+          </a:prstGeom>
+        </p:spPr>
+      </p:pic>
+      <p:sp>
+        <p:nvSpPr>
+          <p:cNvPr id="6" name="TextBox 5"/>
+          <p:cNvSpPr txBox="1"/>
+          <p:nvPr/>
+        </p:nvSpPr>
+        <p:spPr>
+          <a:xfrm>
+            <a:off x="231757" y="4576432"/>
+            <a:ext cx="2597186" cy="600164"/>
+          </a:xfrm>
+          <a:prstGeom prst="rect">
+            <a:avLst/>
+          </a:prstGeom>
+          <a:noFill/>
+        </p:spPr>
+        <p:txBody>
+          <a:bodyPr wrap="none" rtlCol="0">
+            <a:spAutoFit/>
+          </a:bodyPr>
+          <a:lstStyle/>
+          <a:p>
+            <a:r>
+              <a:rPr lang="en-US" altLang="ko-KR" sz="1100" b="1" dirty="0" smtClean="0">
+                <a:ln>
+                  <a:solidFill>
+                    <a:schemeClr val="tx1">
+                      <a:alpha val="0"/>
+                    </a:schemeClr>
+                  </a:solidFill>
+                </a:ln>
+                <a:latin typeface="나눔바른고딕" panose="020B0603020101020101" pitchFamily="50" charset="-127"/>
+                <a:ea typeface="나눔바른고딕" panose="020B0603020101020101" pitchFamily="50" charset="-127"/>
+              </a:rPr>
+              <a:t>1)  KMO </a:t>
+            </a:r>
+            <a:r>
+              <a:rPr lang="ko-KR" altLang="en-US" sz="1100" b="1" dirty="0">
+                <a:ln>
+                  <a:solidFill>
+                    <a:schemeClr val="tx1">
+                      <a:alpha val="0"/>
+                    </a:schemeClr>
+                  </a:solidFill>
+                </a:ln>
+                <a:latin typeface="나눔바른고딕" panose="020B0603020101020101" pitchFamily="50" charset="-127"/>
+                <a:ea typeface="나눔바른고딕" panose="020B0603020101020101" pitchFamily="50" charset="-127"/>
+              </a:rPr>
+              <a:t>수상자 </a:t>
+            </a:r>
+            <a:r>
+              <a:rPr lang="ko-KR" altLang="en-US" sz="1100" b="1" dirty="0" smtClean="0">
+                <a:ln>
+                  <a:solidFill>
+                    <a:schemeClr val="tx1">
+                      <a:alpha val="0"/>
+                    </a:schemeClr>
+                  </a:solidFill>
+                </a:ln>
+                <a:latin typeface="나눔바른고딕" panose="020B0603020101020101" pitchFamily="50" charset="-127"/>
+                <a:ea typeface="나눔바른고딕" panose="020B0603020101020101" pitchFamily="50" charset="-127"/>
+              </a:rPr>
+              <a:t>배너    </a:t>
+            </a:r>
+            <a:r>
+              <a:rPr lang="en-US" altLang="ko-KR" sz="1100" dirty="0">
+                <a:ln>
+                  <a:solidFill>
+                    <a:schemeClr val="tx1">
+                      <a:alpha val="0"/>
+                    </a:schemeClr>
+                  </a:solidFill>
+                </a:ln>
+                <a:latin typeface="나눔바른고딕" panose="020B0603020101020101" pitchFamily="50" charset="-127"/>
+                <a:ea typeface="나눔바른고딕" panose="020B0603020101020101" pitchFamily="50" charset="-127"/>
+              </a:rPr>
+              <a:t>: </a:t>
+            </a:r>
+            <a:r>
+              <a:rPr lang="ko-KR" altLang="en-US" sz="1100" dirty="0">
+                <a:ln>
+                  <a:solidFill>
+                    <a:schemeClr val="tx1">
+                      <a:alpha val="0"/>
+                    </a:schemeClr>
+                  </a:solidFill>
+                </a:ln>
+                <a:latin typeface="나눔바른고딕" panose="020B0603020101020101" pitchFamily="50" charset="-127"/>
+                <a:ea typeface="나눔바른고딕" panose="020B0603020101020101" pitchFamily="50" charset="-127"/>
+              </a:rPr>
+              <a:t>순 방문자 </a:t>
+            </a:r>
+            <a:r>
+              <a:rPr lang="en-US" altLang="ko-KR" sz="1100" dirty="0">
+                <a:ln>
+                  <a:solidFill>
+                    <a:schemeClr val="tx1">
+                      <a:alpha val="0"/>
+                    </a:schemeClr>
+                  </a:solidFill>
+                </a:ln>
+                <a:latin typeface="나눔바른고딕" panose="020B0603020101020101" pitchFamily="50" charset="-127"/>
+                <a:ea typeface="나눔바른고딕" panose="020B0603020101020101" pitchFamily="50" charset="-127"/>
+              </a:rPr>
+              <a:t>127</a:t>
+            </a:r>
+            <a:r>
+              <a:rPr lang="ko-KR" altLang="en-US" sz="1100" dirty="0">
+                <a:ln>
+                  <a:solidFill>
+                    <a:schemeClr val="tx1">
+                      <a:alpha val="0"/>
+                    </a:schemeClr>
+                  </a:solidFill>
+                </a:ln>
+                <a:latin typeface="나눔바른고딕" panose="020B0603020101020101" pitchFamily="50" charset="-127"/>
+                <a:ea typeface="나눔바른고딕" panose="020B0603020101020101" pitchFamily="50" charset="-127"/>
+              </a:rPr>
+              <a:t>명</a:t>
+            </a:r>
+            <a:endParaRPr lang="en-US" altLang="ko-KR" sz="1100" dirty="0">
+              <a:ln>
+                <a:solidFill>
+                  <a:schemeClr val="tx1">
+                    <a:alpha val="0"/>
+                  </a:schemeClr>
+                </a:solidFill>
+              </a:ln>
+              <a:latin typeface="나눔바른고딕" panose="020B0603020101020101" pitchFamily="50" charset="-127"/>
+              <a:ea typeface="나눔바른고딕" panose="020B0603020101020101" pitchFamily="50" charset="-127"/>
+            </a:endParaRPr>
+          </a:p>
+          <a:p>
+            <a:pPr marL="228600" indent="-228600">
+              <a:buAutoNum type="arabicParenR" startAt="2"/>
+            </a:pPr>
+            <a:r>
+              <a:rPr lang="ko-KR" altLang="en-US" sz="1100" b="1" dirty="0" err="1" smtClean="0">
+                <a:ln>
+                  <a:solidFill>
+                    <a:schemeClr val="tx1">
+                      <a:alpha val="0"/>
+                    </a:schemeClr>
+                  </a:solidFill>
+                </a:ln>
+                <a:latin typeface="나눔바른고딕" panose="020B0603020101020101" pitchFamily="50" charset="-127"/>
+                <a:ea typeface="나눔바른고딕" panose="020B0603020101020101" pitchFamily="50" charset="-127"/>
+              </a:rPr>
+              <a:t>치킨이벤트</a:t>
+            </a:r>
+            <a:r>
+              <a:rPr lang="ko-KR" altLang="en-US" sz="1100" b="1" dirty="0" smtClean="0">
+                <a:ln>
+                  <a:solidFill>
+                    <a:schemeClr val="tx1">
+                      <a:alpha val="0"/>
+                    </a:schemeClr>
+                  </a:solidFill>
+                </a:ln>
+                <a:latin typeface="나눔바른고딕" panose="020B0603020101020101" pitchFamily="50" charset="-127"/>
+                <a:ea typeface="나눔바른고딕" panose="020B0603020101020101" pitchFamily="50" charset="-127"/>
+              </a:rPr>
+              <a:t> 배너      </a:t>
+            </a:r>
+            <a:r>
+              <a:rPr lang="en-US" altLang="ko-KR" sz="1100" dirty="0" smtClean="0">
+                <a:ln>
+                  <a:solidFill>
+                    <a:schemeClr val="tx1">
+                      <a:alpha val="0"/>
+                    </a:schemeClr>
+                  </a:solidFill>
+                </a:ln>
+                <a:latin typeface="나눔바른고딕" panose="020B0603020101020101" pitchFamily="50" charset="-127"/>
+                <a:ea typeface="나눔바른고딕" panose="020B0603020101020101" pitchFamily="50" charset="-127"/>
+              </a:rPr>
+              <a:t>: </a:t>
+            </a:r>
+            <a:r>
+              <a:rPr lang="ko-KR" altLang="en-US" sz="1100" dirty="0" smtClean="0">
+                <a:ln>
+                  <a:solidFill>
+                    <a:schemeClr val="tx1">
+                      <a:alpha val="0"/>
+                    </a:schemeClr>
+                  </a:solidFill>
+                </a:ln>
+                <a:latin typeface="나눔바른고딕" panose="020B0603020101020101" pitchFamily="50" charset="-127"/>
+                <a:ea typeface="나눔바른고딕" panose="020B0603020101020101" pitchFamily="50" charset="-127"/>
+              </a:rPr>
+              <a:t>순 방문자 </a:t>
+            </a:r>
+            <a:r>
+              <a:rPr lang="en-US" altLang="ko-KR" sz="1100" dirty="0" smtClean="0">
+                <a:ln>
+                  <a:solidFill>
+                    <a:schemeClr val="tx1">
+                      <a:alpha val="0"/>
+                    </a:schemeClr>
+                  </a:solidFill>
+                </a:ln>
+                <a:latin typeface="나눔바른고딕" panose="020B0603020101020101" pitchFamily="50" charset="-127"/>
+                <a:ea typeface="나눔바른고딕" panose="020B0603020101020101" pitchFamily="50" charset="-127"/>
+              </a:rPr>
+              <a:t>107</a:t>
+            </a:r>
+            <a:r>
+              <a:rPr lang="ko-KR" altLang="en-US" sz="1100" dirty="0" smtClean="0">
+                <a:ln>
+                  <a:solidFill>
+                    <a:schemeClr val="tx1">
+                      <a:alpha val="0"/>
+                    </a:schemeClr>
+                  </a:solidFill>
+                </a:ln>
+                <a:latin typeface="나눔바른고딕" panose="020B0603020101020101" pitchFamily="50" charset="-127"/>
+                <a:ea typeface="나눔바른고딕" panose="020B0603020101020101" pitchFamily="50" charset="-127"/>
+              </a:rPr>
+              <a:t>명</a:t>
+            </a:r>
+            <a:endParaRPr lang="en-US" altLang="ko-KR" sz="1100" dirty="0" smtClean="0">
+              <a:ln>
+                <a:solidFill>
+                  <a:schemeClr val="tx1">
+                    <a:alpha val="0"/>
+                  </a:schemeClr>
+                </a:solidFill>
+              </a:ln>
+              <a:latin typeface="나눔바른고딕" panose="020B0603020101020101" pitchFamily="50" charset="-127"/>
+              <a:ea typeface="나눔바른고딕" panose="020B0603020101020101" pitchFamily="50" charset="-127"/>
+            </a:endParaRPr>
+          </a:p>
+          <a:p>
+            <a:r>
+              <a:rPr lang="en-US" altLang="ko-KR" sz="1100" b="1" dirty="0" smtClean="0">
+                <a:ln>
+                  <a:solidFill>
+                    <a:schemeClr val="tx1">
+                      <a:alpha val="0"/>
+                    </a:schemeClr>
+                  </a:solidFill>
+                </a:ln>
+                <a:latin typeface="나눔바른고딕" panose="020B0603020101020101" pitchFamily="50" charset="-127"/>
+                <a:ea typeface="나눔바른고딕" panose="020B0603020101020101" pitchFamily="50" charset="-127"/>
+              </a:rPr>
+              <a:t>3)  </a:t>
+            </a:r>
+            <a:r>
+              <a:rPr lang="ko-KR" altLang="en-US" sz="1100" b="1" dirty="0" smtClean="0">
+                <a:ln>
+                  <a:solidFill>
+                    <a:schemeClr val="tx1">
+                      <a:alpha val="0"/>
+                    </a:schemeClr>
+                  </a:solidFill>
+                </a:ln>
+                <a:latin typeface="나눔바른고딕" panose="020B0603020101020101" pitchFamily="50" charset="-127"/>
+                <a:ea typeface="나눔바른고딕" panose="020B0603020101020101" pitchFamily="50" charset="-127"/>
+              </a:rPr>
+              <a:t>영재고 합격 배너     </a:t>
+            </a:r>
+            <a:r>
+              <a:rPr lang="en-US" altLang="ko-KR" sz="1100" dirty="0" smtClean="0">
+                <a:ln>
+                  <a:solidFill>
+                    <a:schemeClr val="tx1">
+                      <a:alpha val="0"/>
+                    </a:schemeClr>
+                  </a:solidFill>
+                </a:ln>
+                <a:latin typeface="나눔바른고딕" panose="020B0603020101020101" pitchFamily="50" charset="-127"/>
+                <a:ea typeface="나눔바른고딕" panose="020B0603020101020101" pitchFamily="50" charset="-127"/>
+              </a:rPr>
+              <a:t>: </a:t>
+            </a:r>
+            <a:r>
+              <a:rPr lang="ko-KR" altLang="en-US" sz="1100" dirty="0" smtClean="0">
+                <a:ln>
+                  <a:solidFill>
+                    <a:schemeClr val="tx1">
+                      <a:alpha val="0"/>
+                    </a:schemeClr>
+                  </a:solidFill>
+                </a:ln>
+                <a:latin typeface="나눔바른고딕" panose="020B0603020101020101" pitchFamily="50" charset="-127"/>
+                <a:ea typeface="나눔바른고딕" panose="020B0603020101020101" pitchFamily="50" charset="-127"/>
+              </a:rPr>
+              <a:t>순</a:t>
+            </a:r>
+            <a:r>
+              <a:rPr lang="en-US" altLang="ko-KR" sz="1100" dirty="0" smtClean="0">
+                <a:ln>
+                  <a:solidFill>
+                    <a:schemeClr val="tx1">
+                      <a:alpha val="0"/>
+                    </a:schemeClr>
+                  </a:solidFill>
+                </a:ln>
+                <a:latin typeface="나눔바른고딕" panose="020B0603020101020101" pitchFamily="50" charset="-127"/>
+                <a:ea typeface="나눔바른고딕" panose="020B0603020101020101" pitchFamily="50" charset="-127"/>
+              </a:rPr>
+              <a:t> </a:t>
+            </a:r>
+            <a:r>
+              <a:rPr lang="ko-KR" altLang="en-US" sz="1100" dirty="0" smtClean="0">
+                <a:ln>
+                  <a:solidFill>
+                    <a:schemeClr val="tx1">
+                      <a:alpha val="0"/>
+                    </a:schemeClr>
+                  </a:solidFill>
+                </a:ln>
+                <a:latin typeface="나눔바른고딕" panose="020B0603020101020101" pitchFamily="50" charset="-127"/>
+                <a:ea typeface="나눔바른고딕" panose="020B0603020101020101" pitchFamily="50" charset="-127"/>
+              </a:rPr>
+              <a:t>방문자 </a:t>
+            </a:r>
+            <a:r>
+              <a:rPr lang="en-US" altLang="ko-KR" sz="1100" dirty="0" smtClean="0">
+                <a:ln>
+                  <a:solidFill>
+                    <a:schemeClr val="tx1">
+                      <a:alpha val="0"/>
+                    </a:schemeClr>
+                  </a:solidFill>
+                </a:ln>
+                <a:latin typeface="나눔바른고딕" panose="020B0603020101020101" pitchFamily="50" charset="-127"/>
+                <a:ea typeface="나눔바른고딕" panose="020B0603020101020101" pitchFamily="50" charset="-127"/>
+              </a:rPr>
+              <a:t>51</a:t>
+            </a:r>
+            <a:r>
+              <a:rPr lang="ko-KR" altLang="en-US" sz="1100" dirty="0" smtClean="0">
+                <a:ln>
+                  <a:solidFill>
+                    <a:schemeClr val="tx1">
+                      <a:alpha val="0"/>
+                    </a:schemeClr>
+                  </a:solidFill>
+                </a:ln>
+                <a:latin typeface="나눔바른고딕" panose="020B0603020101020101" pitchFamily="50" charset="-127"/>
+                <a:ea typeface="나눔바른고딕" panose="020B0603020101020101" pitchFamily="50" charset="-127"/>
+              </a:rPr>
+              <a:t>명</a:t>
+            </a:r>
+            <a:endParaRPr lang="ko-KR" altLang="en-US" sz="1100" dirty="0">
+              <a:ln>
+                <a:solidFill>
+                  <a:schemeClr val="tx1">
+                    <a:alpha val="0"/>
+                  </a:schemeClr>
+                </a:solidFill>
+              </a:ln>
+              <a:latin typeface="나눔바른고딕" panose="020B0603020101020101" pitchFamily="50" charset="-127"/>
+              <a:ea typeface="나눔바른고딕" panose="020B0603020101020101" pitchFamily="50" charset="-127"/>
+            </a:endParaRPr>
+          </a:p>
+        </p:txBody>
+      </p:sp>
+    </p:spTree>
+    <p:extLst>
+      <p:ext uri="{BB962C8B-B14F-4D97-AF65-F5344CB8AC3E}">
+        <p14:creationId xmlns:p14="http://schemas.microsoft.com/office/powerpoint/2010/main" val="487415360"/>
+      </p:ext>
+    </p:extLst>
+  </p:cSld>
+  <p:clrMapOvr>
+    <a:masterClrMapping/>
+  </p:clrMapOvr>
+</p:sld>
+</file>
+
+<file path=ppt/slides/slide7.xml><?xml version="1.0" encoding="utf-8"?>
+<p:sld xmlns:a="http://schemas.openxmlformats.org/drawingml/2006/main" xmlns:r="http://schemas.openxmlformats.org/officeDocument/2006/relationships" xmlns:p="http://schemas.openxmlformats.org/presentationml/2006/main">
+  <p:cSld>
+    <p:spTree>
+      <p:nvGrpSpPr>
+        <p:cNvPr id="1" name=""/>
+        <p:cNvGrpSpPr/>
+        <p:nvPr/>
+      </p:nvGrpSpPr>
+      <p:grpSpPr>
+        <a:xfrm>
+          <a:off x="0" y="0"/>
+          <a:ext cx="0" cy="0"/>
+          <a:chOff x="0" y="0"/>
+          <a:chExt cx="0" cy="0"/>
+        </a:xfrm>
+      </p:grpSpPr>
+      <p:sp>
+        <p:nvSpPr>
+          <p:cNvPr id="2" name="직사각형 1"/>
+          <p:cNvSpPr/>
+          <p:nvPr/>
+        </p:nvSpPr>
+        <p:spPr>
+          <a:xfrm>
+            <a:off x="136868" y="98606"/>
+            <a:ext cx="4572000" cy="253916"/>
+          </a:xfrm>
+          <a:prstGeom prst="rect">
+            <a:avLst/>
+          </a:prstGeom>
+        </p:spPr>
+        <p:txBody>
+          <a:bodyPr>
+            <a:spAutoFit/>
+          </a:bodyPr>
+          <a:lstStyle/>
+          <a:p>
+            <a:r>
+              <a:rPr lang="en-US" altLang="ko-KR" sz="1050" b="1" dirty="0" smtClean="0">
+                <a:ln>
+                  <a:solidFill>
+                    <a:schemeClr val="tx1">
+                      <a:alpha val="0"/>
+                    </a:schemeClr>
+                  </a:solidFill>
+                </a:ln>
+                <a:latin typeface="나눔바른고딕" panose="020B0603020101020101" pitchFamily="50" charset="-127"/>
+                <a:ea typeface="나눔바른고딕" panose="020B0603020101020101" pitchFamily="50" charset="-127"/>
+              </a:rPr>
+              <a:t>01.08-01.14 </a:t>
+            </a:r>
+            <a:r>
+              <a:rPr lang="ko-KR" altLang="en-US" sz="1050" b="1" dirty="0" smtClean="0">
+                <a:ln>
+                  <a:solidFill>
+                    <a:schemeClr val="tx1">
+                      <a:alpha val="0"/>
+                    </a:schemeClr>
+                  </a:solidFill>
+                </a:ln>
+                <a:latin typeface="나눔바른고딕" panose="020B0603020101020101" pitchFamily="50" charset="-127"/>
+                <a:ea typeface="나눔바른고딕" panose="020B0603020101020101" pitchFamily="50" charset="-127"/>
+              </a:rPr>
+              <a:t>이벤트 </a:t>
+            </a:r>
+            <a:r>
+              <a:rPr lang="ko-KR" altLang="en-US" sz="1050" b="1" dirty="0" smtClean="0">
+                <a:ln>
+                  <a:solidFill>
+                    <a:schemeClr val="tx1">
+                      <a:alpha val="0"/>
+                    </a:schemeClr>
+                  </a:solidFill>
+                </a:ln>
+                <a:latin typeface="나눔바른고딕" panose="020B0603020101020101" pitchFamily="50" charset="-127"/>
+                <a:ea typeface="나눔바른고딕" panose="020B0603020101020101" pitchFamily="50" charset="-127"/>
+              </a:rPr>
+              <a:t>배너 </a:t>
+            </a:r>
+            <a:r>
+              <a:rPr lang="ko-KR" altLang="en-US" sz="1050" b="1" dirty="0" smtClean="0">
+                <a:ln>
+                  <a:solidFill>
+                    <a:schemeClr val="tx1">
+                      <a:alpha val="0"/>
+                    </a:schemeClr>
+                  </a:solidFill>
+                </a:ln>
+                <a:latin typeface="나눔바른고딕" panose="020B0603020101020101" pitchFamily="50" charset="-127"/>
+                <a:ea typeface="나눔바른고딕" panose="020B0603020101020101" pitchFamily="50" charset="-127"/>
+              </a:rPr>
+              <a:t>유입 </a:t>
+            </a:r>
+            <a:r>
+              <a:rPr lang="en-US" altLang="ko-KR" sz="1050" b="1" dirty="0" err="1" smtClean="0">
+                <a:ln>
+                  <a:solidFill>
+                    <a:schemeClr val="tx1">
+                      <a:alpha val="0"/>
+                    </a:schemeClr>
+                  </a:solidFill>
+                </a:ln>
+                <a:latin typeface="나눔바른고딕" panose="020B0603020101020101" pitchFamily="50" charset="-127"/>
+                <a:ea typeface="나눔바른고딕" panose="020B0603020101020101" pitchFamily="50" charset="-127"/>
+              </a:rPr>
+              <a:t>Hotjar</a:t>
+            </a:r>
+            <a:endParaRPr lang="ko-KR" altLang="en-US" sz="1050" b="1" dirty="0">
+              <a:ln>
+                <a:solidFill>
+                  <a:schemeClr val="tx1">
+                    <a:alpha val="0"/>
+                  </a:schemeClr>
+                </a:solidFill>
+              </a:ln>
+              <a:latin typeface="나눔바른고딕" panose="020B0603020101020101" pitchFamily="50" charset="-127"/>
+              <a:ea typeface="나눔바른고딕" panose="020B0603020101020101" pitchFamily="50" charset="-127"/>
+            </a:endParaRPr>
+          </a:p>
+        </p:txBody>
+      </p:sp>
+      <p:cxnSp>
+        <p:nvCxnSpPr>
+          <p:cNvPr id="3" name="직선 연결선 2"/>
+          <p:cNvCxnSpPr/>
+          <p:nvPr/>
+        </p:nvCxnSpPr>
+        <p:spPr>
+          <a:xfrm>
+            <a:off x="136868" y="401870"/>
+            <a:ext cx="8867351" cy="0"/>
+          </a:xfrm>
+          <a:prstGeom prst="line">
+            <a:avLst/>
+          </a:prstGeom>
+          <a:ln>
+            <a:solidFill>
+              <a:schemeClr val="tx1"/>
+            </a:solidFill>
+          </a:ln>
+        </p:spPr>
+        <p:style>
+          <a:lnRef idx="1">
+            <a:schemeClr val="accent1"/>
+          </a:lnRef>
+          <a:fillRef idx="0">
+            <a:schemeClr val="accent1"/>
+          </a:fillRef>
+          <a:effectRef idx="0">
+            <a:schemeClr val="accent1"/>
+          </a:effectRef>
+          <a:fontRef idx="minor">
+            <a:schemeClr val="tx1"/>
+          </a:fontRef>
+        </p:style>
+      </p:cxnSp>
+      <p:pic>
+        <p:nvPicPr>
+          <p:cNvPr id="4" name="그림 3"/>
+          <p:cNvPicPr>
+            <a:picLocks noChangeAspect="1"/>
+          </p:cNvPicPr>
+          <p:nvPr/>
+        </p:nvPicPr>
+        <p:blipFill>
+          <a:blip r:embed="rId2"/>
+          <a:stretch>
+            <a:fillRect/>
+          </a:stretch>
+        </p:blipFill>
+        <p:spPr>
+          <a:xfrm>
+            <a:off x="630295" y="648392"/>
+            <a:ext cx="7262335" cy="3519747"/>
+          </a:xfrm>
+          <a:prstGeom prst="rect">
+            <a:avLst/>
+          </a:prstGeom>
+        </p:spPr>
+      </p:pic>
+      <p:sp>
+        <p:nvSpPr>
+          <p:cNvPr id="5" name="직사각형 4"/>
+          <p:cNvSpPr/>
+          <p:nvPr/>
+        </p:nvSpPr>
+        <p:spPr>
+          <a:xfrm>
+            <a:off x="4787900" y="5930167"/>
+            <a:ext cx="4077145" cy="461665"/>
+          </a:xfrm>
+          <a:prstGeom prst="rect">
+            <a:avLst/>
+          </a:prstGeom>
+          <a:solidFill>
+            <a:schemeClr val="accent4">
+              <a:lumMod val="20000"/>
+              <a:lumOff val="80000"/>
+            </a:schemeClr>
+          </a:solidFill>
+          <a:ln w="25400">
+            <a:solidFill>
+              <a:srgbClr val="C00000"/>
+            </a:solidFill>
+          </a:ln>
+        </p:spPr>
+        <p:txBody>
+          <a:bodyPr wrap="square">
+            <a:spAutoFit/>
+          </a:bodyPr>
+          <a:lstStyle/>
+          <a:p>
+            <a:pPr algn="r"/>
+            <a:r>
+              <a:rPr lang="en-US" altLang="ko-KR" sz="1200" dirty="0" err="1" smtClean="0">
+                <a:ln>
+                  <a:solidFill>
+                    <a:schemeClr val="tx1">
+                      <a:alpha val="0"/>
+                    </a:schemeClr>
+                  </a:solidFill>
+                </a:ln>
+                <a:latin typeface="나눔바른고딕" panose="020B0603020101020101" pitchFamily="50" charset="-127"/>
+                <a:ea typeface="나눔바른고딕" panose="020B0603020101020101" pitchFamily="50" charset="-127"/>
+              </a:rPr>
+              <a:t>Hotjar</a:t>
+            </a:r>
+            <a:r>
+              <a:rPr lang="en-US" altLang="ko-KR" sz="1200" dirty="0" smtClean="0">
+                <a:ln>
+                  <a:solidFill>
+                    <a:schemeClr val="tx1">
+                      <a:alpha val="0"/>
+                    </a:schemeClr>
+                  </a:solidFill>
+                </a:ln>
+                <a:latin typeface="나눔바른고딕" panose="020B0603020101020101" pitchFamily="50" charset="-127"/>
+                <a:ea typeface="나눔바른고딕" panose="020B0603020101020101" pitchFamily="50" charset="-127"/>
+              </a:rPr>
+              <a:t> </a:t>
+            </a:r>
+            <a:r>
+              <a:rPr lang="ko-KR" altLang="en-US" sz="1200" dirty="0" smtClean="0">
+                <a:ln>
+                  <a:solidFill>
+                    <a:schemeClr val="tx1">
+                      <a:alpha val="0"/>
+                    </a:schemeClr>
+                  </a:solidFill>
+                </a:ln>
+                <a:latin typeface="나눔바른고딕" panose="020B0603020101020101" pitchFamily="50" charset="-127"/>
+                <a:ea typeface="나눔바른고딕" panose="020B0603020101020101" pitchFamily="50" charset="-127"/>
+              </a:rPr>
+              <a:t>내 이미지가 반영이 안되는 문제</a:t>
+            </a:r>
+            <a:endParaRPr lang="en-US" altLang="ko-KR" sz="1200" dirty="0" smtClean="0">
+              <a:ln>
+                <a:solidFill>
+                  <a:schemeClr val="tx1">
+                    <a:alpha val="0"/>
+                  </a:schemeClr>
+                </a:solidFill>
+              </a:ln>
+              <a:latin typeface="나눔바른고딕" panose="020B0603020101020101" pitchFamily="50" charset="-127"/>
+              <a:ea typeface="나눔바른고딕" panose="020B0603020101020101" pitchFamily="50" charset="-127"/>
+            </a:endParaRPr>
+          </a:p>
+          <a:p>
+            <a:pPr algn="r"/>
+            <a:r>
+              <a:rPr lang="ko-KR" altLang="en-US" sz="1200" dirty="0" smtClean="0">
+                <a:ln>
+                  <a:solidFill>
+                    <a:schemeClr val="tx1">
+                      <a:alpha val="0"/>
+                    </a:schemeClr>
+                  </a:solidFill>
+                </a:ln>
+                <a:latin typeface="나눔바른고딕" panose="020B0603020101020101" pitchFamily="50" charset="-127"/>
+                <a:ea typeface="나눔바른고딕" panose="020B0603020101020101" pitchFamily="50" charset="-127"/>
+              </a:rPr>
+              <a:t>해결 진행 중</a:t>
+            </a:r>
+            <a:endParaRPr lang="en-US" altLang="ko-KR" sz="1200" dirty="0">
+              <a:ln>
+                <a:solidFill>
+                  <a:schemeClr val="tx1">
+                    <a:alpha val="0"/>
+                  </a:schemeClr>
+                </a:solidFill>
+              </a:ln>
+              <a:latin typeface="나눔바른고딕" panose="020B0603020101020101" pitchFamily="50" charset="-127"/>
+              <a:ea typeface="나눔바른고딕" panose="020B0603020101020101" pitchFamily="50" charset="-127"/>
+            </a:endParaRPr>
+          </a:p>
+        </p:txBody>
+      </p:sp>
+    </p:spTree>
+    <p:extLst>
+      <p:ext uri="{BB962C8B-B14F-4D97-AF65-F5344CB8AC3E}">
+        <p14:creationId xmlns:p14="http://schemas.microsoft.com/office/powerpoint/2010/main" val="868921642"/>
+      </p:ext>
+    </p:extLst>
+  </p:cSld>
+  <p:clrMapOvr>
+    <a:masterClrMapping/>
+  </p:clrMapOvr>
+</p:sld>
+</file>
+
+<file path=ppt/slides/slide8.xml><?xml version="1.0" encoding="utf-8"?>
+<p:sld xmlns:a="http://schemas.openxmlformats.org/drawingml/2006/main" xmlns:r="http://schemas.openxmlformats.org/officeDocument/2006/relationships" xmlns:p="http://schemas.openxmlformats.org/presentationml/2006/main">
+  <p:cSld>
+    <p:spTree>
+      <p:nvGrpSpPr>
+        <p:cNvPr id="1" name=""/>
+        <p:cNvGrpSpPr/>
+        <p:nvPr/>
+      </p:nvGrpSpPr>
+      <p:grpSpPr>
+        <a:xfrm>
+          <a:off x="0" y="0"/>
+          <a:ext cx="0" cy="0"/>
+          <a:chOff x="0" y="0"/>
+          <a:chExt cx="0" cy="0"/>
+        </a:xfrm>
+      </p:grpSpPr>
+      <p:sp>
+        <p:nvSpPr>
+          <p:cNvPr id="2" name="직사각형 1"/>
+          <p:cNvSpPr/>
+          <p:nvPr/>
+        </p:nvSpPr>
+        <p:spPr>
+          <a:xfrm>
+            <a:off x="136868" y="98606"/>
+            <a:ext cx="4572000" cy="253916"/>
+          </a:xfrm>
+          <a:prstGeom prst="rect">
+            <a:avLst/>
+          </a:prstGeom>
+        </p:spPr>
+        <p:txBody>
+          <a:bodyPr>
+            <a:spAutoFit/>
+          </a:bodyPr>
+          <a:lstStyle/>
+          <a:p>
+            <a:r>
+              <a:rPr lang="ko-KR" altLang="en-US" sz="1050" b="1" dirty="0" err="1" smtClean="0">
+                <a:ln>
+                  <a:solidFill>
+                    <a:schemeClr val="tx1">
+                      <a:alpha val="0"/>
+                    </a:schemeClr>
+                  </a:solidFill>
+                </a:ln>
+                <a:latin typeface="나눔바른고딕" panose="020B0603020101020101" pitchFamily="50" charset="-127"/>
+                <a:ea typeface="나눔바른고딕" panose="020B0603020101020101" pitchFamily="50" charset="-127"/>
+              </a:rPr>
+              <a:t>채널톡</a:t>
+            </a:r>
+            <a:r>
+              <a:rPr lang="ko-KR" altLang="en-US" sz="1050" b="1" dirty="0" smtClean="0">
+                <a:ln>
+                  <a:solidFill>
+                    <a:schemeClr val="tx1">
+                      <a:alpha val="0"/>
+                    </a:schemeClr>
+                  </a:solidFill>
+                </a:ln>
+                <a:latin typeface="나눔바른고딕" panose="020B0603020101020101" pitchFamily="50" charset="-127"/>
+                <a:ea typeface="나눔바른고딕" panose="020B0603020101020101" pitchFamily="50" charset="-127"/>
+              </a:rPr>
+              <a:t> </a:t>
+            </a:r>
+            <a:r>
+              <a:rPr lang="ko-KR" altLang="en-US" sz="1050" b="1" dirty="0" smtClean="0">
+                <a:ln>
+                  <a:solidFill>
+                    <a:schemeClr val="tx1">
+                      <a:alpha val="0"/>
+                    </a:schemeClr>
+                  </a:solidFill>
+                </a:ln>
+                <a:latin typeface="나눔바른고딕" panose="020B0603020101020101" pitchFamily="50" charset="-127"/>
+                <a:ea typeface="나눔바른고딕" panose="020B0603020101020101" pitchFamily="50" charset="-127"/>
+              </a:rPr>
+              <a:t>마케팅 </a:t>
+            </a:r>
+            <a:r>
+              <a:rPr lang="en-US" altLang="ko-KR" sz="1050" b="1" dirty="0" smtClean="0">
+                <a:ln>
+                  <a:solidFill>
+                    <a:schemeClr val="tx1">
+                      <a:alpha val="0"/>
+                    </a:schemeClr>
+                  </a:solidFill>
+                </a:ln>
+                <a:latin typeface="나눔바른고딕" panose="020B0603020101020101" pitchFamily="50" charset="-127"/>
+                <a:ea typeface="나눔바른고딕" panose="020B0603020101020101" pitchFamily="50" charset="-127"/>
+              </a:rPr>
+              <a:t>: </a:t>
+            </a:r>
+            <a:r>
+              <a:rPr lang="ko-KR" altLang="en-US" sz="1050" b="1" dirty="0" err="1" smtClean="0">
+                <a:ln>
+                  <a:solidFill>
+                    <a:schemeClr val="tx1">
+                      <a:alpha val="0"/>
+                    </a:schemeClr>
+                  </a:solidFill>
+                </a:ln>
+                <a:latin typeface="나눔바른고딕" panose="020B0603020101020101" pitchFamily="50" charset="-127"/>
+                <a:ea typeface="나눔바른고딕" panose="020B0603020101020101" pitchFamily="50" charset="-127"/>
+              </a:rPr>
+              <a:t>비공개미션</a:t>
+            </a:r>
+            <a:endParaRPr lang="ko-KR" altLang="en-US" sz="1050" b="1" dirty="0">
+              <a:ln>
+                <a:solidFill>
+                  <a:schemeClr val="tx1">
+                    <a:alpha val="0"/>
+                  </a:schemeClr>
+                </a:solidFill>
+              </a:ln>
+              <a:latin typeface="나눔바른고딕" panose="020B0603020101020101" pitchFamily="50" charset="-127"/>
+              <a:ea typeface="나눔바른고딕" panose="020B0603020101020101" pitchFamily="50" charset="-127"/>
+            </a:endParaRPr>
+          </a:p>
+        </p:txBody>
+      </p:sp>
+      <p:cxnSp>
+        <p:nvCxnSpPr>
+          <p:cNvPr id="3" name="직선 연결선 2"/>
+          <p:cNvCxnSpPr/>
+          <p:nvPr/>
+        </p:nvCxnSpPr>
+        <p:spPr>
+          <a:xfrm>
+            <a:off x="136868" y="401870"/>
+            <a:ext cx="8867351" cy="0"/>
+          </a:xfrm>
+          <a:prstGeom prst="line">
+            <a:avLst/>
+          </a:prstGeom>
+          <a:ln>
+            <a:solidFill>
+              <a:schemeClr val="tx1"/>
+            </a:solidFill>
+          </a:ln>
+        </p:spPr>
+        <p:style>
+          <a:lnRef idx="1">
+            <a:schemeClr val="accent1"/>
+          </a:lnRef>
+          <a:fillRef idx="0">
+            <a:schemeClr val="accent1"/>
+          </a:fillRef>
+          <a:effectRef idx="0">
+            <a:schemeClr val="accent1"/>
+          </a:effectRef>
+          <a:fontRef idx="minor">
+            <a:schemeClr val="tx1"/>
+          </a:fontRef>
+        </p:style>
+      </p:cxnSp>
+      <p:sp>
+        <p:nvSpPr>
+          <p:cNvPr id="4" name="직사각형 3"/>
+          <p:cNvSpPr/>
+          <p:nvPr/>
+        </p:nvSpPr>
+        <p:spPr>
+          <a:xfrm>
+            <a:off x="5977595" y="451219"/>
+            <a:ext cx="3026624" cy="261610"/>
+          </a:xfrm>
+          <a:prstGeom prst="rect">
+            <a:avLst/>
+          </a:prstGeom>
+          <a:solidFill>
+            <a:schemeClr val="bg2"/>
+          </a:solidFill>
+          <a:ln>
+            <a:solidFill>
+              <a:srgbClr val="0070C0"/>
+            </a:solidFill>
+          </a:ln>
+        </p:spPr>
+        <p:txBody>
+          <a:bodyPr wrap="square">
+            <a:spAutoFit/>
+          </a:bodyPr>
+          <a:lstStyle/>
+          <a:p>
+            <a:pPr algn="ctr"/>
+            <a:r>
+              <a:rPr lang="ko-KR" altLang="en-US" sz="1100" dirty="0">
+                <a:ln>
+                  <a:solidFill>
+                    <a:schemeClr val="tx1">
+                      <a:alpha val="0"/>
+                    </a:schemeClr>
+                  </a:solidFill>
+                </a:ln>
+                <a:latin typeface="나눔바른고딕" panose="020B0603020101020101" pitchFamily="50" charset="-127"/>
+                <a:ea typeface="나눔바른고딕" panose="020B0603020101020101" pitchFamily="50" charset="-127"/>
+              </a:rPr>
+              <a:t>목표 </a:t>
+            </a:r>
+            <a:r>
+              <a:rPr lang="en-US" altLang="ko-KR" sz="1100" dirty="0">
+                <a:ln>
+                  <a:solidFill>
+                    <a:schemeClr val="tx1">
+                      <a:alpha val="0"/>
+                    </a:schemeClr>
+                  </a:solidFill>
+                </a:ln>
+                <a:latin typeface="나눔바른고딕" panose="020B0603020101020101" pitchFamily="50" charset="-127"/>
+                <a:ea typeface="나눔바른고딕" panose="020B0603020101020101" pitchFamily="50" charset="-127"/>
+              </a:rPr>
+              <a:t>: </a:t>
+            </a:r>
+            <a:r>
+              <a:rPr lang="en-US" altLang="ko-KR" sz="1100" dirty="0" smtClean="0">
+                <a:ln>
+                  <a:solidFill>
+                    <a:schemeClr val="tx1">
+                      <a:alpha val="0"/>
+                    </a:schemeClr>
+                  </a:solidFill>
+                </a:ln>
+                <a:latin typeface="나눔바른고딕" panose="020B0603020101020101" pitchFamily="50" charset="-127"/>
+                <a:ea typeface="나눔바른고딕" panose="020B0603020101020101" pitchFamily="50" charset="-127"/>
+              </a:rPr>
+              <a:t>‘</a:t>
+            </a:r>
+            <a:r>
+              <a:rPr lang="ko-KR" altLang="en-US" sz="1100" dirty="0" smtClean="0">
+                <a:ln>
+                  <a:solidFill>
+                    <a:schemeClr val="tx1">
+                      <a:alpha val="0"/>
+                    </a:schemeClr>
+                  </a:solidFill>
+                </a:ln>
+                <a:latin typeface="나눔바른고딕" panose="020B0603020101020101" pitchFamily="50" charset="-127"/>
+                <a:ea typeface="나눔바른고딕" panose="020B0603020101020101" pitchFamily="50" charset="-127"/>
+              </a:rPr>
+              <a:t>제대로</a:t>
+            </a:r>
+            <a:r>
+              <a:rPr lang="en-US" altLang="ko-KR" sz="1100" dirty="0" smtClean="0">
+                <a:ln>
+                  <a:solidFill>
+                    <a:schemeClr val="tx1">
+                      <a:alpha val="0"/>
+                    </a:schemeClr>
+                  </a:solidFill>
+                </a:ln>
+                <a:latin typeface="나눔바른고딕" panose="020B0603020101020101" pitchFamily="50" charset="-127"/>
+                <a:ea typeface="나눔바른고딕" panose="020B0603020101020101" pitchFamily="50" charset="-127"/>
+              </a:rPr>
+              <a:t>’ </a:t>
+            </a:r>
+            <a:r>
+              <a:rPr lang="ko-KR" altLang="en-US" sz="1100" dirty="0" smtClean="0">
+                <a:ln>
+                  <a:solidFill>
+                    <a:schemeClr val="tx1">
+                      <a:alpha val="0"/>
+                    </a:schemeClr>
+                  </a:solidFill>
+                </a:ln>
+                <a:latin typeface="나눔바른고딕" panose="020B0603020101020101" pitchFamily="50" charset="-127"/>
+                <a:ea typeface="나눔바른고딕" panose="020B0603020101020101" pitchFamily="50" charset="-127"/>
+              </a:rPr>
+              <a:t>체험 유도</a:t>
+            </a:r>
+            <a:r>
+              <a:rPr lang="en-US" altLang="ko-KR" sz="1100" dirty="0" smtClean="0">
+                <a:ln>
+                  <a:solidFill>
+                    <a:schemeClr val="tx1">
+                      <a:alpha val="0"/>
+                    </a:schemeClr>
+                  </a:solidFill>
+                </a:ln>
+                <a:latin typeface="나눔바른고딕" panose="020B0603020101020101" pitchFamily="50" charset="-127"/>
+                <a:ea typeface="나눔바른고딕" panose="020B0603020101020101" pitchFamily="50" charset="-127"/>
+              </a:rPr>
+              <a:t>(</a:t>
+            </a:r>
+            <a:r>
+              <a:rPr lang="ko-KR" altLang="en-US" sz="1100" dirty="0" err="1" smtClean="0">
+                <a:ln>
+                  <a:solidFill>
+                    <a:schemeClr val="tx1">
+                      <a:alpha val="0"/>
+                    </a:schemeClr>
+                  </a:solidFill>
+                </a:ln>
+                <a:latin typeface="나눔바른고딕" panose="020B0603020101020101" pitchFamily="50" charset="-127"/>
+                <a:ea typeface="나눔바른고딕" panose="020B0603020101020101" pitchFamily="50" charset="-127"/>
+              </a:rPr>
+              <a:t>코칭앱</a:t>
+            </a:r>
+            <a:r>
+              <a:rPr lang="ko-KR" altLang="en-US" sz="1100" dirty="0" smtClean="0">
+                <a:ln>
+                  <a:solidFill>
+                    <a:schemeClr val="tx1">
+                      <a:alpha val="0"/>
+                    </a:schemeClr>
+                  </a:solidFill>
+                </a:ln>
+                <a:latin typeface="나눔바른고딕" panose="020B0603020101020101" pitchFamily="50" charset="-127"/>
+                <a:ea typeface="나눔바른고딕" panose="020B0603020101020101" pitchFamily="50" charset="-127"/>
+              </a:rPr>
+              <a:t> </a:t>
+            </a:r>
+            <a:r>
+              <a:rPr lang="en-US" altLang="ko-KR" sz="1100" dirty="0" smtClean="0">
+                <a:ln>
+                  <a:solidFill>
+                    <a:schemeClr val="tx1">
+                      <a:alpha val="0"/>
+                    </a:schemeClr>
+                  </a:solidFill>
+                </a:ln>
+                <a:latin typeface="나눔바른고딕" panose="020B0603020101020101" pitchFamily="50" charset="-127"/>
+                <a:ea typeface="나눔바른고딕" panose="020B0603020101020101" pitchFamily="50" charset="-127"/>
+              </a:rPr>
+              <a:t>30</a:t>
+            </a:r>
+            <a:r>
+              <a:rPr lang="ko-KR" altLang="en-US" sz="1100" dirty="0" smtClean="0">
+                <a:ln>
+                  <a:solidFill>
+                    <a:schemeClr val="tx1">
+                      <a:alpha val="0"/>
+                    </a:schemeClr>
+                  </a:solidFill>
+                </a:ln>
+                <a:latin typeface="나눔바른고딕" panose="020B0603020101020101" pitchFamily="50" charset="-127"/>
+                <a:ea typeface="나눔바른고딕" panose="020B0603020101020101" pitchFamily="50" charset="-127"/>
+              </a:rPr>
+              <a:t>문제 정답</a:t>
+            </a:r>
+            <a:r>
+              <a:rPr lang="en-US" altLang="ko-KR" sz="1100" dirty="0" smtClean="0">
+                <a:ln>
+                  <a:solidFill>
+                    <a:schemeClr val="tx1">
+                      <a:alpha val="0"/>
+                    </a:schemeClr>
+                  </a:solidFill>
+                </a:ln>
+                <a:latin typeface="나눔바른고딕" panose="020B0603020101020101" pitchFamily="50" charset="-127"/>
+                <a:ea typeface="나눔바른고딕" panose="020B0603020101020101" pitchFamily="50" charset="-127"/>
+              </a:rPr>
+              <a:t>)</a:t>
+            </a:r>
+            <a:endParaRPr lang="en-US" altLang="ko-KR" sz="1100" dirty="0">
+              <a:ln>
+                <a:solidFill>
+                  <a:schemeClr val="tx1">
+                    <a:alpha val="0"/>
+                  </a:schemeClr>
+                </a:solidFill>
+              </a:ln>
+              <a:latin typeface="나눔바른고딕" panose="020B0603020101020101" pitchFamily="50" charset="-127"/>
+              <a:ea typeface="나눔바른고딕" panose="020B0603020101020101" pitchFamily="50" charset="-127"/>
+            </a:endParaRPr>
+          </a:p>
+        </p:txBody>
+      </p:sp>
+      <p:sp>
+        <p:nvSpPr>
+          <p:cNvPr id="6" name="직사각형 5"/>
+          <p:cNvSpPr/>
+          <p:nvPr/>
+        </p:nvSpPr>
+        <p:spPr>
+          <a:xfrm>
+            <a:off x="5565531" y="5930167"/>
+            <a:ext cx="3299514" cy="276999"/>
+          </a:xfrm>
+          <a:prstGeom prst="rect">
+            <a:avLst/>
+          </a:prstGeom>
+          <a:solidFill>
+            <a:schemeClr val="accent4">
+              <a:lumMod val="20000"/>
+              <a:lumOff val="80000"/>
+            </a:schemeClr>
+          </a:solidFill>
+          <a:ln w="25400">
+            <a:solidFill>
+              <a:srgbClr val="C00000"/>
+            </a:solidFill>
+          </a:ln>
+        </p:spPr>
+        <p:txBody>
+          <a:bodyPr wrap="square">
+            <a:spAutoFit/>
+          </a:bodyPr>
+          <a:lstStyle/>
+          <a:p>
+            <a:pPr algn="r"/>
+            <a:r>
+              <a:rPr lang="en-US" altLang="ko-KR" sz="1200" dirty="0" smtClean="0">
+                <a:ln>
+                  <a:solidFill>
+                    <a:schemeClr val="tx1">
+                      <a:alpha val="0"/>
+                    </a:schemeClr>
+                  </a:solidFill>
+                </a:ln>
+                <a:latin typeface="나눔바른고딕" panose="020B0603020101020101" pitchFamily="50" charset="-127"/>
+                <a:ea typeface="나눔바른고딕" panose="020B0603020101020101" pitchFamily="50" charset="-127"/>
+              </a:rPr>
+              <a:t>1/13~ </a:t>
+            </a:r>
+            <a:r>
+              <a:rPr lang="ko-KR" altLang="en-US" sz="1200" dirty="0" smtClean="0">
+                <a:ln>
+                  <a:solidFill>
+                    <a:schemeClr val="tx1">
+                      <a:alpha val="0"/>
+                    </a:schemeClr>
+                  </a:solidFill>
+                </a:ln>
+                <a:latin typeface="나눔바른고딕" panose="020B0603020101020101" pitchFamily="50" charset="-127"/>
+                <a:ea typeface="나눔바른고딕" panose="020B0603020101020101" pitchFamily="50" charset="-127"/>
+              </a:rPr>
+              <a:t>진행 중</a:t>
+            </a:r>
+            <a:endParaRPr lang="en-US" altLang="ko-KR" sz="1200" dirty="0" smtClean="0">
+              <a:ln>
+                <a:solidFill>
+                  <a:schemeClr val="tx1">
+                    <a:alpha val="0"/>
+                  </a:schemeClr>
+                </a:solidFill>
+              </a:ln>
+              <a:latin typeface="나눔바른고딕" panose="020B0603020101020101" pitchFamily="50" charset="-127"/>
+              <a:ea typeface="나눔바른고딕" panose="020B0603020101020101" pitchFamily="50" charset="-127"/>
+            </a:endParaRPr>
+          </a:p>
+        </p:txBody>
+      </p:sp>
+      <p:pic>
+        <p:nvPicPr>
+          <p:cNvPr id="7" name="그림 6"/>
+          <p:cNvPicPr>
+            <a:picLocks noChangeAspect="1"/>
+          </p:cNvPicPr>
+          <p:nvPr/>
+        </p:nvPicPr>
+        <p:blipFill>
+          <a:blip r:embed="rId2"/>
+          <a:stretch>
+            <a:fillRect/>
+          </a:stretch>
+        </p:blipFill>
+        <p:spPr>
+          <a:xfrm>
+            <a:off x="477654" y="1113905"/>
+            <a:ext cx="6737634" cy="3293831"/>
+          </a:xfrm>
+          <a:prstGeom prst="rect">
+            <a:avLst/>
+          </a:prstGeom>
+        </p:spPr>
+      </p:pic>
+      <p:sp>
+        <p:nvSpPr>
+          <p:cNvPr id="9" name="직사각형 8"/>
+          <p:cNvSpPr/>
+          <p:nvPr/>
+        </p:nvSpPr>
+        <p:spPr>
+          <a:xfrm>
+            <a:off x="596135" y="1492926"/>
+            <a:ext cx="6095610" cy="552005"/>
+          </a:xfrm>
+          <a:prstGeom prst="rect">
+            <a:avLst/>
+          </a:prstGeom>
+          <a:solidFill>
+            <a:schemeClr val="accent4">
+              <a:lumMod val="20000"/>
+              <a:lumOff val="80000"/>
+              <a:alpha val="20000"/>
+            </a:schemeClr>
+          </a:solidFill>
+          <a:ln w="25400">
+            <a:solidFill>
+              <a:srgbClr val="C00000"/>
+            </a:solidFill>
+          </a:ln>
+        </p:spPr>
+        <p:txBody>
+          <a:bodyPr wrap="square">
+            <a:spAutoFit/>
+          </a:bodyPr>
+          <a:lstStyle/>
+          <a:p>
+            <a:pPr algn="r"/>
+            <a:endParaRPr lang="en-US" altLang="ko-KR" sz="1200" dirty="0">
+              <a:ln>
+                <a:solidFill>
+                  <a:schemeClr val="tx1">
+                    <a:alpha val="0"/>
+                  </a:schemeClr>
+                </a:solidFill>
+              </a:ln>
+              <a:latin typeface="나눔바른고딕" panose="020B0603020101020101" pitchFamily="50" charset="-127"/>
+              <a:ea typeface="나눔바른고딕" panose="020B0603020101020101" pitchFamily="50" charset="-127"/>
+            </a:endParaRPr>
+          </a:p>
+        </p:txBody>
+      </p:sp>
+      <p:sp>
+        <p:nvSpPr>
+          <p:cNvPr id="8" name="직사각형 7"/>
+          <p:cNvSpPr/>
+          <p:nvPr/>
+        </p:nvSpPr>
+        <p:spPr>
+          <a:xfrm>
+            <a:off x="2980503" y="1668799"/>
+            <a:ext cx="1258988" cy="215444"/>
+          </a:xfrm>
+          <a:prstGeom prst="rect">
+            <a:avLst/>
+          </a:prstGeom>
+          <a:solidFill>
+            <a:schemeClr val="bg2"/>
+          </a:solidFill>
+          <a:ln>
+            <a:solidFill>
+              <a:srgbClr val="0070C0"/>
+            </a:solidFill>
+          </a:ln>
+        </p:spPr>
+        <p:txBody>
+          <a:bodyPr wrap="square">
+            <a:spAutoFit/>
+          </a:bodyPr>
+          <a:lstStyle/>
+          <a:p>
+            <a:pPr algn="ctr"/>
+            <a:r>
+              <a:rPr lang="en-US" altLang="ko-KR" sz="800" dirty="0" smtClean="0">
+                <a:ln>
+                  <a:solidFill>
+                    <a:schemeClr val="tx1">
+                      <a:alpha val="0"/>
+                    </a:schemeClr>
+                  </a:solidFill>
+                </a:ln>
+                <a:latin typeface="나눔바른고딕" panose="020B0603020101020101" pitchFamily="50" charset="-127"/>
+                <a:ea typeface="나눔바른고딕" panose="020B0603020101020101" pitchFamily="50" charset="-127"/>
+                <a:sym typeface="Wingdings" panose="05000000000000000000" pitchFamily="2" charset="2"/>
+              </a:rPr>
+              <a:t></a:t>
+            </a:r>
+            <a:r>
+              <a:rPr lang="en-US" altLang="ko-KR" sz="800" dirty="0">
+                <a:ln>
+                  <a:solidFill>
+                    <a:schemeClr val="tx1">
+                      <a:alpha val="0"/>
+                    </a:schemeClr>
+                  </a:solidFill>
+                </a:ln>
+                <a:latin typeface="나눔바른고딕" panose="020B0603020101020101" pitchFamily="50" charset="-127"/>
+                <a:ea typeface="나눔바른고딕" panose="020B0603020101020101" pitchFamily="50" charset="-127"/>
+                <a:sym typeface="Wingdings" panose="05000000000000000000" pitchFamily="2" charset="2"/>
+              </a:rPr>
+              <a:t> </a:t>
+            </a:r>
+            <a:r>
+              <a:rPr lang="ko-KR" altLang="en-US" sz="800" dirty="0" smtClean="0">
+                <a:ln>
+                  <a:solidFill>
+                    <a:schemeClr val="tx1">
+                      <a:alpha val="0"/>
+                    </a:schemeClr>
+                  </a:solidFill>
+                </a:ln>
+                <a:latin typeface="나눔바른고딕" panose="020B0603020101020101" pitchFamily="50" charset="-127"/>
+                <a:ea typeface="나눔바른고딕" panose="020B0603020101020101" pitchFamily="50" charset="-127"/>
+              </a:rPr>
+              <a:t>강의실 페이지 유입</a:t>
+            </a:r>
+            <a:endParaRPr lang="en-US" altLang="ko-KR" sz="800" dirty="0">
+              <a:ln>
+                <a:solidFill>
+                  <a:schemeClr val="tx1">
+                    <a:alpha val="0"/>
+                  </a:schemeClr>
+                </a:solidFill>
+              </a:ln>
+              <a:latin typeface="나눔바른고딕" panose="020B0603020101020101" pitchFamily="50" charset="-127"/>
+              <a:ea typeface="나눔바른고딕" panose="020B0603020101020101" pitchFamily="50" charset="-127"/>
+            </a:endParaRPr>
+          </a:p>
+        </p:txBody>
+      </p:sp>
+    </p:spTree>
+    <p:extLst>
+      <p:ext uri="{BB962C8B-B14F-4D97-AF65-F5344CB8AC3E}">
+        <p14:creationId xmlns:p14="http://schemas.microsoft.com/office/powerpoint/2010/main" val="2204932835"/>
+      </p:ext>
+    </p:extLst>
+  </p:cSld>
+  <p:clrMapOvr>
+    <a:masterClrMapping/>
+  </p:clrMapOvr>
+</p:sld>
+</file>
+
+<file path=ppt/slides/slide9.xml><?xml version="1.0" encoding="utf-8"?>
+<p:sld xmlns:a="http://schemas.openxmlformats.org/drawingml/2006/main" xmlns:r="http://schemas.openxmlformats.org/officeDocument/2006/relationships" xmlns:p="http://schemas.openxmlformats.org/presentationml/2006/main">
+  <p:cSld>
+    <p:spTree>
+      <p:nvGrpSpPr>
+        <p:cNvPr id="1" name=""/>
+        <p:cNvGrpSpPr/>
+        <p:nvPr/>
+      </p:nvGrpSpPr>
+      <p:grpSpPr>
+        <a:xfrm>
+          <a:off x="0" y="0"/>
+          <a:ext cx="0" cy="0"/>
+          <a:chOff x="0" y="0"/>
+          <a:chExt cx="0" cy="0"/>
+        </a:xfrm>
+      </p:grpSpPr>
+      <p:sp>
+        <p:nvSpPr>
+          <p:cNvPr id="2" name="직사각형 1"/>
+          <p:cNvSpPr/>
+          <p:nvPr/>
+        </p:nvSpPr>
+        <p:spPr>
+          <a:xfrm>
+            <a:off x="136868" y="98606"/>
+            <a:ext cx="4572000" cy="253916"/>
+          </a:xfrm>
+          <a:prstGeom prst="rect">
+            <a:avLst/>
+          </a:prstGeom>
+        </p:spPr>
+        <p:txBody>
+          <a:bodyPr>
+            <a:spAutoFit/>
+          </a:bodyPr>
+          <a:lstStyle/>
+          <a:p>
+            <a:r>
+              <a:rPr lang="en-US" altLang="ko-KR" sz="1050" b="1" dirty="0" smtClean="0">
+                <a:ln>
+                  <a:solidFill>
+                    <a:schemeClr val="tx1">
+                      <a:alpha val="0"/>
+                    </a:schemeClr>
+                  </a:solidFill>
+                </a:ln>
+                <a:latin typeface="나눔바른고딕" panose="020B0603020101020101" pitchFamily="50" charset="-127"/>
+                <a:ea typeface="나눔바른고딕" panose="020B0603020101020101" pitchFamily="50" charset="-127"/>
+              </a:rPr>
+              <a:t>1</a:t>
+            </a:r>
+            <a:r>
+              <a:rPr lang="ko-KR" altLang="en-US" sz="1050" b="1" dirty="0" smtClean="0">
+                <a:ln>
+                  <a:solidFill>
+                    <a:schemeClr val="tx1">
+                      <a:alpha val="0"/>
+                    </a:schemeClr>
+                  </a:solidFill>
+                </a:ln>
+                <a:latin typeface="나눔바른고딕" panose="020B0603020101020101" pitchFamily="50" charset="-127"/>
+                <a:ea typeface="나눔바른고딕" panose="020B0603020101020101" pitchFamily="50" charset="-127"/>
+              </a:rPr>
+              <a:t>월 </a:t>
+            </a:r>
+            <a:r>
+              <a:rPr lang="en-US" altLang="ko-KR" sz="1050" b="1" dirty="0" smtClean="0">
+                <a:ln>
+                  <a:solidFill>
+                    <a:schemeClr val="tx1">
+                      <a:alpha val="0"/>
+                    </a:schemeClr>
+                  </a:solidFill>
+                </a:ln>
+                <a:latin typeface="나눔바른고딕" panose="020B0603020101020101" pitchFamily="50" charset="-127"/>
+                <a:ea typeface="나눔바른고딕" panose="020B0603020101020101" pitchFamily="50" charset="-127"/>
+              </a:rPr>
+              <a:t>1</a:t>
+            </a:r>
+            <a:r>
+              <a:rPr lang="ko-KR" altLang="en-US" sz="1050" b="1" dirty="0" smtClean="0">
+                <a:ln>
+                  <a:solidFill>
+                    <a:schemeClr val="tx1">
+                      <a:alpha val="0"/>
+                    </a:schemeClr>
+                  </a:solidFill>
+                </a:ln>
+                <a:latin typeface="나눔바른고딕" panose="020B0603020101020101" pitchFamily="50" charset="-127"/>
+                <a:ea typeface="나눔바른고딕" panose="020B0603020101020101" pitchFamily="50" charset="-127"/>
+              </a:rPr>
+              <a:t>일 추가 체험 이벤트 진행 현황</a:t>
+            </a:r>
+            <a:endParaRPr lang="ko-KR" altLang="en-US" sz="1050" b="1" dirty="0">
+              <a:ln>
+                <a:solidFill>
+                  <a:schemeClr val="tx1">
+                    <a:alpha val="0"/>
+                  </a:schemeClr>
+                </a:solidFill>
+              </a:ln>
+              <a:latin typeface="나눔바른고딕" panose="020B0603020101020101" pitchFamily="50" charset="-127"/>
+              <a:ea typeface="나눔바른고딕" panose="020B0603020101020101" pitchFamily="50" charset="-127"/>
+            </a:endParaRPr>
+          </a:p>
+        </p:txBody>
+      </p:sp>
+      <p:cxnSp>
+        <p:nvCxnSpPr>
+          <p:cNvPr id="3" name="직선 연결선 2"/>
+          <p:cNvCxnSpPr/>
+          <p:nvPr/>
+        </p:nvCxnSpPr>
+        <p:spPr>
+          <a:xfrm>
+            <a:off x="136868" y="401870"/>
+            <a:ext cx="8867351" cy="0"/>
+          </a:xfrm>
+          <a:prstGeom prst="line">
+            <a:avLst/>
+          </a:prstGeom>
+          <a:ln>
+            <a:solidFill>
+              <a:schemeClr val="tx1"/>
+            </a:solidFill>
+          </a:ln>
+        </p:spPr>
+        <p:style>
+          <a:lnRef idx="1">
+            <a:schemeClr val="accent1"/>
+          </a:lnRef>
+          <a:fillRef idx="0">
+            <a:schemeClr val="accent1"/>
+          </a:fillRef>
+          <a:effectRef idx="0">
+            <a:schemeClr val="accent1"/>
+          </a:effectRef>
+          <a:fontRef idx="minor">
+            <a:schemeClr val="tx1"/>
+          </a:fontRef>
+        </p:style>
+      </p:cxnSp>
+      <p:pic>
+        <p:nvPicPr>
+          <p:cNvPr id="4" name="그림 3"/>
+          <p:cNvPicPr>
+            <a:picLocks noChangeAspect="1"/>
+          </p:cNvPicPr>
+          <p:nvPr/>
+        </p:nvPicPr>
+        <p:blipFill>
+          <a:blip r:embed="rId2"/>
+          <a:stretch>
+            <a:fillRect/>
+          </a:stretch>
+        </p:blipFill>
+        <p:spPr>
+          <a:xfrm>
+            <a:off x="355321" y="726391"/>
+            <a:ext cx="6174156" cy="1927879"/>
+          </a:xfrm>
+          <a:prstGeom prst="rect">
+            <a:avLst/>
+          </a:prstGeom>
+        </p:spPr>
+      </p:pic>
+      <p:sp>
+        <p:nvSpPr>
+          <p:cNvPr id="5" name="직사각형 4"/>
+          <p:cNvSpPr/>
+          <p:nvPr/>
+        </p:nvSpPr>
+        <p:spPr>
+          <a:xfrm>
+            <a:off x="5453149" y="5859656"/>
+            <a:ext cx="3551070" cy="461665"/>
+          </a:xfrm>
+          <a:prstGeom prst="rect">
+            <a:avLst/>
+          </a:prstGeom>
+          <a:solidFill>
+            <a:schemeClr val="accent4">
+              <a:lumMod val="20000"/>
+              <a:lumOff val="80000"/>
+            </a:schemeClr>
+          </a:solidFill>
+          <a:ln w="25400">
+            <a:solidFill>
+              <a:srgbClr val="C00000"/>
+            </a:solidFill>
+          </a:ln>
+        </p:spPr>
+        <p:txBody>
+          <a:bodyPr wrap="square">
+            <a:spAutoFit/>
+          </a:bodyPr>
+          <a:lstStyle/>
+          <a:p>
+            <a:pPr algn="r"/>
+            <a:r>
+              <a:rPr lang="en-US" altLang="ko-KR" sz="1200" dirty="0" smtClean="0">
+                <a:ln>
+                  <a:solidFill>
+                    <a:schemeClr val="tx1">
+                      <a:alpha val="0"/>
+                    </a:schemeClr>
+                  </a:solidFill>
+                </a:ln>
+                <a:latin typeface="나눔바른고딕" panose="020B0603020101020101" pitchFamily="50" charset="-127"/>
+                <a:ea typeface="나눔바른고딕" panose="020B0603020101020101" pitchFamily="50" charset="-127"/>
+              </a:rPr>
+              <a:t>1</a:t>
+            </a:r>
+            <a:r>
+              <a:rPr lang="ko-KR" altLang="en-US" sz="1200" dirty="0" smtClean="0">
+                <a:ln>
+                  <a:solidFill>
+                    <a:schemeClr val="tx1">
+                      <a:alpha val="0"/>
+                    </a:schemeClr>
+                  </a:solidFill>
+                </a:ln>
+                <a:latin typeface="나눔바른고딕" panose="020B0603020101020101" pitchFamily="50" charset="-127"/>
+                <a:ea typeface="나눔바른고딕" panose="020B0603020101020101" pitchFamily="50" charset="-127"/>
+              </a:rPr>
+              <a:t>월 </a:t>
+            </a:r>
+            <a:r>
+              <a:rPr lang="en-US" altLang="ko-KR" sz="1200" dirty="0" smtClean="0">
+                <a:ln>
+                  <a:solidFill>
+                    <a:schemeClr val="tx1">
+                      <a:alpha val="0"/>
+                    </a:schemeClr>
+                  </a:solidFill>
+                </a:ln>
+                <a:latin typeface="나눔바른고딕" panose="020B0603020101020101" pitchFamily="50" charset="-127"/>
+                <a:ea typeface="나눔바른고딕" panose="020B0603020101020101" pitchFamily="50" charset="-127"/>
+              </a:rPr>
+              <a:t>11</a:t>
+            </a:r>
+            <a:r>
+              <a:rPr lang="ko-KR" altLang="en-US" sz="1200" dirty="0" smtClean="0">
+                <a:ln>
+                  <a:solidFill>
+                    <a:schemeClr val="tx1">
+                      <a:alpha val="0"/>
+                    </a:schemeClr>
+                  </a:solidFill>
+                </a:ln>
+                <a:latin typeface="나눔바른고딕" panose="020B0603020101020101" pitchFamily="50" charset="-127"/>
+                <a:ea typeface="나눔바른고딕" panose="020B0603020101020101" pitchFamily="50" charset="-127"/>
+              </a:rPr>
+              <a:t>일부로 </a:t>
+            </a:r>
+            <a:r>
+              <a:rPr lang="ko-KR" altLang="en-US" sz="1200" dirty="0" smtClean="0">
+                <a:ln>
+                  <a:solidFill>
+                    <a:schemeClr val="tx1">
+                      <a:alpha val="0"/>
+                    </a:schemeClr>
+                  </a:solidFill>
+                </a:ln>
+                <a:latin typeface="나눔바른고딕" panose="020B0603020101020101" pitchFamily="50" charset="-127"/>
+                <a:ea typeface="나눔바른고딕" panose="020B0603020101020101" pitchFamily="50" charset="-127"/>
+              </a:rPr>
+              <a:t>이벤트 진행</a:t>
+            </a:r>
+            <a:endParaRPr lang="en-US" altLang="ko-KR" sz="1200" dirty="0" smtClean="0">
+              <a:ln>
+                <a:solidFill>
+                  <a:schemeClr val="tx1">
+                    <a:alpha val="0"/>
+                  </a:schemeClr>
+                </a:solidFill>
+              </a:ln>
+              <a:latin typeface="나눔바른고딕" panose="020B0603020101020101" pitchFamily="50" charset="-127"/>
+              <a:ea typeface="나눔바른고딕" panose="020B0603020101020101" pitchFamily="50" charset="-127"/>
+            </a:endParaRPr>
+          </a:p>
+          <a:p>
+            <a:pPr algn="r"/>
+            <a:r>
+              <a:rPr lang="en-US" altLang="ko-KR" sz="1200" b="1" dirty="0" smtClean="0">
+                <a:ln>
+                  <a:solidFill>
+                    <a:schemeClr val="tx1">
+                      <a:alpha val="0"/>
+                    </a:schemeClr>
+                  </a:solidFill>
+                </a:ln>
+                <a:latin typeface="나눔바른고딕" panose="020B0603020101020101" pitchFamily="50" charset="-127"/>
+                <a:ea typeface="나눔바른고딕" panose="020B0603020101020101" pitchFamily="50" charset="-127"/>
+              </a:rPr>
+              <a:t>1</a:t>
+            </a:r>
+            <a:r>
+              <a:rPr lang="ko-KR" altLang="en-US" sz="1200" b="1" dirty="0" smtClean="0">
+                <a:ln>
+                  <a:solidFill>
+                    <a:schemeClr val="tx1">
+                      <a:alpha val="0"/>
+                    </a:schemeClr>
+                  </a:solidFill>
+                </a:ln>
+                <a:latin typeface="나눔바른고딕" panose="020B0603020101020101" pitchFamily="50" charset="-127"/>
+                <a:ea typeface="나눔바른고딕" panose="020B0603020101020101" pitchFamily="50" charset="-127"/>
+              </a:rPr>
+              <a:t>월 </a:t>
+            </a:r>
+            <a:r>
+              <a:rPr lang="en-US" altLang="ko-KR" sz="1200" b="1" dirty="0" smtClean="0">
+                <a:ln>
+                  <a:solidFill>
+                    <a:schemeClr val="tx1">
+                      <a:alpha val="0"/>
+                    </a:schemeClr>
+                  </a:solidFill>
+                </a:ln>
+                <a:latin typeface="나눔바른고딕" panose="020B0603020101020101" pitchFamily="50" charset="-127"/>
+                <a:ea typeface="나눔바른고딕" panose="020B0603020101020101" pitchFamily="50" charset="-127"/>
+              </a:rPr>
+              <a:t>15</a:t>
+            </a:r>
+            <a:r>
+              <a:rPr lang="ko-KR" altLang="en-US" sz="1200" b="1" dirty="0" smtClean="0">
+                <a:ln>
+                  <a:solidFill>
+                    <a:schemeClr val="tx1">
+                      <a:alpha val="0"/>
+                    </a:schemeClr>
+                  </a:solidFill>
+                </a:ln>
+                <a:latin typeface="나눔바른고딕" panose="020B0603020101020101" pitchFamily="50" charset="-127"/>
+                <a:ea typeface="나눔바른고딕" panose="020B0603020101020101" pitchFamily="50" charset="-127"/>
+              </a:rPr>
+              <a:t>일 현재 </a:t>
+            </a:r>
+            <a:r>
+              <a:rPr lang="en-US" altLang="ko-KR" sz="1200" b="1" dirty="0" smtClean="0">
+                <a:ln>
+                  <a:solidFill>
+                    <a:schemeClr val="tx1">
+                      <a:alpha val="0"/>
+                    </a:schemeClr>
+                  </a:solidFill>
+                </a:ln>
+                <a:latin typeface="나눔바른고딕" panose="020B0603020101020101" pitchFamily="50" charset="-127"/>
+                <a:ea typeface="나눔바른고딕" panose="020B0603020101020101" pitchFamily="50" charset="-127"/>
+              </a:rPr>
+              <a:t>26</a:t>
+            </a:r>
+            <a:r>
+              <a:rPr lang="ko-KR" altLang="en-US" sz="1200" b="1" dirty="0" smtClean="0">
+                <a:ln>
+                  <a:solidFill>
+                    <a:schemeClr val="tx1">
+                      <a:alpha val="0"/>
+                    </a:schemeClr>
+                  </a:solidFill>
+                </a:ln>
+                <a:latin typeface="나눔바른고딕" panose="020B0603020101020101" pitchFamily="50" charset="-127"/>
+                <a:ea typeface="나눔바른고딕" panose="020B0603020101020101" pitchFamily="50" charset="-127"/>
+              </a:rPr>
+              <a:t>명 신청</a:t>
+            </a:r>
+            <a:endParaRPr lang="en-US" altLang="ko-KR" sz="1200" b="1" dirty="0">
+              <a:ln>
+                <a:solidFill>
+                  <a:schemeClr val="tx1">
+                    <a:alpha val="0"/>
+                  </a:schemeClr>
+                </a:solidFill>
+              </a:ln>
+              <a:latin typeface="나눔바른고딕" panose="020B0603020101020101" pitchFamily="50" charset="-127"/>
+              <a:ea typeface="나눔바른고딕" panose="020B0603020101020101" pitchFamily="50" charset="-127"/>
+            </a:endParaRPr>
+          </a:p>
+        </p:txBody>
+      </p:sp>
+      <p:sp>
+        <p:nvSpPr>
+          <p:cNvPr id="6" name="직사각형 5"/>
+          <p:cNvSpPr/>
+          <p:nvPr/>
+        </p:nvSpPr>
+        <p:spPr>
+          <a:xfrm>
+            <a:off x="7705898" y="515190"/>
+            <a:ext cx="1215308" cy="261610"/>
+          </a:xfrm>
+          <a:prstGeom prst="rect">
+            <a:avLst/>
+          </a:prstGeom>
+          <a:solidFill>
+            <a:schemeClr val="bg2"/>
+          </a:solidFill>
+          <a:ln>
+            <a:solidFill>
+              <a:srgbClr val="0070C0"/>
+            </a:solidFill>
+          </a:ln>
+        </p:spPr>
+        <p:txBody>
+          <a:bodyPr wrap="square">
+            <a:spAutoFit/>
+          </a:bodyPr>
+          <a:lstStyle/>
+          <a:p>
+            <a:pPr algn="ctr"/>
+            <a:r>
+              <a:rPr lang="en-US" altLang="ko-KR" sz="1100" dirty="0" smtClean="0">
+                <a:ln>
+                  <a:solidFill>
+                    <a:schemeClr val="tx1">
+                      <a:alpha val="0"/>
+                    </a:schemeClr>
+                  </a:solidFill>
+                </a:ln>
+                <a:latin typeface="나눔바른고딕" panose="020B0603020101020101" pitchFamily="50" charset="-127"/>
+                <a:ea typeface="나눔바른고딕" panose="020B0603020101020101" pitchFamily="50" charset="-127"/>
+              </a:rPr>
+              <a:t>01.11~</a:t>
+            </a:r>
+            <a:endParaRPr lang="en-US" altLang="ko-KR" sz="1100" dirty="0">
+              <a:ln>
+                <a:solidFill>
+                  <a:schemeClr val="tx1">
+                    <a:alpha val="0"/>
+                  </a:schemeClr>
+                </a:solidFill>
+              </a:ln>
+              <a:latin typeface="나눔바른고딕" panose="020B0603020101020101" pitchFamily="50" charset="-127"/>
+              <a:ea typeface="나눔바른고딕" panose="020B0603020101020101" pitchFamily="50" charset="-127"/>
+            </a:endParaRPr>
+          </a:p>
+        </p:txBody>
+      </p:sp>
+      <p:pic>
+        <p:nvPicPr>
+          <p:cNvPr id="7" name="그림 6"/>
+          <p:cNvPicPr>
+            <a:picLocks noChangeAspect="1"/>
+          </p:cNvPicPr>
+          <p:nvPr/>
+        </p:nvPicPr>
+        <p:blipFill>
+          <a:blip r:embed="rId3"/>
+          <a:stretch>
+            <a:fillRect/>
+          </a:stretch>
+        </p:blipFill>
+        <p:spPr>
+          <a:xfrm>
+            <a:off x="1762647" y="1751632"/>
+            <a:ext cx="307224" cy="212346"/>
+          </a:xfrm>
+          <a:prstGeom prst="rect">
+            <a:avLst/>
+          </a:prstGeom>
+        </p:spPr>
+      </p:pic>
+    </p:spTree>
+    <p:extLst>
+      <p:ext uri="{BB962C8B-B14F-4D97-AF65-F5344CB8AC3E}">
+        <p14:creationId xmlns:p14="http://schemas.microsoft.com/office/powerpoint/2010/main" val="1439860995"/>
       </p:ext>
     </p:extLst>
   </p:cSld>
